--- a/slides/arcScriptTools.pptx
+++ b/slides/arcScriptTools.pptx
@@ -857,30 +857,36 @@
               <a:rPr lang="en-US" altLang="en-US">
                 <a:latin typeface="Arial" panose="020B0604020202020204" pitchFamily="34" charset="0"/>
               </a:rPr>
-              <a:t>A graphical user interface (or GUI for short), is a way to prompt users to provide the arguments needed for a script in a way that’s easier for them to understand than running the tool in an IDE or command line environment. The image on the right shows a simple GUI that was created by an ArcGIS Script Tool.   ArcGIS Script Tools are a means for you, the programmer, to create graphical user interfaces for your Python scripts without having to learn about the complex libraries that are available for GUI development.  </a:t>
-            </a:r>
-          </a:p>
-          <a:p>
-            <a:endParaRPr lang="en-US" altLang="en-US">
+              <a:t>A graphical user interface (or GUI for short), is a way to prompt users to provide the arguments needed for a script in a way that’s easier for them to understand than running the tool in an IDE or command line environment. </a:t>
+            </a:r>
+            <a:r>
+              <a:rPr lang="en-US" altLang="en-US" dirty="0">
+                <a:latin typeface="Arial" panose="020B0604020202020204" pitchFamily="34" charset="0"/>
+              </a:rPr>
+              <a:t>The image on the right shows a simple GUI that was created by an ArcGIS Script Tool.   ArcGIS Script Tools are a means for you, the programmer, to create graphical user interfaces for your Python scripts without having to learn about the complex libraries that are available for GUI development.  </a:t>
+            </a:r>
+          </a:p>
+          <a:p>
+            <a:endParaRPr lang="en-US" altLang="en-US" dirty="0">
               <a:latin typeface="Arial" panose="020B0604020202020204" pitchFamily="34" charset="0"/>
             </a:endParaRPr>
           </a:p>
           <a:p>
             <a:r>
-              <a:rPr lang="en-US" altLang="en-US">
+              <a:rPr lang="en-US" altLang="en-US" dirty="0">
                 <a:latin typeface="Arial" panose="020B0604020202020204" pitchFamily="34" charset="0"/>
               </a:rPr>
               <a:t>This video introduces ArcGIS Script Tools, there relationship with the Python scripts they are built for, how to create them, and how to use them.  Also, that topic of relative paths reemerges.</a:t>
             </a:r>
           </a:p>
           <a:p>
-            <a:endParaRPr lang="en-US" altLang="en-US">
+            <a:endParaRPr lang="en-US" altLang="en-US" dirty="0">
               <a:latin typeface="Arial" panose="020B0604020202020204" pitchFamily="34" charset="0"/>
             </a:endParaRPr>
           </a:p>
           <a:p>
             <a:r>
-              <a:rPr lang="en-US" altLang="en-US">
+              <a:rPr lang="en-US" altLang="en-US" dirty="0">
                 <a:latin typeface="Arial" panose="020B0604020202020204" pitchFamily="34" charset="0"/>
               </a:rPr>
               <a:t>After this lesson there are several follow-up lessons about setting the parameters.  If you learn enough about Script Tools and their cousins, Python Toolboxes, you can make dynamic interfaces that can really help your users run your scripts more effectively.</a:t>
@@ -1379,10 +1385,35 @@
           <a:lstStyle/>
           <a:p>
             <a:r>
-              <a:rPr lang="en-US" altLang="en-US">
+              <a:rPr lang="en-US" altLang="en-US" dirty="0">
                 <a:latin typeface="Arial" panose="020B0604020202020204" pitchFamily="34" charset="0"/>
               </a:rPr>
-              <a:t>http://resources.arcgis.com/en/help/main/10.1/index.html#//002400000005000000</a:t>
+              <a:t>https://www.youtube.com/watch?v=l2oPX3LJeDw</a:t>
+            </a:r>
+          </a:p>
+          <a:p>
+            <a:endParaRPr lang="en-US" altLang="en-US" dirty="0">
+              <a:latin typeface="Arial" panose="020B0604020202020204" pitchFamily="34" charset="0"/>
+            </a:endParaRPr>
+          </a:p>
+          <a:p>
+            <a:r>
+              <a:rPr lang="en-US" altLang="en-US" dirty="0">
+                <a:latin typeface="Arial" panose="020B0604020202020204" pitchFamily="34" charset="0"/>
+              </a:rPr>
+              <a:t>This is </a:t>
+            </a:r>
+            <a:r>
+              <a:rPr lang="en-US" altLang="en-US" dirty="0" err="1">
+                <a:latin typeface="Arial" panose="020B0604020202020204" pitchFamily="34" charset="0"/>
+              </a:rPr>
+              <a:t>fyi</a:t>
+            </a:r>
+            <a:r>
+              <a:rPr lang="en-US" altLang="en-US" dirty="0">
+                <a:latin typeface="Arial" panose="020B0604020202020204" pitchFamily="34" charset="0"/>
+              </a:rPr>
+              <a:t>, in case you want to do this for your own environment.   But we are discussing this slide in class because, the button will not come along when you share your project.  This customization only changes the current computer's setup.</a:t>
             </a:r>
           </a:p>
         </p:txBody>
@@ -5984,7 +6015,7 @@
           <a:lstStyle/>
           <a:p>
             <a:r>
-              <a:rPr lang="en-US" altLang="en-US" sz="2800">
+              <a:rPr lang="en-US" altLang="en-US" sz="2800" dirty="0">
                 <a:ea typeface="MS PGothic" panose="020B0600070205080204" pitchFamily="34" charset="-128"/>
               </a:rPr>
               <a:t>Topics discussed</a:t>
@@ -5993,7 +6024,7 @@
           <a:p>
             <a:pPr lvl="2"/>
             <a:r>
-              <a:rPr lang="en-US" altLang="en-US" sz="2200">
+              <a:rPr lang="en-US" altLang="en-US" sz="2200" dirty="0">
                 <a:ea typeface="MS PGothic" panose="020B0600070205080204" pitchFamily="34" charset="-128"/>
               </a:rPr>
               <a:t>Script tools</a:t>
@@ -6002,7 +6033,7 @@
           <a:p>
             <a:pPr lvl="3"/>
             <a:r>
-              <a:rPr lang="en-US" altLang="en-US" sz="1800">
+              <a:rPr lang="en-US" altLang="en-US" sz="1800" dirty="0">
                 <a:ea typeface="MS PGothic" panose="020B0600070205080204" pitchFamily="34" charset="-128"/>
               </a:rPr>
               <a:t>GUI front end for scripts</a:t>
@@ -6011,25 +6042,37 @@
           <a:p>
             <a:pPr lvl="3"/>
             <a:r>
-              <a:rPr lang="en-US" altLang="en-US" sz="1800">
+              <a:rPr lang="en-US" altLang="en-US" sz="1800" dirty="0">
                 <a:ea typeface="MS PGothic" panose="020B0600070205080204" pitchFamily="34" charset="-128"/>
               </a:rPr>
-              <a:t>Create script tool &amp; menu button</a:t>
+              <a:t>Create script tool </a:t>
             </a:r>
           </a:p>
           <a:p>
             <a:pPr lvl="3"/>
             <a:r>
-              <a:rPr lang="en-US" altLang="en-US" sz="1800">
+              <a:rPr lang="en-US" altLang="en-US" sz="1800" dirty="0">
                 <a:ea typeface="MS PGothic" panose="020B0600070205080204" pitchFamily="34" charset="-128"/>
               </a:rPr>
-              <a:t>Print from a script tool (print &amp; arcpy.AddMessage)</a:t>
+              <a:t>Print from a script tool (print &amp; </a:t>
+            </a:r>
+            <a:r>
+              <a:rPr lang="en-US" altLang="en-US" sz="1800" dirty="0" err="1">
+                <a:ea typeface="MS PGothic" panose="020B0600070205080204" pitchFamily="34" charset="-128"/>
+              </a:rPr>
+              <a:t>arcpy.AddMessage</a:t>
+            </a:r>
+            <a:r>
+              <a:rPr lang="en-US" altLang="en-US" sz="1800" dirty="0">
+                <a:ea typeface="MS PGothic" panose="020B0600070205080204" pitchFamily="34" charset="-128"/>
+              </a:rPr>
+              <a:t>)</a:t>
             </a:r>
           </a:p>
           <a:p>
             <a:pPr lvl="3"/>
             <a:r>
-              <a:rPr lang="en-US" altLang="en-US" sz="1800">
+              <a:rPr lang="en-US" altLang="en-US" sz="1800" dirty="0">
                 <a:ea typeface="MS PGothic" panose="020B0600070205080204" pitchFamily="34" charset="-128"/>
               </a:rPr>
               <a:t>Use relative paths &amp; maintain them</a:t>
@@ -6037,7 +6080,7 @@
           </a:p>
           <a:p>
             <a:r>
-              <a:rPr lang="en-US" altLang="en-US" sz="2800">
+              <a:rPr lang="en-US" altLang="en-US" sz="2800" dirty="0">
                 <a:ea typeface="MS PGothic" panose="020B0600070205080204" pitchFamily="34" charset="-128"/>
               </a:rPr>
               <a:t>Up next</a:t>
@@ -6046,7 +6089,7 @@
           <a:p>
             <a:pPr lvl="2"/>
             <a:r>
-              <a:rPr lang="en-US" altLang="en-US" sz="2000">
+              <a:rPr lang="en-US" altLang="en-US" sz="2000" dirty="0">
                 <a:ea typeface="MS PGothic" panose="020B0600070205080204" pitchFamily="34" charset="-128"/>
               </a:rPr>
               <a:t>Script tools parameters</a:t>
@@ -6054,7 +6097,7 @@
           </a:p>
           <a:p>
             <a:r>
-              <a:rPr lang="en-US" altLang="en-US" sz="2800">
+              <a:rPr lang="en-US" altLang="en-US" sz="2800" dirty="0">
                 <a:ea typeface="MS PGothic" panose="020B0600070205080204" pitchFamily="34" charset="-128"/>
               </a:rPr>
               <a:t>Additional topics</a:t>
@@ -6063,15 +6106,30 @@
           <a:p>
             <a:pPr lvl="2"/>
             <a:r>
-              <a:rPr lang="en-US" altLang="en-US" sz="2000">
+              <a:rPr lang="en-US" altLang="en-US" sz="2000" dirty="0" err="1">
                 <a:ea typeface="MS PGothic" panose="020B0600070205080204" pitchFamily="34" charset="-128"/>
               </a:rPr>
-              <a:t>wxPython, PyQT</a:t>
-            </a:r>
+              <a:t>wxPython</a:t>
+            </a:r>
+            <a:r>
+              <a:rPr lang="en-US" altLang="en-US" sz="2000" dirty="0">
+                <a:ea typeface="MS PGothic" panose="020B0600070205080204" pitchFamily="34" charset="-128"/>
+              </a:rPr>
+              <a:t>, </a:t>
+            </a:r>
+            <a:r>
+              <a:rPr lang="en-US" altLang="en-US" sz="2000" dirty="0" err="1">
+                <a:ea typeface="MS PGothic" panose="020B0600070205080204" pitchFamily="34" charset="-128"/>
+              </a:rPr>
+              <a:t>PyQT</a:t>
+            </a:r>
+            <a:endParaRPr lang="en-US" altLang="en-US" sz="2000" dirty="0">
+              <a:ea typeface="MS PGothic" panose="020B0600070205080204" pitchFamily="34" charset="-128"/>
+            </a:endParaRPr>
           </a:p>
           <a:p>
             <a:pPr marL="457200" lvl="1" indent="0"/>
-            <a:endParaRPr lang="en-US" altLang="en-US" sz="2400">
+            <a:endParaRPr lang="en-US" altLang="en-US" sz="2400" dirty="0">
               <a:ea typeface="MS PGothic" panose="020B0600070205080204" pitchFamily="34" charset="-128"/>
             </a:endParaRPr>
           </a:p>
@@ -8101,7 +8159,7 @@
             </a:pPr>
             <a:r>
               <a:rPr lang="en-US" altLang="en-US" sz="1200" dirty="0"/>
-              <a:t>A custom toolbox.</a:t>
+              <a:t>A toolbox.</a:t>
             </a:r>
           </a:p>
           <a:p>
@@ -8121,56 +8179,17 @@
             </a:r>
           </a:p>
           <a:p>
+            <a:pPr marL="457200" lvl="1" indent="0"/>
+            <a:r>
+              <a:rPr lang="en-US" altLang="en-US" sz="1600" dirty="0"/>
+              <a:t>1. Create a project. </a:t>
+            </a:r>
+          </a:p>
+          <a:p>
             <a:pPr lvl="1"/>
             <a:r>
               <a:rPr lang="en-US" altLang="en-US" sz="1600" dirty="0"/>
-              <a:t>1. Browse to desired directory in the Catalog Pane</a:t>
-            </a:r>
-          </a:p>
-          <a:p>
-            <a:pPr lvl="1"/>
-            <a:r>
-              <a:rPr lang="en-US" altLang="en-US" sz="1600" dirty="0"/>
-              <a:t>2. Right click &gt; New &gt; Toolbox (.</a:t>
-            </a:r>
-            <a:r>
-              <a:rPr lang="en-US" altLang="en-US" sz="1600" dirty="0" err="1"/>
-              <a:t>atbx</a:t>
-            </a:r>
-            <a:r>
-              <a:rPr lang="en-US" altLang="en-US" sz="1600" dirty="0"/>
-              <a:t>)</a:t>
-            </a:r>
-          </a:p>
-          <a:p>
-            <a:pPr lvl="1"/>
-            <a:endParaRPr lang="en-US" altLang="en-US" sz="1600" dirty="0"/>
-          </a:p>
-          <a:p>
-            <a:pPr lvl="1"/>
-            <a:endParaRPr lang="en-US" altLang="en-US" sz="1600" dirty="0"/>
-          </a:p>
-          <a:p>
-            <a:pPr lvl="1"/>
-            <a:endParaRPr lang="en-US" altLang="en-US" sz="1600" dirty="0"/>
-          </a:p>
-          <a:p>
-            <a:pPr lvl="1"/>
-            <a:endParaRPr lang="en-US" altLang="en-US" sz="1600" dirty="0"/>
-          </a:p>
-          <a:p>
-            <a:pPr lvl="1"/>
-            <a:endParaRPr lang="en-US" altLang="en-US" sz="1600" dirty="0"/>
-          </a:p>
-          <a:p>
-            <a:pPr lvl="1"/>
-            <a:endParaRPr lang="en-US" altLang="en-US" sz="1600" dirty="0"/>
-          </a:p>
-          <a:p>
-            <a:pPr lvl="1"/>
-            <a:r>
-              <a:rPr lang="en-US" altLang="en-US" sz="1600" dirty="0"/>
-              <a:t>3. In the new toolbox, right-click &gt; New &gt; Script</a:t>
+              <a:t>2. In a toolbox, right-click &gt; New &gt; Script</a:t>
             </a:r>
           </a:p>
           <a:p>
@@ -8365,10 +8384,10 @@
       </p:sp>
       <p:pic>
         <p:nvPicPr>
-          <p:cNvPr id="4" name="Picture 3">
+          <p:cNvPr id="8" name="Picture 7">
             <a:extLst>
               <a:ext uri="{FF2B5EF4-FFF2-40B4-BE49-F238E27FC236}">
-                <a16:creationId xmlns:a16="http://schemas.microsoft.com/office/drawing/2014/main" id="{DF7FD1D9-3EB2-4536-EFAA-88D66B3E67D3}"/>
+                <a16:creationId xmlns:a16="http://schemas.microsoft.com/office/drawing/2014/main" id="{FB24ABED-2E71-285A-F69A-64DB2D590E7C}"/>
               </a:ext>
             </a:extLst>
           </p:cNvPr>
@@ -8377,44 +8396,16 @@
           </p:cNvPicPr>
           <p:nvPr/>
         </p:nvPicPr>
-        <p:blipFill rotWithShape="1">
+        <p:blipFill>
           <a:blip r:embed="rId2"/>
-          <a:srcRect t="10360"/>
-          <a:stretch/>
+          <a:stretch>
+            <a:fillRect/>
+          </a:stretch>
         </p:blipFill>
         <p:spPr>
           <a:xfrm>
-            <a:off x="1790637" y="6024489"/>
-            <a:ext cx="6154009" cy="691694"/>
-          </a:xfrm>
-          <a:prstGeom prst="rect">
-            <a:avLst/>
-          </a:prstGeom>
-        </p:spPr>
-      </p:pic>
-      <p:pic>
-        <p:nvPicPr>
-          <p:cNvPr id="6" name="Picture 5">
-            <a:extLst>
-              <a:ext uri="{FF2B5EF4-FFF2-40B4-BE49-F238E27FC236}">
-                <a16:creationId xmlns:a16="http://schemas.microsoft.com/office/drawing/2014/main" id="{8BF5A01C-9A86-8DF9-2C65-A04DE32C9A3D}"/>
-              </a:ext>
-            </a:extLst>
-          </p:cNvPr>
-          <p:cNvPicPr>
-            <a:picLocks noChangeAspect="1"/>
-          </p:cNvPicPr>
-          <p:nvPr/>
-        </p:nvPicPr>
-        <p:blipFill rotWithShape="1">
-          <a:blip r:embed="rId3"/>
-          <a:srcRect t="3015"/>
-          <a:stretch/>
-        </p:blipFill>
-        <p:spPr>
-          <a:xfrm>
-            <a:off x="1790637" y="3951351"/>
-            <a:ext cx="7049484" cy="1607605"/>
+            <a:off x="1790637" y="3985832"/>
+            <a:ext cx="5048250" cy="1704975"/>
           </a:xfrm>
           <a:prstGeom prst="rect">
             <a:avLst/>
@@ -8473,10 +8464,10 @@
           <a:lstStyle/>
           <a:p>
             <a:r>
-              <a:rPr altLang="en-US">
+              <a:rPr altLang="en-US" dirty="0">
                 <a:ea typeface="MS PGothic" panose="020B0600070205080204" pitchFamily="34" charset="-128"/>
               </a:rPr>
-              <a:t>In class – Create a script tool</a:t>
+              <a:t>Activity – Create a script tool</a:t>
             </a:r>
           </a:p>
         </p:txBody>
@@ -8706,6 +8697,36 @@
           </a:p>
         </p:txBody>
       </p:sp>
+      <p:pic>
+        <p:nvPicPr>
+          <p:cNvPr id="5" name="Picture 4">
+            <a:extLst>
+              <a:ext uri="{FF2B5EF4-FFF2-40B4-BE49-F238E27FC236}">
+                <a16:creationId xmlns:a16="http://schemas.microsoft.com/office/drawing/2014/main" id="{94C6F919-4F51-EBD8-C5C8-FD3884A99D79}"/>
+              </a:ext>
+            </a:extLst>
+          </p:cNvPr>
+          <p:cNvPicPr>
+            <a:picLocks noChangeAspect="1"/>
+          </p:cNvPicPr>
+          <p:nvPr/>
+        </p:nvPicPr>
+        <p:blipFill>
+          <a:blip r:embed="rId2"/>
+          <a:stretch>
+            <a:fillRect/>
+          </a:stretch>
+        </p:blipFill>
+        <p:spPr>
+          <a:xfrm>
+            <a:off x="774700" y="3328517"/>
+            <a:ext cx="6762750" cy="3364383"/>
+          </a:xfrm>
+          <a:prstGeom prst="rect">
+            <a:avLst/>
+          </a:prstGeom>
+        </p:spPr>
+      </p:pic>
     </p:spTree>
   </p:cSld>
   <p:clrMapOvr>
@@ -8820,6 +8841,38 @@
               <a:buNone/>
               <a:defRPr/>
             </a:pPr>
+            <a:endParaRPr lang="en-US" sz="2000" dirty="0"/>
+          </a:p>
+          <a:p>
+            <a:pPr marL="0" indent="0">
+              <a:buFontTx/>
+              <a:buNone/>
+              <a:defRPr/>
+            </a:pPr>
+            <a:endParaRPr lang="en-US" sz="2000" dirty="0"/>
+          </a:p>
+          <a:p>
+            <a:pPr marL="0" indent="0">
+              <a:buFontTx/>
+              <a:buNone/>
+              <a:defRPr/>
+            </a:pPr>
+            <a:endParaRPr lang="en-US" sz="2000" dirty="0"/>
+          </a:p>
+          <a:p>
+            <a:pPr marL="0" indent="0">
+              <a:buFontTx/>
+              <a:buNone/>
+              <a:defRPr/>
+            </a:pPr>
+            <a:endParaRPr lang="en-US" sz="2000" dirty="0"/>
+          </a:p>
+          <a:p>
+            <a:pPr marL="0" indent="0">
+              <a:buFontTx/>
+              <a:buNone/>
+              <a:defRPr/>
+            </a:pPr>
             <a:r>
               <a:rPr lang="en-US" sz="2000" dirty="0"/>
               <a:t>&gt;&gt;&gt; print ‘foo’ </a:t>
@@ -8830,27 +8883,15 @@
                   <a:srgbClr val="669900"/>
                 </a:solidFill>
               </a:rPr>
-              <a:t># doesn't display in the </a:t>
-            </a:r>
-            <a:r>
-              <a:rPr lang="en-US" sz="2000" i="1" dirty="0" err="1">
-                <a:solidFill>
-                  <a:srgbClr val="669900"/>
-                </a:solidFill>
-              </a:rPr>
-              <a:t>Geoprocessing</a:t>
-            </a:r>
-            <a:r>
-              <a:rPr lang="en-US" sz="2000" i="1" dirty="0">
-                <a:solidFill>
-                  <a:srgbClr val="669900"/>
-                </a:solidFill>
-              </a:rPr>
-              <a:t> Window</a:t>
-            </a:r>
-            <a:br>
-              <a:rPr lang="en-US" sz="2000" dirty="0"/>
-            </a:br>
+              <a:t># doesn't display in the Messages pane </a:t>
+            </a:r>
+          </a:p>
+          <a:p>
+            <a:pPr marL="0" indent="0">
+              <a:buFontTx/>
+              <a:buNone/>
+              <a:defRPr/>
+            </a:pPr>
             <a:r>
               <a:rPr lang="en-US" sz="2000" dirty="0"/>
               <a:t>&gt;&gt;&gt; </a:t>
@@ -9100,7 +9141,7 @@
         </p:blipFill>
         <p:spPr bwMode="auto">
           <a:xfrm>
-            <a:off x="425450" y="3810000"/>
+            <a:off x="152400" y="4276725"/>
             <a:ext cx="6115050" cy="2352675"/>
           </a:xfrm>
           <a:prstGeom prst="rect">
@@ -9133,10 +9174,10 @@
       </p:pic>
       <p:pic>
         <p:nvPicPr>
-          <p:cNvPr id="4" name="Picture 3">
+          <p:cNvPr id="5" name="Picture 4">
             <a:extLst>
               <a:ext uri="{FF2B5EF4-FFF2-40B4-BE49-F238E27FC236}">
-                <a16:creationId xmlns:a16="http://schemas.microsoft.com/office/drawing/2014/main" id="{ACA5601B-A489-6277-5DE0-C0851D591B4D}"/>
+                <a16:creationId xmlns:a16="http://schemas.microsoft.com/office/drawing/2014/main" id="{DF979A6F-9A8C-1819-8C7B-A2FE95AA8372}"/>
               </a:ext>
             </a:extLst>
           </p:cNvPr>
@@ -9145,50 +9186,19 @@
           </p:cNvPicPr>
           <p:nvPr/>
         </p:nvPicPr>
-        <p:blipFill>
-          <a:blip r:embed="rId4">
-            <a:extLst>
-              <a:ext uri="{28A0092B-C50C-407E-A947-70E740481C1C}">
-                <a14:useLocalDpi xmlns:a14="http://schemas.microsoft.com/office/drawing/2010/main" val="0"/>
-              </a:ext>
-            </a:extLst>
-          </a:blip>
-          <a:srcRect/>
-          <a:stretch>
-            <a:fillRect/>
-          </a:stretch>
+        <p:blipFill rotWithShape="1">
+          <a:blip r:embed="rId4"/>
+          <a:srcRect b="21228"/>
+          <a:stretch/>
         </p:blipFill>
-        <p:spPr bwMode="auto">
+        <p:spPr>
           <a:xfrm>
-            <a:off x="3886200" y="2697163"/>
-            <a:ext cx="5143500" cy="2225675"/>
+            <a:off x="4895850" y="533400"/>
+            <a:ext cx="4248150" cy="2266145"/>
           </a:xfrm>
           <a:prstGeom prst="rect">
             <a:avLst/>
           </a:prstGeom>
-          <a:noFill/>
-          <a:ln>
-            <a:noFill/>
-          </a:ln>
-          <a:extLst>
-            <a:ext uri="{909E8E84-426E-40DD-AFC4-6F175D3DCCD1}">
-              <a14:hiddenFill xmlns:a14="http://schemas.microsoft.com/office/drawing/2010/main">
-                <a:solidFill>
-                  <a:srgbClr val="FFFFFF"/>
-                </a:solidFill>
-              </a14:hiddenFill>
-            </a:ext>
-            <a:ext uri="{91240B29-F687-4F45-9708-019B960494DF}">
-              <a14:hiddenLine xmlns:a14="http://schemas.microsoft.com/office/drawing/2010/main" w="9525">
-                <a:solidFill>
-                  <a:srgbClr val="000000"/>
-                </a:solidFill>
-                <a:miter lim="800000"/>
-                <a:headEnd/>
-                <a:tailEnd/>
-              </a14:hiddenLine>
-            </a:ext>
-          </a:extLst>
         </p:spPr>
       </p:pic>
     </p:spTree>
@@ -9254,13 +9264,13 @@
                     </p:cTn>
                   </p:par>
                   <p:par>
-                    <p:cTn id="7" fill="hold" nodeType="clickPar">
+                    <p:cTn id="7" fill="hold">
                       <p:stCondLst>
                         <p:cond delay="indefinite"/>
                       </p:stCondLst>
                       <p:childTnLst>
                         <p:par>
-                          <p:cTn id="8" fill="hold" nodeType="withGroup">
+                          <p:cTn id="8" fill="hold">
                             <p:stCondLst>
                               <p:cond delay="0"/>
                             </p:stCondLst>
@@ -9279,7 +9289,69 @@
                                           </p:stCondLst>
                                         </p:cTn>
                                         <p:tgtEl>
-                                          <p:spTgt spid="4"/>
+                                          <p:spTgt spid="3">
+                                            <p:txEl>
+                                              <p:pRg st="6" end="6"/>
+                                            </p:txEl>
+                                          </p:spTgt>
+                                        </p:tgtEl>
+                                        <p:attrNameLst>
+                                          <p:attrName>style.visibility</p:attrName>
+                                        </p:attrNameLst>
+                                      </p:cBhvr>
+                                      <p:to>
+                                        <p:strVal val="visible"/>
+                                      </p:to>
+                                    </p:set>
+                                  </p:childTnLst>
+                                </p:cTn>
+                              </p:par>
+                              <p:par>
+                                <p:cTn id="11" presetID="1" presetClass="entr" presetSubtype="0" fill="hold" nodeType="withEffect">
+                                  <p:stCondLst>
+                                    <p:cond delay="0"/>
+                                  </p:stCondLst>
+                                  <p:childTnLst>
+                                    <p:set>
+                                      <p:cBhvr>
+                                        <p:cTn id="12" dur="1" fill="hold">
+                                          <p:stCondLst>
+                                            <p:cond delay="0"/>
+                                          </p:stCondLst>
+                                        </p:cTn>
+                                        <p:tgtEl>
+                                          <p:spTgt spid="3">
+                                            <p:txEl>
+                                              <p:pRg st="7" end="7"/>
+                                            </p:txEl>
+                                          </p:spTgt>
+                                        </p:tgtEl>
+                                        <p:attrNameLst>
+                                          <p:attrName>style.visibility</p:attrName>
+                                        </p:attrNameLst>
+                                      </p:cBhvr>
+                                      <p:to>
+                                        <p:strVal val="visible"/>
+                                      </p:to>
+                                    </p:set>
+                                  </p:childTnLst>
+                                </p:cTn>
+                              </p:par>
+                              <p:par>
+                                <p:cTn id="13" presetID="1" presetClass="entr" presetSubtype="0" fill="hold" nodeType="withEffect">
+                                  <p:stCondLst>
+                                    <p:cond delay="0"/>
+                                  </p:stCondLst>
+                                  <p:childTnLst>
+                                    <p:set>
+                                      <p:cBhvr>
+                                        <p:cTn id="14" dur="1" fill="hold">
+                                          <p:stCondLst>
+                                            <p:cond delay="0"/>
+                                          </p:stCondLst>
+                                        </p:cTn>
+                                        <p:tgtEl>
+                                          <p:spTgt spid="10245"/>
                                         </p:tgtEl>
                                         <p:attrNameLst>
                                           <p:attrName>style.visibility</p:attrName>
@@ -9327,7 +9399,7 @@
 </file>
 
 <file path=ppt/slides/slide6.xml><?xml version="1.0" encoding="utf-8"?>
-<p:sld xmlns:a="http://schemas.openxmlformats.org/drawingml/2006/main" xmlns:r="http://schemas.openxmlformats.org/officeDocument/2006/relationships" xmlns:p="http://schemas.openxmlformats.org/presentationml/2006/main">
+<p:sld xmlns:a="http://schemas.openxmlformats.org/drawingml/2006/main" xmlns:r="http://schemas.openxmlformats.org/officeDocument/2006/relationships" xmlns:p="http://schemas.openxmlformats.org/presentationml/2006/main" show="0">
   <p:cSld>
     <p:spTree>
       <p:nvGrpSpPr>
@@ -9370,10 +9442,10 @@
           <a:lstStyle/>
           <a:p>
             <a:r>
-              <a:rPr altLang="en-US">
+              <a:rPr altLang="en-US" dirty="0">
                 <a:ea typeface="MS PGothic" panose="020B0600070205080204" pitchFamily="34" charset="-128"/>
               </a:rPr>
-              <a:t>Adding script tool button to a map</a:t>
+              <a:t>Adding script tool button to a project</a:t>
             </a:r>
           </a:p>
         </p:txBody>
@@ -9551,76 +9623,6 @@
           </a:p>
         </p:txBody>
       </p:sp>
-      <p:pic>
-        <p:nvPicPr>
-          <p:cNvPr id="12292" name="Picture 2">
-            <a:extLst>
-              <a:ext uri="{FF2B5EF4-FFF2-40B4-BE49-F238E27FC236}">
-                <a16:creationId xmlns:a16="http://schemas.microsoft.com/office/drawing/2014/main" id="{3A571715-140A-6C92-3CD5-85765E301E57}"/>
-              </a:ext>
-            </a:extLst>
-          </p:cNvPr>
-          <p:cNvPicPr>
-            <a:picLocks noChangeAspect="1" noChangeArrowheads="1"/>
-          </p:cNvPicPr>
-          <p:nvPr/>
-        </p:nvPicPr>
-        <p:blipFill>
-          <a:blip r:embed="rId3">
-            <a:extLst>
-              <a:ext uri="{28A0092B-C50C-407E-A947-70E740481C1C}">
-                <a14:useLocalDpi xmlns:a14="http://schemas.microsoft.com/office/drawing/2010/main" val="0"/>
-              </a:ext>
-            </a:extLst>
-          </a:blip>
-          <a:srcRect/>
-          <a:stretch>
-            <a:fillRect/>
-          </a:stretch>
-        </p:blipFill>
-        <p:spPr bwMode="auto">
-          <a:xfrm>
-            <a:off x="4572000" y="838200"/>
-            <a:ext cx="4332288" cy="5067300"/>
-          </a:xfrm>
-          <a:prstGeom prst="rect">
-            <a:avLst/>
-          </a:prstGeom>
-          <a:noFill/>
-          <a:ln>
-            <a:noFill/>
-          </a:ln>
-          <a:effectLst/>
-          <a:extLst>
-            <a:ext uri="{909E8E84-426E-40DD-AFC4-6F175D3DCCD1}">
-              <a14:hiddenFill xmlns:a14="http://schemas.microsoft.com/office/drawing/2010/main">
-                <a:solidFill>
-                  <a:schemeClr val="accent1"/>
-                </a:solidFill>
-              </a14:hiddenFill>
-            </a:ext>
-            <a:ext uri="{91240B29-F687-4F45-9708-019B960494DF}">
-              <a14:hiddenLine xmlns:a14="http://schemas.microsoft.com/office/drawing/2010/main" w="38100">
-                <a:solidFill>
-                  <a:srgbClr val="FF0066"/>
-                </a:solidFill>
-                <a:miter lim="800000"/>
-                <a:headEnd/>
-                <a:tailEnd/>
-              </a14:hiddenLine>
-            </a:ext>
-            <a:ext uri="{AF507438-7753-43E0-B8FC-AC1667EBCBE1}">
-              <a14:hiddenEffects xmlns:a14="http://schemas.microsoft.com/office/drawing/2010/main">
-                <a:effectLst>
-                  <a:outerShdw dist="35921" dir="2700000" algn="ctr" rotWithShape="0">
-                    <a:schemeClr val="bg2"/>
-                  </a:outerShdw>
-                </a:effectLst>
-              </a14:hiddenEffects>
-            </a:ext>
-          </a:extLst>
-        </p:spPr>
-      </p:pic>
       <p:sp>
         <p:nvSpPr>
           <p:cNvPr id="3" name="Content Placeholder 2">
@@ -9640,7 +9642,7 @@
         <p:spPr>
           <a:xfrm>
             <a:off x="152400" y="914400"/>
-            <a:ext cx="4495800" cy="5410200"/>
+            <a:ext cx="4267200" cy="5410200"/>
           </a:xfrm>
         </p:spPr>
         <p:txBody>
@@ -9652,15 +9654,7 @@
             </a:pPr>
             <a:r>
               <a:rPr lang="en-US" sz="2000" dirty="0"/>
-              <a:t>To create a button on an </a:t>
-            </a:r>
-            <a:r>
-              <a:rPr lang="en-US" sz="2000" dirty="0" err="1"/>
-              <a:t>ArcMap</a:t>
-            </a:r>
-            <a:r>
-              <a:rPr lang="en-US" sz="2000" dirty="0"/>
-              <a:t> toolbar to launch a script tool</a:t>
+              <a:t>To create a button on in ArcGIS Pro toolbar to launch a script tool</a:t>
             </a:r>
           </a:p>
           <a:p>
@@ -9677,7 +9671,7 @@
             </a:pPr>
             <a:r>
               <a:rPr lang="en-US" sz="1800" dirty="0"/>
-              <a:t>‘Customize’ &gt; ‘Customize mode…’</a:t>
+              <a:t>Project &gt; Options</a:t>
             </a:r>
           </a:p>
           <a:p>
@@ -9688,7 +9682,7 @@
             </a:pPr>
             <a:r>
               <a:rPr lang="en-US" sz="1800" dirty="0"/>
-              <a:t>‘Commands’ tab </a:t>
+              <a:t>Scroll down and select "Customize the Ribbon" (in the left panel)</a:t>
             </a:r>
           </a:p>
           <a:p>
@@ -9699,15 +9693,7 @@
             </a:pPr>
             <a:r>
               <a:rPr lang="en-US" sz="1800" dirty="0"/>
-              <a:t>Under Categories, scroll to select [</a:t>
-            </a:r>
-            <a:r>
-              <a:rPr lang="en-US" sz="1800" dirty="0" err="1"/>
-              <a:t>Geoprocessing</a:t>
-            </a:r>
-            <a:r>
-              <a:rPr lang="en-US" sz="1800" dirty="0"/>
-              <a:t> tool] </a:t>
+              <a:t>On the right, select "New Tab"</a:t>
             </a:r>
           </a:p>
           <a:p>
@@ -9718,7 +9704,7 @@
             </a:pPr>
             <a:r>
               <a:rPr lang="en-US" sz="1800" dirty="0"/>
-              <a:t>Add Tools… Browse to toolbox &gt; Select script tool in toolbox &gt; Add (Script tool appears under Commands )</a:t>
+              <a:t>Rename your new tab and group as  desired.</a:t>
             </a:r>
           </a:p>
           <a:p>
@@ -9729,15 +9715,7 @@
             </a:pPr>
             <a:r>
               <a:rPr lang="en-US" sz="1800" dirty="0"/>
-              <a:t>Drag script tool from under Commands to an </a:t>
-            </a:r>
-            <a:r>
-              <a:rPr lang="en-US" sz="1800" dirty="0" err="1"/>
-              <a:t>ArcMap</a:t>
-            </a:r>
-            <a:r>
-              <a:rPr lang="en-US" sz="1800" dirty="0"/>
-              <a:t> toolbar</a:t>
+              <a:t>On the left, under "Choose commands from," select "All geoprocessing tools".</a:t>
             </a:r>
           </a:p>
           <a:p>
@@ -9748,7 +9726,39 @@
             </a:pPr>
             <a:r>
               <a:rPr lang="en-US" sz="1800" dirty="0"/>
-              <a:t>Before closing the ‘Customize’ dialog, right-click on the tool in the toolbar to display text and image and modify these as desired.  (can also be done by reopening the customize dialog)</a:t>
+              <a:t>Search for your new script tool in the search box. Select it. </a:t>
+            </a:r>
+          </a:p>
+          <a:p>
+            <a:pPr marL="514350" indent="-514350">
+              <a:buFont typeface="+mj-lt"/>
+              <a:buAutoNum type="arabicPeriod"/>
+              <a:defRPr/>
+            </a:pPr>
+            <a:r>
+              <a:rPr lang="en-US" sz="1800" dirty="0"/>
+              <a:t>Make sure your new group is selected on the right and click "Add</a:t>
+            </a:r>
+            <a:r>
+              <a:rPr lang="en-US" sz="1800" dirty="0">
+                <a:sym typeface="Wingdings" panose="05000000000000000000" pitchFamily="2" charset="2"/>
+              </a:rPr>
+              <a:t></a:t>
+            </a:r>
+            <a:r>
+              <a:rPr lang="en-US" sz="1800" dirty="0"/>
+              <a:t>"</a:t>
+            </a:r>
+          </a:p>
+          <a:p>
+            <a:pPr marL="514350" indent="-514350">
+              <a:buFont typeface="+mj-lt"/>
+              <a:buAutoNum type="arabicPeriod"/>
+              <a:defRPr/>
+            </a:pPr>
+            <a:r>
+              <a:rPr lang="en-US" sz="1800" dirty="0"/>
+              <a:t>Click OK and go back to your project to see the new tab.</a:t>
             </a:r>
           </a:p>
           <a:p>
@@ -9761,6 +9771,36 @@
           </a:p>
         </p:txBody>
       </p:sp>
+      <p:pic>
+        <p:nvPicPr>
+          <p:cNvPr id="4" name="Picture 3">
+            <a:extLst>
+              <a:ext uri="{FF2B5EF4-FFF2-40B4-BE49-F238E27FC236}">
+                <a16:creationId xmlns:a16="http://schemas.microsoft.com/office/drawing/2014/main" id="{1FA7358D-482C-997B-B8FD-F036ABE6F84B}"/>
+              </a:ext>
+            </a:extLst>
+          </p:cNvPr>
+          <p:cNvPicPr>
+            <a:picLocks noChangeAspect="1"/>
+          </p:cNvPicPr>
+          <p:nvPr/>
+        </p:nvPicPr>
+        <p:blipFill>
+          <a:blip r:embed="rId3"/>
+          <a:stretch>
+            <a:fillRect/>
+          </a:stretch>
+        </p:blipFill>
+        <p:spPr>
+          <a:xfrm>
+            <a:off x="4282381" y="682642"/>
+            <a:ext cx="4894276" cy="3490587"/>
+          </a:xfrm>
+          <a:prstGeom prst="rect">
+            <a:avLst/>
+          </a:prstGeom>
+        </p:spPr>
+      </p:pic>
       <p:cxnSp>
         <p:nvCxnSpPr>
           <p:cNvPr id="12294" name="Straight Arrow Connector 5">
@@ -9777,8 +9817,188 @@
         </p:nvCxnSpPr>
         <p:spPr bwMode="auto">
           <a:xfrm flipV="1">
-            <a:off x="6934200" y="1371600"/>
-            <a:ext cx="381000" cy="1828800"/>
+            <a:off x="3810000" y="2837171"/>
+            <a:ext cx="3553317" cy="281939"/>
+          </a:xfrm>
+          <a:prstGeom prst="straightConnector1">
+            <a:avLst/>
+          </a:prstGeom>
+          <a:noFill/>
+          <a:ln w="38100" algn="ctr">
+            <a:solidFill>
+              <a:srgbClr val="FF0066"/>
+            </a:solidFill>
+            <a:round/>
+            <a:headEnd/>
+            <a:tailEnd type="arrow" w="med" len="med"/>
+          </a:ln>
+          <a:effectLst/>
+          <a:extLst>
+            <a:ext uri="{909E8E84-426E-40DD-AFC4-6F175D3DCCD1}">
+              <a14:hiddenFill xmlns:a14="http://schemas.microsoft.com/office/drawing/2010/main">
+                <a:noFill/>
+              </a14:hiddenFill>
+            </a:ext>
+            <a:ext uri="{AF507438-7753-43E0-B8FC-AC1667EBCBE1}">
+              <a14:hiddenEffects xmlns:a14="http://schemas.microsoft.com/office/drawing/2010/main">
+                <a:effectLst>
+                  <a:outerShdw dist="35921" dir="2700000" algn="ctr" rotWithShape="0">
+                    <a:schemeClr val="bg2"/>
+                  </a:outerShdw>
+                </a:effectLst>
+              </a14:hiddenEffects>
+            </a:ext>
+          </a:extLst>
+        </p:spPr>
+      </p:cxnSp>
+      <p:pic>
+        <p:nvPicPr>
+          <p:cNvPr id="6" name="Picture 5">
+            <a:extLst>
+              <a:ext uri="{FF2B5EF4-FFF2-40B4-BE49-F238E27FC236}">
+                <a16:creationId xmlns:a16="http://schemas.microsoft.com/office/drawing/2014/main" id="{1BF6B1B8-BD27-0E13-D28B-A705F729F846}"/>
+              </a:ext>
+            </a:extLst>
+          </p:cNvPr>
+          <p:cNvPicPr>
+            <a:picLocks noChangeAspect="1"/>
+          </p:cNvPicPr>
+          <p:nvPr/>
+        </p:nvPicPr>
+        <p:blipFill>
+          <a:blip r:embed="rId4"/>
+          <a:stretch>
+            <a:fillRect/>
+          </a:stretch>
+        </p:blipFill>
+        <p:spPr>
+          <a:xfrm>
+            <a:off x="4274790" y="4486958"/>
+            <a:ext cx="4556819" cy="2234517"/>
+          </a:xfrm>
+          <a:prstGeom prst="rect">
+            <a:avLst/>
+          </a:prstGeom>
+        </p:spPr>
+      </p:pic>
+      <p:cxnSp>
+        <p:nvCxnSpPr>
+          <p:cNvPr id="8" name="Straight Arrow Connector 5">
+            <a:extLst>
+              <a:ext uri="{FF2B5EF4-FFF2-40B4-BE49-F238E27FC236}">
+                <a16:creationId xmlns:a16="http://schemas.microsoft.com/office/drawing/2014/main" id="{E10A1E6D-F72D-EEF3-089A-8192FC659BC9}"/>
+              </a:ext>
+            </a:extLst>
+          </p:cNvPr>
+          <p:cNvCxnSpPr>
+            <a:cxnSpLocks noChangeShapeType="1"/>
+          </p:cNvCxnSpPr>
+          <p:nvPr/>
+        </p:nvCxnSpPr>
+        <p:spPr bwMode="auto">
+          <a:xfrm>
+            <a:off x="3810000" y="2667000"/>
+            <a:ext cx="951081" cy="828021"/>
+          </a:xfrm>
+          <a:prstGeom prst="straightConnector1">
+            <a:avLst/>
+          </a:prstGeom>
+          <a:noFill/>
+          <a:ln w="38100" algn="ctr">
+            <a:solidFill>
+              <a:srgbClr val="FF0066"/>
+            </a:solidFill>
+            <a:round/>
+            <a:headEnd/>
+            <a:tailEnd type="arrow" w="med" len="med"/>
+          </a:ln>
+          <a:effectLst/>
+          <a:extLst>
+            <a:ext uri="{909E8E84-426E-40DD-AFC4-6F175D3DCCD1}">
+              <a14:hiddenFill xmlns:a14="http://schemas.microsoft.com/office/drawing/2010/main">
+                <a:noFill/>
+              </a14:hiddenFill>
+            </a:ext>
+            <a:ext uri="{AF507438-7753-43E0-B8FC-AC1667EBCBE1}">
+              <a14:hiddenEffects xmlns:a14="http://schemas.microsoft.com/office/drawing/2010/main">
+                <a:effectLst>
+                  <a:outerShdw dist="35921" dir="2700000" algn="ctr" rotWithShape="0">
+                    <a:schemeClr val="bg2"/>
+                  </a:outerShdw>
+                </a:effectLst>
+              </a14:hiddenEffects>
+            </a:ext>
+          </a:extLst>
+        </p:spPr>
+      </p:cxnSp>
+      <p:cxnSp>
+        <p:nvCxnSpPr>
+          <p:cNvPr id="12" name="Straight Arrow Connector 5">
+            <a:extLst>
+              <a:ext uri="{FF2B5EF4-FFF2-40B4-BE49-F238E27FC236}">
+                <a16:creationId xmlns:a16="http://schemas.microsoft.com/office/drawing/2014/main" id="{E70C66B1-C8A4-6320-271D-BE96368DBF45}"/>
+              </a:ext>
+            </a:extLst>
+          </p:cNvPr>
+          <p:cNvCxnSpPr>
+            <a:cxnSpLocks noChangeShapeType="1"/>
+          </p:cNvCxnSpPr>
+          <p:nvPr/>
+        </p:nvCxnSpPr>
+        <p:spPr bwMode="auto">
+          <a:xfrm>
+            <a:off x="3620919" y="4283356"/>
+            <a:ext cx="798681" cy="441044"/>
+          </a:xfrm>
+          <a:prstGeom prst="straightConnector1">
+            <a:avLst/>
+          </a:prstGeom>
+          <a:noFill/>
+          <a:ln w="38100" algn="ctr">
+            <a:solidFill>
+              <a:srgbClr val="FF0066"/>
+            </a:solidFill>
+            <a:round/>
+            <a:headEnd/>
+            <a:tailEnd type="arrow" w="med" len="med"/>
+          </a:ln>
+          <a:effectLst/>
+          <a:extLst>
+            <a:ext uri="{909E8E84-426E-40DD-AFC4-6F175D3DCCD1}">
+              <a14:hiddenFill xmlns:a14="http://schemas.microsoft.com/office/drawing/2010/main">
+                <a:noFill/>
+              </a14:hiddenFill>
+            </a:ext>
+            <a:ext uri="{AF507438-7753-43E0-B8FC-AC1667EBCBE1}">
+              <a14:hiddenEffects xmlns:a14="http://schemas.microsoft.com/office/drawing/2010/main">
+                <a:effectLst>
+                  <a:outerShdw dist="35921" dir="2700000" algn="ctr" rotWithShape="0">
+                    <a:schemeClr val="bg2"/>
+                  </a:outerShdw>
+                </a:effectLst>
+              </a14:hiddenEffects>
+            </a:ext>
+          </a:extLst>
+        </p:spPr>
+      </p:cxnSp>
+      <p:cxnSp>
+        <p:nvCxnSpPr>
+          <p:cNvPr id="14" name="Straight Arrow Connector 5">
+            <a:extLst>
+              <a:ext uri="{FF2B5EF4-FFF2-40B4-BE49-F238E27FC236}">
+                <a16:creationId xmlns:a16="http://schemas.microsoft.com/office/drawing/2014/main" id="{26C6A86B-C59E-C043-B9D6-7D82E43BB4C2}"/>
+              </a:ext>
+            </a:extLst>
+          </p:cNvPr>
+          <p:cNvCxnSpPr>
+            <a:cxnSpLocks noChangeShapeType="1"/>
+          </p:cNvCxnSpPr>
+          <p:nvPr/>
+        </p:nvCxnSpPr>
+        <p:spPr bwMode="auto">
+          <a:xfrm>
+            <a:off x="3287189" y="5105400"/>
+            <a:ext cx="1132411" cy="228600"/>
           </a:xfrm>
           <a:prstGeom prst="straightConnector1">
             <a:avLst/>
@@ -9893,11 +10113,11 @@
           <a:lstStyle/>
           <a:p>
             <a:r>
-              <a:rPr lang="en-US" altLang="en-US" sz="2400"/>
+              <a:rPr lang="en-US" altLang="en-US" sz="2400" dirty="0"/>
               <a:t>Script Tools are </a:t>
             </a:r>
             <a:r>
-              <a:rPr lang="en-US" altLang="en-US" sz="2400" i="1">
+              <a:rPr lang="en-US" altLang="en-US" sz="2400" i="1" dirty="0">
                 <a:solidFill>
                   <a:srgbClr val="FF0066"/>
                 </a:solidFill>
@@ -9905,35 +10125,59 @@
               <a:t>pointers</a:t>
             </a:r>
             <a:r>
-              <a:rPr lang="en-US" altLang="en-US" sz="2400"/>
+              <a:rPr lang="en-US" altLang="en-US" sz="2400" dirty="0"/>
               <a:t> to Python scripts.</a:t>
             </a:r>
           </a:p>
           <a:p>
             <a:r>
-              <a:rPr lang="en-US" altLang="en-US" sz="2400"/>
-              <a:t>If you move the Python script it points to and change the script path in the Script Tool properties, it will no longer work!</a:t>
-            </a:r>
-          </a:p>
-          <a:p>
-            <a:endParaRPr lang="en-US" altLang="en-US" sz="2400"/>
-          </a:p>
-          <a:p>
-            <a:r>
-              <a:rPr lang="en-US" altLang="en-US" sz="2400"/>
-              <a:t>Script Tools do NOT appear in Windows Explorer.   They are part of a tbx file.</a:t>
-            </a:r>
-          </a:p>
-          <a:p>
-            <a:endParaRPr lang="en-US" altLang="en-US" sz="2400"/>
-          </a:p>
-          <a:p>
-            <a:r>
-              <a:rPr lang="en-US" altLang="en-US" sz="2400"/>
-              <a:t>To share a Script Tool, you must copy the tbx file and the script, use relative path must be checked AND the script must be in the </a:t>
-            </a:r>
-            <a:r>
-              <a:rPr lang="en-US" altLang="en-US" sz="2400">
+              <a:rPr lang="en-US" altLang="en-US" sz="2400" dirty="0"/>
+              <a:t>If you move the Python script it points to and don't change the script path in the Script Tool properties, it will no longer work!</a:t>
+            </a:r>
+          </a:p>
+          <a:p>
+            <a:endParaRPr lang="en-US" altLang="en-US" sz="2400" dirty="0"/>
+          </a:p>
+          <a:p>
+            <a:r>
+              <a:rPr lang="en-US" altLang="en-US" sz="2400" dirty="0"/>
+              <a:t>Script Tools do NOT appear in Windows File Explorer folders.   They are part of a .</a:t>
+            </a:r>
+            <a:r>
+              <a:rPr lang="en-US" altLang="en-US" sz="2400" dirty="0" err="1"/>
+              <a:t>atbx</a:t>
+            </a:r>
+            <a:r>
+              <a:rPr lang="en-US" altLang="en-US" sz="2400" dirty="0"/>
+              <a:t> file.</a:t>
+            </a:r>
+          </a:p>
+          <a:p>
+            <a:endParaRPr lang="en-US" altLang="en-US" sz="2400" dirty="0"/>
+          </a:p>
+          <a:p>
+            <a:r>
+              <a:rPr lang="en-US" altLang="en-US" sz="2400" dirty="0"/>
+              <a:t>To share a Script Tool, you must copy the .</a:t>
+            </a:r>
+            <a:r>
+              <a:rPr lang="en-US" altLang="en-US" sz="2400" dirty="0" err="1"/>
+              <a:t>atbx</a:t>
+            </a:r>
+            <a:r>
+              <a:rPr lang="en-US" altLang="en-US" sz="2400" dirty="0"/>
+              <a:t> file </a:t>
+            </a:r>
+            <a:r>
+              <a:rPr lang="en-US" altLang="en-US" sz="2400" i="1" dirty="0"/>
+              <a:t>and</a:t>
+            </a:r>
+            <a:r>
+              <a:rPr lang="en-US" altLang="en-US" sz="2400" dirty="0"/>
+              <a:t> the script AND the script must be in the </a:t>
+            </a:r>
+            <a:r>
+              <a:rPr lang="en-US" altLang="en-US" sz="2400" dirty="0">
                 <a:solidFill>
                   <a:srgbClr val="FF0066"/>
                 </a:solidFill>
@@ -9941,16 +10185,16 @@
               <a:t>SAME relative position </a:t>
             </a:r>
             <a:r>
-              <a:rPr lang="en-US" altLang="en-US" sz="2400"/>
+              <a:rPr lang="en-US" altLang="en-US" sz="2400" dirty="0"/>
               <a:t>it was when set up.</a:t>
             </a:r>
           </a:p>
           <a:p>
-            <a:endParaRPr lang="en-US" altLang="en-US" sz="2400"/>
-          </a:p>
-          <a:p>
-            <a:r>
-              <a:rPr lang="en-US" altLang="en-US" sz="2400"/>
+            <a:endParaRPr lang="en-US" altLang="en-US" sz="2400" dirty="0"/>
+          </a:p>
+          <a:p>
+            <a:r>
+              <a:rPr lang="en-US" altLang="en-US" sz="2400" dirty="0"/>
               <a:t>Script tools are just a GUI interface for scripts.</a:t>
             </a:r>
           </a:p>
@@ -10220,13 +10464,29 @@
               <a:buAutoNum type="arabicPeriod"/>
             </a:pPr>
             <a:r>
-              <a:rPr lang="en-US" altLang="en-US" sz="1600"/>
-              <a:t>Right click on the 'printTextFiles' script tool, select 'Properties...', and then select the 'Source' tab. Note the Python script specified by the 'Script file' path on this tab ('C:\gispy\scratch\textLister.py'). Close the script tool properties by clicking 'OK'.</a:t>
+              <a:rPr lang="en-US" altLang="en-US" sz="1100" dirty="0"/>
+              <a:t>Right click on the '</a:t>
+            </a:r>
+            <a:r>
+              <a:rPr lang="en-US" altLang="en-US" sz="1100" dirty="0" err="1"/>
+              <a:t>printTextFiles</a:t>
+            </a:r>
+            <a:r>
+              <a:rPr lang="en-US" altLang="en-US" sz="1100" dirty="0"/>
+              <a:t>' script tool, select 'Properties...', and then select the 'Source' tab. Note the Python script specified by the 'Script file' path on this tab ('C:\</a:t>
+            </a:r>
+            <a:r>
+              <a:rPr lang="en-US" altLang="en-US" sz="1100" dirty="0" err="1"/>
+              <a:t>gispy</a:t>
+            </a:r>
+            <a:r>
+              <a:rPr lang="en-US" altLang="en-US" sz="1100" dirty="0"/>
+              <a:t>\scratch\textLister.py'). Close the script tool properties by clicking 'OK'.</a:t>
             </a:r>
             <a:br>
-              <a:rPr lang="en-US" altLang="en-US" sz="1600"/>
+              <a:rPr lang="en-US" altLang="en-US" sz="1100" dirty="0"/>
             </a:br>
-            <a:endParaRPr lang="en-US" altLang="en-US" sz="1600"/>
+            <a:endParaRPr lang="en-US" altLang="en-US" sz="1100" dirty="0"/>
           </a:p>
           <a:p>
             <a:pPr>
@@ -10234,20 +10494,24 @@
               <a:buAutoNum type="arabicPeriod"/>
             </a:pPr>
             <a:r>
-              <a:rPr lang="en-US" altLang="en-US" sz="1600"/>
+              <a:rPr lang="en-US" altLang="en-US" sz="1100" dirty="0"/>
               <a:t>Browse to 'textLister.py' and open it. Add another message to 'textLister.py' and save the script:</a:t>
             </a:r>
             <a:br>
-              <a:rPr lang="en-US" altLang="en-US" sz="1600"/>
+              <a:rPr lang="en-US" altLang="en-US" sz="1100" dirty="0"/>
             </a:br>
             <a:r>
-              <a:rPr lang="en-US" altLang="en-US" sz="1600"/>
-              <a:t>arcpy.AddMessage('***I like kale***!') </a:t>
+              <a:rPr lang="en-US" altLang="en-US" sz="1100" dirty="0" err="1"/>
+              <a:t>arcpy.AddMessage</a:t>
+            </a:r>
+            <a:r>
+              <a:rPr lang="en-US" altLang="en-US" sz="1100" dirty="0"/>
+              <a:t>('***I like kale***!') </a:t>
             </a:r>
             <a:br>
-              <a:rPr lang="en-US" altLang="en-US" sz="1600"/>
+              <a:rPr lang="en-US" altLang="en-US" sz="1100" dirty="0"/>
             </a:br>
-            <a:endParaRPr lang="en-US" altLang="en-US" sz="1600"/>
+            <a:endParaRPr lang="en-US" altLang="en-US" sz="1100" dirty="0"/>
           </a:p>
           <a:p>
             <a:pPr>
@@ -10255,13 +10519,13 @@
               <a:buAutoNum type="arabicPeriod"/>
             </a:pPr>
             <a:r>
-              <a:rPr lang="en-US" altLang="en-US" sz="1600"/>
+              <a:rPr lang="en-US" altLang="en-US" sz="1100" dirty="0"/>
               <a:t>Double click on the script tool to run it again. Do you see a change?</a:t>
             </a:r>
             <a:br>
-              <a:rPr lang="en-US" altLang="en-US" sz="1600"/>
+              <a:rPr lang="en-US" altLang="en-US" sz="1100" dirty="0"/>
             </a:br>
-            <a:endParaRPr lang="en-US" altLang="en-US" sz="1600"/>
+            <a:endParaRPr lang="en-US" altLang="en-US" sz="1100" dirty="0"/>
           </a:p>
           <a:p>
             <a:pPr>
@@ -10269,13 +10533,13 @@
               <a:buAutoNum type="arabicPeriod"/>
             </a:pPr>
             <a:r>
-              <a:rPr lang="en-US" altLang="en-US" sz="1600"/>
+              <a:rPr lang="en-US" altLang="en-US" sz="1100" dirty="0"/>
               <a:t>Rename 'textLister.py' to 'textLister2.py' and run the script tool again. What happens?</a:t>
             </a:r>
             <a:br>
-              <a:rPr lang="en-US" altLang="en-US" sz="1600"/>
+              <a:rPr lang="en-US" altLang="en-US" sz="1100" dirty="0"/>
             </a:br>
-            <a:endParaRPr lang="en-US" altLang="en-US" sz="1600"/>
+            <a:endParaRPr lang="en-US" altLang="en-US" sz="1100" dirty="0"/>
           </a:p>
           <a:p>
             <a:pPr>
@@ -10283,13 +10547,13 @@
               <a:buAutoNum type="arabicPeriod"/>
             </a:pPr>
             <a:r>
-              <a:rPr lang="en-US" altLang="en-US" sz="1600"/>
+              <a:rPr lang="en-US" altLang="en-US" sz="1100" dirty="0"/>
               <a:t>Rename the script back to its original name, 'textLister.py' and run the script tool again. Is it working? Why?</a:t>
             </a:r>
             <a:br>
-              <a:rPr lang="en-US" altLang="en-US" sz="1600"/>
+              <a:rPr lang="en-US" altLang="en-US" sz="1100" dirty="0"/>
             </a:br>
-            <a:endParaRPr lang="en-US" altLang="en-US" sz="1600"/>
+            <a:endParaRPr lang="en-US" altLang="en-US" sz="1100" dirty="0"/>
           </a:p>
           <a:p>
             <a:pPr>
@@ -10297,13 +10561,29 @@
               <a:buAutoNum type="arabicPeriod"/>
             </a:pPr>
             <a:r>
-              <a:rPr lang="en-US" altLang="en-US" sz="1600"/>
-              <a:t>Now make a directory 'C:\gispy\scratch\breakStuff' and move 'textLister.py' down into it. Run the script tool again. What happens?</a:t>
+              <a:rPr lang="en-US" altLang="en-US" sz="1100" dirty="0"/>
+              <a:t>Now make a directory 'C:\</a:t>
+            </a:r>
+            <a:r>
+              <a:rPr lang="en-US" altLang="en-US" sz="1100" dirty="0" err="1"/>
+              <a:t>gispy</a:t>
+            </a:r>
+            <a:r>
+              <a:rPr lang="en-US" altLang="en-US" sz="1100" dirty="0"/>
+              <a:t>\scratch\</a:t>
+            </a:r>
+            <a:r>
+              <a:rPr lang="en-US" altLang="en-US" sz="1100" dirty="0" err="1"/>
+              <a:t>breakStuff</a:t>
+            </a:r>
+            <a:r>
+              <a:rPr lang="en-US" altLang="en-US" sz="1100" dirty="0"/>
+              <a:t>' and move 'textLister.py' down into it. Run the script tool again. What happens?</a:t>
             </a:r>
             <a:br>
-              <a:rPr lang="en-US" altLang="en-US" sz="1600"/>
+              <a:rPr lang="en-US" altLang="en-US" sz="1100" dirty="0"/>
             </a:br>
-            <a:endParaRPr lang="en-US" altLang="en-US" sz="1600"/>
+            <a:endParaRPr lang="en-US" altLang="en-US" sz="1100" dirty="0"/>
           </a:p>
           <a:p>
             <a:pPr>
@@ -10311,13 +10591,13 @@
               <a:buAutoNum type="arabicPeriod"/>
             </a:pPr>
             <a:r>
-              <a:rPr lang="en-US" altLang="en-US" sz="1600"/>
+              <a:rPr lang="en-US" altLang="en-US" sz="1100" dirty="0"/>
               <a:t>Copy the toolbox to your 'Documents' directory. Run the script tool again. Does it work? Why?</a:t>
             </a:r>
             <a:br>
-              <a:rPr lang="en-US" altLang="en-US" sz="1600"/>
+              <a:rPr lang="en-US" altLang="en-US" sz="1100" dirty="0"/>
             </a:br>
-            <a:endParaRPr lang="en-US" altLang="en-US" sz="1600"/>
+            <a:endParaRPr lang="en-US" altLang="en-US" sz="1100" dirty="0"/>
           </a:p>
           <a:p>
             <a:pPr>
@@ -10325,7 +10605,7 @@
               <a:buAutoNum type="arabicPeriod"/>
             </a:pPr>
             <a:r>
-              <a:rPr lang="en-US" altLang="en-US" sz="1600"/>
+              <a:rPr lang="en-US" altLang="en-US" sz="1100" dirty="0"/>
               <a:t>Move textLister.py to the 'Documents' directory. Run the script tool again. Does it work? Why?</a:t>
             </a:r>
           </a:p>
@@ -10504,6 +10784,36 @@
           </a:p>
         </p:txBody>
       </p:sp>
+      <p:pic>
+        <p:nvPicPr>
+          <p:cNvPr id="5" name="Picture 4">
+            <a:extLst>
+              <a:ext uri="{FF2B5EF4-FFF2-40B4-BE49-F238E27FC236}">
+                <a16:creationId xmlns:a16="http://schemas.microsoft.com/office/drawing/2014/main" id="{4B21B73A-79F6-89FF-2CFC-C9894D9F84AD}"/>
+              </a:ext>
+            </a:extLst>
+          </p:cNvPr>
+          <p:cNvPicPr>
+            <a:picLocks noChangeAspect="1"/>
+          </p:cNvPicPr>
+          <p:nvPr/>
+        </p:nvPicPr>
+        <p:blipFill>
+          <a:blip r:embed="rId2"/>
+          <a:stretch>
+            <a:fillRect/>
+          </a:stretch>
+        </p:blipFill>
+        <p:spPr>
+          <a:xfrm>
+            <a:off x="762000" y="4701893"/>
+            <a:ext cx="7078063" cy="2019582"/>
+          </a:xfrm>
+          <a:prstGeom prst="rect">
+            <a:avLst/>
+          </a:prstGeom>
+        </p:spPr>
+      </p:pic>
     </p:spTree>
   </p:cSld>
   <p:clrMapOvr>
@@ -10586,57 +10896,65 @@
           <a:lstStyle/>
           <a:p>
             <a:r>
-              <a:rPr lang="en-US" altLang="en-US" sz="2000"/>
-              <a:t>Script Tools do not appear in Windows Explorer. They are part of a tbx file. </a:t>
-            </a:r>
-          </a:p>
-          <a:p>
-            <a:endParaRPr lang="en-US" altLang="en-US" sz="2000"/>
-          </a:p>
-          <a:p>
-            <a:r>
-              <a:rPr lang="en-US" altLang="en-US" sz="2000"/>
+              <a:rPr lang="en-US" altLang="en-US" sz="2000" dirty="0"/>
+              <a:t>Script Tools do not appear in Windows Explorer. They are part of a toolbox (</a:t>
+            </a:r>
+            <a:r>
+              <a:rPr lang="en-US" altLang="en-US" sz="2000" dirty="0" err="1"/>
+              <a:t>atbx</a:t>
+            </a:r>
+            <a:r>
+              <a:rPr lang="en-US" altLang="en-US" sz="2000" dirty="0"/>
+              <a:t>) file. </a:t>
+            </a:r>
+          </a:p>
+          <a:p>
+            <a:endParaRPr lang="en-US" altLang="en-US" sz="2000" dirty="0"/>
+          </a:p>
+          <a:p>
+            <a:r>
+              <a:rPr lang="en-US" altLang="en-US" sz="2000" dirty="0"/>
               <a:t>Since a script tool points to a script, you can change the script and see the updates immediately when you run the tool. </a:t>
             </a:r>
           </a:p>
           <a:p>
-            <a:endParaRPr lang="en-US" altLang="en-US" sz="2000"/>
-          </a:p>
-          <a:p>
-            <a:r>
-              <a:rPr lang="en-US" altLang="en-US" sz="2000"/>
+            <a:endParaRPr lang="en-US" altLang="en-US" sz="2000" dirty="0"/>
+          </a:p>
+          <a:p>
+            <a:r>
+              <a:rPr lang="en-US" altLang="en-US" sz="2000" dirty="0"/>
               <a:t>If you rename, move, or remove the underlying script, the script tool will be broken.</a:t>
             </a:r>
           </a:p>
           <a:p>
-            <a:endParaRPr lang="en-US" altLang="en-US" sz="2000"/>
-          </a:p>
-          <a:p>
-            <a:r>
-              <a:rPr lang="en-US" altLang="en-US" sz="2000"/>
-              <a:t>For portability, check 'Store relative path names'. Then copy the toolbox and the script maintaining the relative path.</a:t>
-            </a:r>
-          </a:p>
-          <a:p>
-            <a:endParaRPr lang="en-US" altLang="en-US" sz="2000"/>
-          </a:p>
-          <a:p>
-            <a:r>
-              <a:rPr lang="en-US" altLang="en-US" sz="2000"/>
+            <a:endParaRPr lang="en-US" altLang="en-US" sz="2000" dirty="0"/>
+          </a:p>
+          <a:p>
+            <a:r>
+              <a:rPr lang="en-US" altLang="en-US" sz="2000" dirty="0"/>
+              <a:t>For portability, copy the toolbox and the script maintaining the relative path.</a:t>
+            </a:r>
+          </a:p>
+          <a:p>
+            <a:endParaRPr lang="en-US" altLang="en-US" sz="2000" dirty="0"/>
+          </a:p>
+          <a:p>
+            <a:r>
+              <a:rPr lang="en-US" altLang="en-US" sz="2000" dirty="0"/>
               <a:t>Script tools don't have a debugger, so it's important to test Python scripts thoroughly outside the script tool.</a:t>
             </a:r>
           </a:p>
           <a:p>
-            <a:endParaRPr lang="en-US" altLang="en-US" sz="2000"/>
-          </a:p>
-          <a:p>
-            <a:r>
-              <a:rPr lang="en-US" altLang="en-US" sz="2000"/>
-              <a:t>A simple way to maintain relative paths is to set up the script tools and scripts in the same directory and share that directory.</a:t>
-            </a:r>
-          </a:p>
-          <a:p>
-            <a:endParaRPr lang="en-US" altLang="en-US" sz="2000"/>
+            <a:endParaRPr lang="en-US" altLang="en-US" sz="2000" dirty="0"/>
+          </a:p>
+          <a:p>
+            <a:r>
+              <a:rPr lang="en-US" altLang="en-US" sz="2000" dirty="0"/>
+              <a:t>A simple way to maintain relative paths is to set up the script tools and scripts in the same project directory and share that entire directory.</a:t>
+            </a:r>
+          </a:p>
+          <a:p>
+            <a:endParaRPr lang="en-US" altLang="en-US" sz="2000" dirty="0"/>
           </a:p>
         </p:txBody>
       </p:sp>

--- a/slides/arcScriptTools.pptx
+++ b/slides/arcScriptTools.pptx
@@ -1,11 +1,11 @@
 
 <file path=ppt/presentation.xml><?xml version="1.0" encoding="utf-8"?>
-<p:presentation xmlns:a="http://schemas.openxmlformats.org/drawingml/2006/main" xmlns:r="http://schemas.openxmlformats.org/officeDocument/2006/relationships" xmlns:p="http://schemas.openxmlformats.org/presentationml/2006/main" saveSubsetFonts="1">
+<p:presentation xmlns:a="http://schemas.openxmlformats.org/drawingml/2006/main" xmlns:r="http://schemas.openxmlformats.org/officeDocument/2006/relationships" xmlns:p="http://schemas.openxmlformats.org/presentationml/2006/main" embedTrueTypeFonts="1" saveSubsetFonts="1">
   <p:sldMasterIdLst>
     <p:sldMasterId id="2147483648" r:id="rId1"/>
   </p:sldMasterIdLst>
   <p:notesMasterIdLst>
-    <p:notesMasterId r:id="rId12"/>
+    <p:notesMasterId r:id="rId14"/>
   </p:notesMasterIdLst>
   <p:sldIdLst>
     <p:sldId id="256" r:id="rId2"/>
@@ -13,14 +13,31 @@
     <p:sldId id="287" r:id="rId4"/>
     <p:sldId id="289" r:id="rId5"/>
     <p:sldId id="286" r:id="rId6"/>
-    <p:sldId id="290" r:id="rId7"/>
-    <p:sldId id="288" r:id="rId8"/>
-    <p:sldId id="293" r:id="rId9"/>
-    <p:sldId id="291" r:id="rId10"/>
-    <p:sldId id="292" r:id="rId11"/>
+    <p:sldId id="294" r:id="rId7"/>
+    <p:sldId id="295" r:id="rId8"/>
+    <p:sldId id="290" r:id="rId9"/>
+    <p:sldId id="288" r:id="rId10"/>
+    <p:sldId id="293" r:id="rId11"/>
+    <p:sldId id="291" r:id="rId12"/>
+    <p:sldId id="292" r:id="rId13"/>
   </p:sldIdLst>
   <p:sldSz cx="9144000" cy="6858000" type="screen4x3"/>
   <p:notesSz cx="6858000" cy="9144000"/>
+  <p:embeddedFontLst>
+    <p:embeddedFont>
+      <p:font typeface="Consolas" panose="020B0609020204030204" pitchFamily="49" charset="0"/>
+      <p:regular r:id="rId15"/>
+      <p:bold r:id="rId16"/>
+      <p:italic r:id="rId17"/>
+      <p:boldItalic r:id="rId18"/>
+    </p:embeddedFont>
+    <p:embeddedFont>
+      <p:font typeface="Garamond" panose="02020404030301010803" pitchFamily="18" charset="0"/>
+      <p:regular r:id="rId19"/>
+      <p:bold r:id="rId20"/>
+      <p:italic r:id="rId21"/>
+    </p:embeddedFont>
+  </p:embeddedFontLst>
   <p:defaultTextStyle>
     <a:defPPr>
       <a:defRPr lang="en-US"/>
@@ -358,7 +375,7 @@
             </a:extLst>
           </p:cNvPr>
           <p:cNvSpPr>
-            <a:spLocks noChangeArrowheads="1" noTextEdit="1"/>
+            <a:spLocks noGrp="1" noRot="1" noChangeAspect="1" noChangeArrowheads="1" noTextEdit="1"/>
           </p:cNvSpPr>
           <p:nvPr>
             <p:ph type="sldImg" idx="2"/>
@@ -854,16 +871,10 @@
           <a:lstStyle/>
           <a:p>
             <a:r>
-              <a:rPr lang="en-US" altLang="en-US">
-                <a:latin typeface="Arial" panose="020B0604020202020204" pitchFamily="34" charset="0"/>
-              </a:rPr>
-              <a:t>A graphical user interface (or GUI for short), is a way to prompt users to provide the arguments needed for a script in a way that’s easier for them to understand than running the tool in an IDE or command line environment. </a:t>
-            </a:r>
-            <a:r>
               <a:rPr lang="en-US" altLang="en-US" dirty="0">
                 <a:latin typeface="Arial" panose="020B0604020202020204" pitchFamily="34" charset="0"/>
               </a:rPr>
-              <a:t>The image on the right shows a simple GUI that was created by an ArcGIS Script Tool.   ArcGIS Script Tools are a means for you, the programmer, to create graphical user interfaces for your Python scripts without having to learn about the complex libraries that are available for GUI development.  </a:t>
+              <a:t>A graphical user interface (or GUI for short), is a way to prompt users to provide the arguments needed for a script, so that they don't need to learn to run a Python script directly in an IDE or install an IDE.  This slide shows a GUI that was created by an ArcGIS Script Tool to accept 3 user arguments.   ArcGIS Script Tools are a means for you, the programmer, to create graphical user interfaces for your Python scripts without having to learn about the complex libraries that are available for GUI development.  </a:t>
             </a:r>
           </a:p>
           <a:p>
@@ -876,10 +887,13 @@
               <a:rPr lang="en-US" altLang="en-US" dirty="0">
                 <a:latin typeface="Arial" panose="020B0604020202020204" pitchFamily="34" charset="0"/>
               </a:rPr>
-              <a:t>This video introduces ArcGIS Script Tools, there relationship with the Python scripts they are built for, how to create them, and how to use them.  Also, that topic of relative paths reemerges.</a:t>
-            </a:r>
-          </a:p>
-          <a:p>
+              <a:t>This video introduces ArcGIS Script Tools, there relationship with the Python scripts they are built for, how to create them, and how to use them.  </a:t>
+            </a:r>
+            <a:br>
+              <a:rPr lang="en-US" altLang="en-US" dirty="0">
+                <a:latin typeface="Arial" panose="020B0604020202020204" pitchFamily="34" charset="0"/>
+              </a:rPr>
+            </a:br>
             <a:endParaRPr lang="en-US" altLang="en-US" dirty="0">
               <a:latin typeface="Arial" panose="020B0604020202020204" pitchFamily="34" charset="0"/>
             </a:endParaRPr>
@@ -889,7 +903,7 @@
               <a:rPr lang="en-US" altLang="en-US" dirty="0">
                 <a:latin typeface="Arial" panose="020B0604020202020204" pitchFamily="34" charset="0"/>
               </a:rPr>
-              <a:t>After this lesson there are several follow-up lessons about setting the parameters.  If you learn enough about Script Tools and their cousins, Python Toolboxes, you can make dynamic interfaces that can really help your users run your scripts more effectively.</a:t>
+              <a:t> If you learn enough about Script Tools and their cousins, Python Toolboxes, you can make dynamic interfaces that can really help your users run your scripts more effectively.</a:t>
             </a:r>
           </a:p>
         </p:txBody>
@@ -1092,96 +1106,202 @@
           <a:lstStyle/>
           <a:p>
             <a:r>
-              <a:rPr lang="en-US" altLang="en-US">
-                <a:latin typeface="Arial" panose="020B0604020202020204" pitchFamily="34" charset="0"/>
-              </a:rPr>
-              <a:t>Import arcpy</a:t>
-            </a:r>
-          </a:p>
-          <a:p>
-            <a:r>
-              <a:rPr lang="en-US" altLang="en-US">
-                <a:latin typeface="Arial" panose="020B0604020202020204" pitchFamily="34" charset="0"/>
-              </a:rPr>
-              <a:t>def printArc(message):</a:t>
-            </a:r>
-          </a:p>
-          <a:p>
-            <a:r>
-              <a:rPr lang="en-US" altLang="en-US">
-                <a:latin typeface="Arial" panose="020B0604020202020204" pitchFamily="34" charset="0"/>
-              </a:rPr>
-              <a:t>    '''Print message for script tool and standard output.'''</a:t>
-            </a:r>
-          </a:p>
-          <a:p>
-            <a:r>
-              <a:rPr lang="en-US" altLang="en-US">
-                <a:latin typeface="Arial" panose="020B0604020202020204" pitchFamily="34" charset="0"/>
-              </a:rPr>
-              <a:t>    print message</a:t>
-            </a:r>
-          </a:p>
-          <a:p>
-            <a:r>
-              <a:rPr lang="en-US" altLang="en-US">
-                <a:latin typeface="Arial" panose="020B0604020202020204" pitchFamily="34" charset="0"/>
-              </a:rPr>
-              <a:t>    arcpy.AddMessage(message)</a:t>
-            </a:r>
-          </a:p>
-          <a:p>
-            <a:endParaRPr lang="en-US" altLang="en-US">
+              <a:rPr lang="en-US" altLang="en-US" dirty="0">
+                <a:latin typeface="Arial" panose="020B0604020202020204" pitchFamily="34" charset="0"/>
+              </a:rPr>
+              <a:t># textLister.py</a:t>
+            </a:r>
+          </a:p>
+          <a:p>
+            <a:r>
+              <a:rPr lang="en-US" altLang="en-US" dirty="0">
+                <a:latin typeface="Arial" panose="020B0604020202020204" pitchFamily="34" charset="0"/>
+              </a:rPr>
+              <a:t># Purpose: Print the text file (.txt) names in the directory.</a:t>
+            </a:r>
+          </a:p>
+          <a:p>
+            <a:r>
+              <a:rPr lang="en-US" altLang="en-US" dirty="0">
+                <a:latin typeface="Arial" panose="020B0604020202020204" pitchFamily="34" charset="0"/>
+              </a:rPr>
+              <a:t># Usage: No arguments required.</a:t>
+            </a:r>
+          </a:p>
+          <a:p>
+            <a:r>
+              <a:rPr lang="en-US" altLang="en-US" dirty="0">
+                <a:latin typeface="Arial" panose="020B0604020202020204" pitchFamily="34" charset="0"/>
+              </a:rPr>
+              <a:t>import arcpy, </a:t>
+            </a:r>
+            <a:r>
+              <a:rPr lang="en-US" altLang="en-US" dirty="0" err="1">
+                <a:latin typeface="Arial" panose="020B0604020202020204" pitchFamily="34" charset="0"/>
+              </a:rPr>
+              <a:t>os</a:t>
+            </a:r>
+            <a:endParaRPr lang="en-US" altLang="en-US" dirty="0">
               <a:latin typeface="Arial" panose="020B0604020202020204" pitchFamily="34" charset="0"/>
             </a:endParaRPr>
           </a:p>
           <a:p>
             <a:r>
-              <a:rPr lang="en-US" altLang="en-US">
-                <a:latin typeface="Arial" panose="020B0604020202020204" pitchFamily="34" charset="0"/>
-              </a:rPr>
-              <a:t>printArc('foo')</a:t>
-            </a:r>
-          </a:p>
-          <a:p>
-            <a:endParaRPr lang="en-US" altLang="en-US">
+              <a:rPr lang="en-US" altLang="en-US" dirty="0" err="1">
+                <a:latin typeface="Arial" panose="020B0604020202020204" pitchFamily="34" charset="0"/>
+              </a:rPr>
+              <a:t>myDir</a:t>
+            </a:r>
+            <a:r>
+              <a:rPr lang="en-US" altLang="en-US" dirty="0">
+                <a:latin typeface="Arial" panose="020B0604020202020204" pitchFamily="34" charset="0"/>
+              </a:rPr>
+              <a:t> = </a:t>
+            </a:r>
+            <a:r>
+              <a:rPr lang="en-US" altLang="en-US" dirty="0" err="1">
+                <a:latin typeface="Arial" panose="020B0604020202020204" pitchFamily="34" charset="0"/>
+              </a:rPr>
+              <a:t>r'C</a:t>
+            </a:r>
+            <a:r>
+              <a:rPr lang="en-US" altLang="en-US" dirty="0">
+                <a:latin typeface="Arial" panose="020B0604020202020204" pitchFamily="34" charset="0"/>
+              </a:rPr>
+              <a:t>:\</a:t>
+            </a:r>
+            <a:r>
+              <a:rPr lang="en-US" altLang="en-US" dirty="0" err="1">
+                <a:latin typeface="Arial" panose="020B0604020202020204" pitchFamily="34" charset="0"/>
+              </a:rPr>
+              <a:t>gispy</a:t>
+            </a:r>
+            <a:r>
+              <a:rPr lang="en-US" altLang="en-US" dirty="0">
+                <a:latin typeface="Arial" panose="020B0604020202020204" pitchFamily="34" charset="0"/>
+              </a:rPr>
+              <a:t>\data\ch23\</a:t>
+            </a:r>
+            <a:r>
+              <a:rPr lang="en-US" altLang="en-US" dirty="0" err="1">
+                <a:latin typeface="Arial" panose="020B0604020202020204" pitchFamily="34" charset="0"/>
+              </a:rPr>
+              <a:t>smallDir</a:t>
+            </a:r>
+            <a:r>
+              <a:rPr lang="en-US" altLang="en-US" dirty="0">
+                <a:latin typeface="Arial" panose="020B0604020202020204" pitchFamily="34" charset="0"/>
+              </a:rPr>
+              <a:t>'</a:t>
+            </a:r>
+          </a:p>
+          <a:p>
+            <a:endParaRPr lang="en-US" altLang="en-US" dirty="0">
               <a:latin typeface="Arial" panose="020B0604020202020204" pitchFamily="34" charset="0"/>
             </a:endParaRPr>
           </a:p>
           <a:p>
             <a:r>
-              <a:rPr lang="en-US" altLang="en-US">
-                <a:latin typeface="Arial" panose="020B0604020202020204" pitchFamily="34" charset="0"/>
-              </a:rPr>
-              <a:t>dist = 5</a:t>
-            </a:r>
-          </a:p>
-          <a:p>
-            <a:r>
-              <a:rPr lang="en-US" altLang="en-US">
-                <a:latin typeface="Arial" panose="020B0604020202020204" pitchFamily="34" charset="0"/>
-              </a:rPr>
-              <a:t>unit = 'miles'</a:t>
-            </a:r>
-          </a:p>
-          <a:p>
-            <a:r>
-              <a:rPr lang="en-US" altLang="en-US">
-                <a:latin typeface="Arial" panose="020B0604020202020204" pitchFamily="34" charset="0"/>
-              </a:rPr>
-              <a:t>myMessage = '{0} {1}'.format(dist, unit)</a:t>
-            </a:r>
-          </a:p>
-          <a:p>
-            <a:r>
-              <a:rPr lang="en-US" altLang="en-US">
-                <a:latin typeface="Arial" panose="020B0604020202020204" pitchFamily="34" charset="0"/>
-              </a:rPr>
-              <a:t>printArc(myMessage)</a:t>
-            </a:r>
-          </a:p>
-          <a:p>
-            <a:endParaRPr lang="en-US" altLang="en-US">
+              <a:rPr lang="en-US" altLang="en-US" dirty="0" err="1">
+                <a:latin typeface="Arial" panose="020B0604020202020204" pitchFamily="34" charset="0"/>
+              </a:rPr>
+              <a:t>fileList</a:t>
+            </a:r>
+            <a:r>
+              <a:rPr lang="en-US" altLang="en-US" dirty="0">
+                <a:latin typeface="Arial" panose="020B0604020202020204" pitchFamily="34" charset="0"/>
+              </a:rPr>
+              <a:t> = </a:t>
+            </a:r>
+            <a:r>
+              <a:rPr lang="en-US" altLang="en-US" dirty="0" err="1">
+                <a:latin typeface="Arial" panose="020B0604020202020204" pitchFamily="34" charset="0"/>
+              </a:rPr>
+              <a:t>os.listdir</a:t>
+            </a:r>
+            <a:r>
+              <a:rPr lang="en-US" altLang="en-US" dirty="0">
+                <a:latin typeface="Arial" panose="020B0604020202020204" pitchFamily="34" charset="0"/>
+              </a:rPr>
+              <a:t>(</a:t>
+            </a:r>
+            <a:r>
+              <a:rPr lang="en-US" altLang="en-US" dirty="0" err="1">
+                <a:latin typeface="Arial" panose="020B0604020202020204" pitchFamily="34" charset="0"/>
+              </a:rPr>
+              <a:t>myDir</a:t>
+            </a:r>
+            <a:r>
+              <a:rPr lang="en-US" altLang="en-US" dirty="0">
+                <a:latin typeface="Arial" panose="020B0604020202020204" pitchFamily="34" charset="0"/>
+              </a:rPr>
+              <a:t>)</a:t>
+            </a:r>
+          </a:p>
+          <a:p>
+            <a:r>
+              <a:rPr lang="en-US" altLang="en-US" dirty="0">
+                <a:latin typeface="Arial" panose="020B0604020202020204" pitchFamily="34" charset="0"/>
+              </a:rPr>
+              <a:t>for f in </a:t>
+            </a:r>
+            <a:r>
+              <a:rPr lang="en-US" altLang="en-US" dirty="0" err="1">
+                <a:latin typeface="Arial" panose="020B0604020202020204" pitchFamily="34" charset="0"/>
+              </a:rPr>
+              <a:t>fileList</a:t>
+            </a:r>
+            <a:r>
+              <a:rPr lang="en-US" altLang="en-US" dirty="0">
+                <a:latin typeface="Arial" panose="020B0604020202020204" pitchFamily="34" charset="0"/>
+              </a:rPr>
+              <a:t>:</a:t>
+            </a:r>
+          </a:p>
+          <a:p>
+            <a:r>
+              <a:rPr lang="en-US" altLang="en-US" dirty="0">
+                <a:latin typeface="Arial" panose="020B0604020202020204" pitchFamily="34" charset="0"/>
+              </a:rPr>
+              <a:t>    if </a:t>
+            </a:r>
+            <a:r>
+              <a:rPr lang="en-US" altLang="en-US" dirty="0" err="1">
+                <a:latin typeface="Arial" panose="020B0604020202020204" pitchFamily="34" charset="0"/>
+              </a:rPr>
+              <a:t>f.endswith</a:t>
+            </a:r>
+            <a:r>
+              <a:rPr lang="en-US" altLang="en-US" dirty="0">
+                <a:latin typeface="Arial" panose="020B0604020202020204" pitchFamily="34" charset="0"/>
+              </a:rPr>
+              <a:t>(".txt"):</a:t>
+            </a:r>
+          </a:p>
+          <a:p>
+            <a:r>
+              <a:rPr lang="en-US" altLang="en-US" dirty="0">
+                <a:latin typeface="Arial" panose="020B0604020202020204" pitchFamily="34" charset="0"/>
+              </a:rPr>
+              <a:t>        print(f)</a:t>
+            </a:r>
+          </a:p>
+          <a:p>
+            <a:r>
+              <a:rPr lang="en-US" altLang="en-US" dirty="0" err="1">
+                <a:latin typeface="Arial" panose="020B0604020202020204" pitchFamily="34" charset="0"/>
+              </a:rPr>
+              <a:t>arcpy.AddMessage</a:t>
+            </a:r>
+            <a:r>
+              <a:rPr lang="en-US" altLang="en-US" dirty="0">
+                <a:latin typeface="Arial" panose="020B0604020202020204" pitchFamily="34" charset="0"/>
+              </a:rPr>
+              <a:t>('And I like pie!'))</a:t>
+            </a:r>
+          </a:p>
+          <a:p>
+            <a:endParaRPr lang="en-US" altLang="en-US" dirty="0">
               <a:latin typeface="Arial" panose="020B0604020202020204" pitchFamily="34" charset="0"/>
             </a:endParaRPr>
           </a:p>
@@ -1325,6 +1445,674 @@
 </file>
 
 <file path=ppt/notesSlides/notesSlide3.xml><?xml version="1.0" encoding="utf-8"?>
+<p:notes xmlns:a="http://schemas.openxmlformats.org/drawingml/2006/main" xmlns:r="http://schemas.openxmlformats.org/officeDocument/2006/relationships" xmlns:p="http://schemas.openxmlformats.org/presentationml/2006/main">
+  <p:cSld>
+    <p:spTree>
+      <p:nvGrpSpPr>
+        <p:cNvPr id="1" name=""/>
+        <p:cNvGrpSpPr/>
+        <p:nvPr/>
+      </p:nvGrpSpPr>
+      <p:grpSpPr>
+        <a:xfrm>
+          <a:off x="0" y="0"/>
+          <a:ext cx="0" cy="0"/>
+          <a:chOff x="0" y="0"/>
+          <a:chExt cx="0" cy="0"/>
+        </a:xfrm>
+      </p:grpSpPr>
+      <p:sp>
+        <p:nvSpPr>
+          <p:cNvPr id="11266" name="Slide Image Placeholder 1">
+            <a:extLst>
+              <a:ext uri="{FF2B5EF4-FFF2-40B4-BE49-F238E27FC236}">
+                <a16:creationId xmlns:a16="http://schemas.microsoft.com/office/drawing/2014/main" id="{756DABC0-7630-E29B-2E15-2D65D1B920CD}"/>
+              </a:ext>
+            </a:extLst>
+          </p:cNvPr>
+          <p:cNvSpPr>
+            <a:spLocks noGrp="1" noRot="1" noChangeAspect="1" noTextEdit="1"/>
+          </p:cNvSpPr>
+          <p:nvPr>
+            <p:ph type="sldImg"/>
+          </p:nvPr>
+        </p:nvSpPr>
+        <p:spPr>
+          <a:ln/>
+        </p:spPr>
+      </p:sp>
+      <p:sp>
+        <p:nvSpPr>
+          <p:cNvPr id="11267" name="Notes Placeholder 2">
+            <a:extLst>
+              <a:ext uri="{FF2B5EF4-FFF2-40B4-BE49-F238E27FC236}">
+                <a16:creationId xmlns:a16="http://schemas.microsoft.com/office/drawing/2014/main" id="{FF7C3684-DC8B-768D-E682-95E4B36BDAA1}"/>
+              </a:ext>
+            </a:extLst>
+          </p:cNvPr>
+          <p:cNvSpPr>
+            <a:spLocks noGrp="1"/>
+          </p:cNvSpPr>
+          <p:nvPr>
+            <p:ph type="body" idx="1"/>
+          </p:nvPr>
+        </p:nvSpPr>
+        <p:spPr>
+          <a:noFill/>
+        </p:spPr>
+        <p:txBody>
+          <a:bodyPr/>
+          <a:lstStyle/>
+          <a:p>
+            <a:r>
+              <a:rPr lang="en-US" altLang="en-US" dirty="0">
+                <a:latin typeface="Arial" panose="020B0604020202020204" pitchFamily="34" charset="0"/>
+              </a:rPr>
+              <a:t>Import arcpy</a:t>
+            </a:r>
+          </a:p>
+          <a:p>
+            <a:r>
+              <a:rPr lang="en-US" altLang="en-US" dirty="0">
+                <a:latin typeface="Arial" panose="020B0604020202020204" pitchFamily="34" charset="0"/>
+              </a:rPr>
+              <a:t>def </a:t>
+            </a:r>
+            <a:r>
+              <a:rPr lang="en-US" altLang="en-US" dirty="0" err="1">
+                <a:latin typeface="Arial" panose="020B0604020202020204" pitchFamily="34" charset="0"/>
+              </a:rPr>
+              <a:t>printArc</a:t>
+            </a:r>
+            <a:r>
+              <a:rPr lang="en-US" altLang="en-US" dirty="0">
+                <a:latin typeface="Arial" panose="020B0604020202020204" pitchFamily="34" charset="0"/>
+              </a:rPr>
+              <a:t>(message):</a:t>
+            </a:r>
+          </a:p>
+          <a:p>
+            <a:r>
+              <a:rPr lang="en-US" altLang="en-US" dirty="0">
+                <a:latin typeface="Arial" panose="020B0604020202020204" pitchFamily="34" charset="0"/>
+              </a:rPr>
+              <a:t>    '''Print message for script tool and standard output.'''</a:t>
+            </a:r>
+          </a:p>
+          <a:p>
+            <a:r>
+              <a:rPr lang="en-US" altLang="en-US" dirty="0">
+                <a:latin typeface="Arial" panose="020B0604020202020204" pitchFamily="34" charset="0"/>
+              </a:rPr>
+              <a:t>    print message</a:t>
+            </a:r>
+          </a:p>
+          <a:p>
+            <a:r>
+              <a:rPr lang="en-US" altLang="en-US" dirty="0">
+                <a:latin typeface="Arial" panose="020B0604020202020204" pitchFamily="34" charset="0"/>
+              </a:rPr>
+              <a:t>    </a:t>
+            </a:r>
+            <a:r>
+              <a:rPr lang="en-US" altLang="en-US" dirty="0" err="1">
+                <a:latin typeface="Arial" panose="020B0604020202020204" pitchFamily="34" charset="0"/>
+              </a:rPr>
+              <a:t>arcpy.AddMessage</a:t>
+            </a:r>
+            <a:r>
+              <a:rPr lang="en-US" altLang="en-US" dirty="0">
+                <a:latin typeface="Arial" panose="020B0604020202020204" pitchFamily="34" charset="0"/>
+              </a:rPr>
+              <a:t>(message)</a:t>
+            </a:r>
+          </a:p>
+          <a:p>
+            <a:endParaRPr lang="en-US" altLang="en-US" dirty="0">
+              <a:latin typeface="Arial" panose="020B0604020202020204" pitchFamily="34" charset="0"/>
+            </a:endParaRPr>
+          </a:p>
+          <a:p>
+            <a:r>
+              <a:rPr lang="en-US" altLang="en-US" dirty="0" err="1">
+                <a:latin typeface="Arial" panose="020B0604020202020204" pitchFamily="34" charset="0"/>
+              </a:rPr>
+              <a:t>printArc</a:t>
+            </a:r>
+            <a:r>
+              <a:rPr lang="en-US" altLang="en-US" dirty="0">
+                <a:latin typeface="Arial" panose="020B0604020202020204" pitchFamily="34" charset="0"/>
+              </a:rPr>
+              <a:t>('foo')</a:t>
+            </a:r>
+          </a:p>
+          <a:p>
+            <a:endParaRPr lang="en-US" altLang="en-US" dirty="0">
+              <a:latin typeface="Arial" panose="020B0604020202020204" pitchFamily="34" charset="0"/>
+            </a:endParaRPr>
+          </a:p>
+          <a:p>
+            <a:r>
+              <a:rPr lang="en-US" altLang="en-US" dirty="0" err="1">
+                <a:latin typeface="Arial" panose="020B0604020202020204" pitchFamily="34" charset="0"/>
+              </a:rPr>
+              <a:t>dist</a:t>
+            </a:r>
+            <a:r>
+              <a:rPr lang="en-US" altLang="en-US" dirty="0">
+                <a:latin typeface="Arial" panose="020B0604020202020204" pitchFamily="34" charset="0"/>
+              </a:rPr>
+              <a:t> = 5</a:t>
+            </a:r>
+          </a:p>
+          <a:p>
+            <a:r>
+              <a:rPr lang="en-US" altLang="en-US" dirty="0">
+                <a:latin typeface="Arial" panose="020B0604020202020204" pitchFamily="34" charset="0"/>
+              </a:rPr>
+              <a:t>unit = 'miles'</a:t>
+            </a:r>
+          </a:p>
+          <a:p>
+            <a:r>
+              <a:rPr lang="en-US" altLang="en-US" dirty="0" err="1">
+                <a:latin typeface="Arial" panose="020B0604020202020204" pitchFamily="34" charset="0"/>
+              </a:rPr>
+              <a:t>myMessage</a:t>
+            </a:r>
+            <a:r>
+              <a:rPr lang="en-US" altLang="en-US" dirty="0">
+                <a:latin typeface="Arial" panose="020B0604020202020204" pitchFamily="34" charset="0"/>
+              </a:rPr>
+              <a:t> = '{0} {1}'.format(</a:t>
+            </a:r>
+            <a:r>
+              <a:rPr lang="en-US" altLang="en-US" dirty="0" err="1">
+                <a:latin typeface="Arial" panose="020B0604020202020204" pitchFamily="34" charset="0"/>
+              </a:rPr>
+              <a:t>dist</a:t>
+            </a:r>
+            <a:r>
+              <a:rPr lang="en-US" altLang="en-US" dirty="0">
+                <a:latin typeface="Arial" panose="020B0604020202020204" pitchFamily="34" charset="0"/>
+              </a:rPr>
+              <a:t>, unit)</a:t>
+            </a:r>
+          </a:p>
+          <a:p>
+            <a:r>
+              <a:rPr lang="en-US" altLang="en-US" dirty="0" err="1">
+                <a:latin typeface="Arial" panose="020B0604020202020204" pitchFamily="34" charset="0"/>
+              </a:rPr>
+              <a:t>printArc</a:t>
+            </a:r>
+            <a:r>
+              <a:rPr lang="en-US" altLang="en-US" dirty="0">
+                <a:latin typeface="Arial" panose="020B0604020202020204" pitchFamily="34" charset="0"/>
+              </a:rPr>
+              <a:t>(</a:t>
+            </a:r>
+            <a:r>
+              <a:rPr lang="en-US" altLang="en-US" dirty="0" err="1">
+                <a:latin typeface="Arial" panose="020B0604020202020204" pitchFamily="34" charset="0"/>
+              </a:rPr>
+              <a:t>myMessage</a:t>
+            </a:r>
+            <a:r>
+              <a:rPr lang="en-US" altLang="en-US" dirty="0">
+                <a:latin typeface="Arial" panose="020B0604020202020204" pitchFamily="34" charset="0"/>
+              </a:rPr>
+              <a:t>)</a:t>
+            </a:r>
+          </a:p>
+          <a:p>
+            <a:endParaRPr lang="en-US" altLang="en-US" dirty="0">
+              <a:latin typeface="Arial" panose="020B0604020202020204" pitchFamily="34" charset="0"/>
+            </a:endParaRPr>
+          </a:p>
+        </p:txBody>
+      </p:sp>
+      <p:sp>
+        <p:nvSpPr>
+          <p:cNvPr id="11268" name="Slide Number Placeholder 3">
+            <a:extLst>
+              <a:ext uri="{FF2B5EF4-FFF2-40B4-BE49-F238E27FC236}">
+                <a16:creationId xmlns:a16="http://schemas.microsoft.com/office/drawing/2014/main" id="{163F142B-C162-DD59-5644-F22A0C8CDD82}"/>
+              </a:ext>
+            </a:extLst>
+          </p:cNvPr>
+          <p:cNvSpPr>
+            <a:spLocks noGrp="1"/>
+          </p:cNvSpPr>
+          <p:nvPr>
+            <p:ph type="sldNum" sz="quarter" idx="5"/>
+          </p:nvPr>
+        </p:nvSpPr>
+        <p:spPr>
+          <a:noFill/>
+        </p:spPr>
+        <p:txBody>
+          <a:bodyPr/>
+          <a:lstStyle>
+            <a:lvl1pPr>
+              <a:defRPr b="1">
+                <a:solidFill>
+                  <a:schemeClr val="tx1"/>
+                </a:solidFill>
+                <a:latin typeface="Arial" panose="020B0604020202020204" pitchFamily="34" charset="0"/>
+              </a:defRPr>
+            </a:lvl1pPr>
+            <a:lvl2pPr marL="742950" indent="-285750">
+              <a:defRPr b="1">
+                <a:solidFill>
+                  <a:schemeClr val="tx1"/>
+                </a:solidFill>
+                <a:latin typeface="Arial" panose="020B0604020202020204" pitchFamily="34" charset="0"/>
+              </a:defRPr>
+            </a:lvl2pPr>
+            <a:lvl3pPr marL="1143000" indent="-228600">
+              <a:defRPr b="1">
+                <a:solidFill>
+                  <a:schemeClr val="tx1"/>
+                </a:solidFill>
+                <a:latin typeface="Arial" panose="020B0604020202020204" pitchFamily="34" charset="0"/>
+              </a:defRPr>
+            </a:lvl3pPr>
+            <a:lvl4pPr marL="1600200" indent="-228600">
+              <a:defRPr b="1">
+                <a:solidFill>
+                  <a:schemeClr val="tx1"/>
+                </a:solidFill>
+                <a:latin typeface="Arial" panose="020B0604020202020204" pitchFamily="34" charset="0"/>
+              </a:defRPr>
+            </a:lvl4pPr>
+            <a:lvl5pPr marL="2057400" indent="-228600">
+              <a:defRPr b="1">
+                <a:solidFill>
+                  <a:schemeClr val="tx1"/>
+                </a:solidFill>
+                <a:latin typeface="Arial" panose="020B0604020202020204" pitchFamily="34" charset="0"/>
+              </a:defRPr>
+            </a:lvl5pPr>
+            <a:lvl6pPr marL="2514600" indent="-228600" eaLnBrk="0" fontAlgn="base" hangingPunct="0">
+              <a:spcBef>
+                <a:spcPct val="0"/>
+              </a:spcBef>
+              <a:spcAft>
+                <a:spcPct val="0"/>
+              </a:spcAft>
+              <a:defRPr b="1">
+                <a:solidFill>
+                  <a:schemeClr val="tx1"/>
+                </a:solidFill>
+                <a:latin typeface="Arial" panose="020B0604020202020204" pitchFamily="34" charset="0"/>
+              </a:defRPr>
+            </a:lvl6pPr>
+            <a:lvl7pPr marL="2971800" indent="-228600" eaLnBrk="0" fontAlgn="base" hangingPunct="0">
+              <a:spcBef>
+                <a:spcPct val="0"/>
+              </a:spcBef>
+              <a:spcAft>
+                <a:spcPct val="0"/>
+              </a:spcAft>
+              <a:defRPr b="1">
+                <a:solidFill>
+                  <a:schemeClr val="tx1"/>
+                </a:solidFill>
+                <a:latin typeface="Arial" panose="020B0604020202020204" pitchFamily="34" charset="0"/>
+              </a:defRPr>
+            </a:lvl7pPr>
+            <a:lvl8pPr marL="3429000" indent="-228600" eaLnBrk="0" fontAlgn="base" hangingPunct="0">
+              <a:spcBef>
+                <a:spcPct val="0"/>
+              </a:spcBef>
+              <a:spcAft>
+                <a:spcPct val="0"/>
+              </a:spcAft>
+              <a:defRPr b="1">
+                <a:solidFill>
+                  <a:schemeClr val="tx1"/>
+                </a:solidFill>
+                <a:latin typeface="Arial" panose="020B0604020202020204" pitchFamily="34" charset="0"/>
+              </a:defRPr>
+            </a:lvl8pPr>
+            <a:lvl9pPr marL="3886200" indent="-228600" eaLnBrk="0" fontAlgn="base" hangingPunct="0">
+              <a:spcBef>
+                <a:spcPct val="0"/>
+              </a:spcBef>
+              <a:spcAft>
+                <a:spcPct val="0"/>
+              </a:spcAft>
+              <a:defRPr b="1">
+                <a:solidFill>
+                  <a:schemeClr val="tx1"/>
+                </a:solidFill>
+                <a:latin typeface="Arial" panose="020B0604020202020204" pitchFamily="34" charset="0"/>
+              </a:defRPr>
+            </a:lvl9pPr>
+          </a:lstStyle>
+          <a:p>
+            <a:fld id="{3585D940-B447-4080-855A-903CAD9DE06A}" type="slidenum">
+              <a:rPr lang="en-US" altLang="en-US" b="0"/>
+              <a:pPr/>
+              <a:t>6</a:t>
+            </a:fld>
+            <a:endParaRPr lang="en-US" altLang="en-US" b="0"/>
+          </a:p>
+        </p:txBody>
+      </p:sp>
+    </p:spTree>
+    <p:extLst>
+      <p:ext uri="{BB962C8B-B14F-4D97-AF65-F5344CB8AC3E}">
+        <p14:creationId xmlns:p14="http://schemas.microsoft.com/office/powerpoint/2010/main" val="3838130019"/>
+      </p:ext>
+    </p:extLst>
+  </p:cSld>
+  <p:clrMapOvr>
+    <a:masterClrMapping/>
+  </p:clrMapOvr>
+</p:notes>
+</file>
+
+<file path=ppt/notesSlides/notesSlide4.xml><?xml version="1.0" encoding="utf-8"?>
+<p:notes xmlns:a="http://schemas.openxmlformats.org/drawingml/2006/main" xmlns:r="http://schemas.openxmlformats.org/officeDocument/2006/relationships" xmlns:p="http://schemas.openxmlformats.org/presentationml/2006/main">
+  <p:cSld>
+    <p:spTree>
+      <p:nvGrpSpPr>
+        <p:cNvPr id="1" name=""/>
+        <p:cNvGrpSpPr/>
+        <p:nvPr/>
+      </p:nvGrpSpPr>
+      <p:grpSpPr>
+        <a:xfrm>
+          <a:off x="0" y="0"/>
+          <a:ext cx="0" cy="0"/>
+          <a:chOff x="0" y="0"/>
+          <a:chExt cx="0" cy="0"/>
+        </a:xfrm>
+      </p:grpSpPr>
+      <p:sp>
+        <p:nvSpPr>
+          <p:cNvPr id="11266" name="Slide Image Placeholder 1">
+            <a:extLst>
+              <a:ext uri="{FF2B5EF4-FFF2-40B4-BE49-F238E27FC236}">
+                <a16:creationId xmlns:a16="http://schemas.microsoft.com/office/drawing/2014/main" id="{756DABC0-7630-E29B-2E15-2D65D1B920CD}"/>
+              </a:ext>
+            </a:extLst>
+          </p:cNvPr>
+          <p:cNvSpPr>
+            <a:spLocks noGrp="1" noRot="1" noChangeAspect="1" noTextEdit="1"/>
+          </p:cNvSpPr>
+          <p:nvPr>
+            <p:ph type="sldImg"/>
+          </p:nvPr>
+        </p:nvSpPr>
+        <p:spPr>
+          <a:ln/>
+        </p:spPr>
+      </p:sp>
+      <p:sp>
+        <p:nvSpPr>
+          <p:cNvPr id="11267" name="Notes Placeholder 2">
+            <a:extLst>
+              <a:ext uri="{FF2B5EF4-FFF2-40B4-BE49-F238E27FC236}">
+                <a16:creationId xmlns:a16="http://schemas.microsoft.com/office/drawing/2014/main" id="{FF7C3684-DC8B-768D-E682-95E4B36BDAA1}"/>
+              </a:ext>
+            </a:extLst>
+          </p:cNvPr>
+          <p:cNvSpPr>
+            <a:spLocks noGrp="1"/>
+          </p:cNvSpPr>
+          <p:nvPr>
+            <p:ph type="body" idx="1"/>
+          </p:nvPr>
+        </p:nvSpPr>
+        <p:spPr>
+          <a:noFill/>
+        </p:spPr>
+        <p:txBody>
+          <a:bodyPr/>
+          <a:lstStyle/>
+          <a:p>
+            <a:r>
+              <a:rPr lang="en-US" altLang="en-US">
+                <a:latin typeface="Arial" panose="020B0604020202020204" pitchFamily="34" charset="0"/>
+              </a:rPr>
+              <a:t>Import arcpy</a:t>
+            </a:r>
+          </a:p>
+          <a:p>
+            <a:r>
+              <a:rPr lang="en-US" altLang="en-US">
+                <a:latin typeface="Arial" panose="020B0604020202020204" pitchFamily="34" charset="0"/>
+              </a:rPr>
+              <a:t>def printArc(message):</a:t>
+            </a:r>
+          </a:p>
+          <a:p>
+            <a:r>
+              <a:rPr lang="en-US" altLang="en-US">
+                <a:latin typeface="Arial" panose="020B0604020202020204" pitchFamily="34" charset="0"/>
+              </a:rPr>
+              <a:t>    '''Print message for script tool and standard output.'''</a:t>
+            </a:r>
+          </a:p>
+          <a:p>
+            <a:r>
+              <a:rPr lang="en-US" altLang="en-US">
+                <a:latin typeface="Arial" panose="020B0604020202020204" pitchFamily="34" charset="0"/>
+              </a:rPr>
+              <a:t>    print message</a:t>
+            </a:r>
+          </a:p>
+          <a:p>
+            <a:r>
+              <a:rPr lang="en-US" altLang="en-US">
+                <a:latin typeface="Arial" panose="020B0604020202020204" pitchFamily="34" charset="0"/>
+              </a:rPr>
+              <a:t>    arcpy.AddMessage(message)</a:t>
+            </a:r>
+          </a:p>
+          <a:p>
+            <a:endParaRPr lang="en-US" altLang="en-US">
+              <a:latin typeface="Arial" panose="020B0604020202020204" pitchFamily="34" charset="0"/>
+            </a:endParaRPr>
+          </a:p>
+          <a:p>
+            <a:r>
+              <a:rPr lang="en-US" altLang="en-US">
+                <a:latin typeface="Arial" panose="020B0604020202020204" pitchFamily="34" charset="0"/>
+              </a:rPr>
+              <a:t>printArc('foo')</a:t>
+            </a:r>
+          </a:p>
+          <a:p>
+            <a:endParaRPr lang="en-US" altLang="en-US">
+              <a:latin typeface="Arial" panose="020B0604020202020204" pitchFamily="34" charset="0"/>
+            </a:endParaRPr>
+          </a:p>
+          <a:p>
+            <a:r>
+              <a:rPr lang="en-US" altLang="en-US">
+                <a:latin typeface="Arial" panose="020B0604020202020204" pitchFamily="34" charset="0"/>
+              </a:rPr>
+              <a:t>dist = 5</a:t>
+            </a:r>
+          </a:p>
+          <a:p>
+            <a:r>
+              <a:rPr lang="en-US" altLang="en-US">
+                <a:latin typeface="Arial" panose="020B0604020202020204" pitchFamily="34" charset="0"/>
+              </a:rPr>
+              <a:t>unit = 'miles'</a:t>
+            </a:r>
+          </a:p>
+          <a:p>
+            <a:r>
+              <a:rPr lang="en-US" altLang="en-US">
+                <a:latin typeface="Arial" panose="020B0604020202020204" pitchFamily="34" charset="0"/>
+              </a:rPr>
+              <a:t>myMessage = '{0} {1}'.format(dist, unit)</a:t>
+            </a:r>
+          </a:p>
+          <a:p>
+            <a:r>
+              <a:rPr lang="en-US" altLang="en-US">
+                <a:latin typeface="Arial" panose="020B0604020202020204" pitchFamily="34" charset="0"/>
+              </a:rPr>
+              <a:t>printArc(myMessage)</a:t>
+            </a:r>
+          </a:p>
+          <a:p>
+            <a:endParaRPr lang="en-US" altLang="en-US">
+              <a:latin typeface="Arial" panose="020B0604020202020204" pitchFamily="34" charset="0"/>
+            </a:endParaRPr>
+          </a:p>
+        </p:txBody>
+      </p:sp>
+      <p:sp>
+        <p:nvSpPr>
+          <p:cNvPr id="11268" name="Slide Number Placeholder 3">
+            <a:extLst>
+              <a:ext uri="{FF2B5EF4-FFF2-40B4-BE49-F238E27FC236}">
+                <a16:creationId xmlns:a16="http://schemas.microsoft.com/office/drawing/2014/main" id="{163F142B-C162-DD59-5644-F22A0C8CDD82}"/>
+              </a:ext>
+            </a:extLst>
+          </p:cNvPr>
+          <p:cNvSpPr>
+            <a:spLocks noGrp="1"/>
+          </p:cNvSpPr>
+          <p:nvPr>
+            <p:ph type="sldNum" sz="quarter" idx="5"/>
+          </p:nvPr>
+        </p:nvSpPr>
+        <p:spPr>
+          <a:noFill/>
+        </p:spPr>
+        <p:txBody>
+          <a:bodyPr/>
+          <a:lstStyle>
+            <a:lvl1pPr>
+              <a:defRPr b="1">
+                <a:solidFill>
+                  <a:schemeClr val="tx1"/>
+                </a:solidFill>
+                <a:latin typeface="Arial" panose="020B0604020202020204" pitchFamily="34" charset="0"/>
+              </a:defRPr>
+            </a:lvl1pPr>
+            <a:lvl2pPr marL="742950" indent="-285750">
+              <a:defRPr b="1">
+                <a:solidFill>
+                  <a:schemeClr val="tx1"/>
+                </a:solidFill>
+                <a:latin typeface="Arial" panose="020B0604020202020204" pitchFamily="34" charset="0"/>
+              </a:defRPr>
+            </a:lvl2pPr>
+            <a:lvl3pPr marL="1143000" indent="-228600">
+              <a:defRPr b="1">
+                <a:solidFill>
+                  <a:schemeClr val="tx1"/>
+                </a:solidFill>
+                <a:latin typeface="Arial" panose="020B0604020202020204" pitchFamily="34" charset="0"/>
+              </a:defRPr>
+            </a:lvl3pPr>
+            <a:lvl4pPr marL="1600200" indent="-228600">
+              <a:defRPr b="1">
+                <a:solidFill>
+                  <a:schemeClr val="tx1"/>
+                </a:solidFill>
+                <a:latin typeface="Arial" panose="020B0604020202020204" pitchFamily="34" charset="0"/>
+              </a:defRPr>
+            </a:lvl4pPr>
+            <a:lvl5pPr marL="2057400" indent="-228600">
+              <a:defRPr b="1">
+                <a:solidFill>
+                  <a:schemeClr val="tx1"/>
+                </a:solidFill>
+                <a:latin typeface="Arial" panose="020B0604020202020204" pitchFamily="34" charset="0"/>
+              </a:defRPr>
+            </a:lvl5pPr>
+            <a:lvl6pPr marL="2514600" indent="-228600" eaLnBrk="0" fontAlgn="base" hangingPunct="0">
+              <a:spcBef>
+                <a:spcPct val="0"/>
+              </a:spcBef>
+              <a:spcAft>
+                <a:spcPct val="0"/>
+              </a:spcAft>
+              <a:defRPr b="1">
+                <a:solidFill>
+                  <a:schemeClr val="tx1"/>
+                </a:solidFill>
+                <a:latin typeface="Arial" panose="020B0604020202020204" pitchFamily="34" charset="0"/>
+              </a:defRPr>
+            </a:lvl6pPr>
+            <a:lvl7pPr marL="2971800" indent="-228600" eaLnBrk="0" fontAlgn="base" hangingPunct="0">
+              <a:spcBef>
+                <a:spcPct val="0"/>
+              </a:spcBef>
+              <a:spcAft>
+                <a:spcPct val="0"/>
+              </a:spcAft>
+              <a:defRPr b="1">
+                <a:solidFill>
+                  <a:schemeClr val="tx1"/>
+                </a:solidFill>
+                <a:latin typeface="Arial" panose="020B0604020202020204" pitchFamily="34" charset="0"/>
+              </a:defRPr>
+            </a:lvl7pPr>
+            <a:lvl8pPr marL="3429000" indent="-228600" eaLnBrk="0" fontAlgn="base" hangingPunct="0">
+              <a:spcBef>
+                <a:spcPct val="0"/>
+              </a:spcBef>
+              <a:spcAft>
+                <a:spcPct val="0"/>
+              </a:spcAft>
+              <a:defRPr b="1">
+                <a:solidFill>
+                  <a:schemeClr val="tx1"/>
+                </a:solidFill>
+                <a:latin typeface="Arial" panose="020B0604020202020204" pitchFamily="34" charset="0"/>
+              </a:defRPr>
+            </a:lvl8pPr>
+            <a:lvl9pPr marL="3886200" indent="-228600" eaLnBrk="0" fontAlgn="base" hangingPunct="0">
+              <a:spcBef>
+                <a:spcPct val="0"/>
+              </a:spcBef>
+              <a:spcAft>
+                <a:spcPct val="0"/>
+              </a:spcAft>
+              <a:defRPr b="1">
+                <a:solidFill>
+                  <a:schemeClr val="tx1"/>
+                </a:solidFill>
+                <a:latin typeface="Arial" panose="020B0604020202020204" pitchFamily="34" charset="0"/>
+              </a:defRPr>
+            </a:lvl9pPr>
+          </a:lstStyle>
+          <a:p>
+            <a:fld id="{3585D940-B447-4080-855A-903CAD9DE06A}" type="slidenum">
+              <a:rPr lang="en-US" altLang="en-US" b="0"/>
+              <a:pPr/>
+              <a:t>7</a:t>
+            </a:fld>
+            <a:endParaRPr lang="en-US" altLang="en-US" b="0"/>
+          </a:p>
+        </p:txBody>
+      </p:sp>
+    </p:spTree>
+    <p:extLst>
+      <p:ext uri="{BB962C8B-B14F-4D97-AF65-F5344CB8AC3E}">
+        <p14:creationId xmlns:p14="http://schemas.microsoft.com/office/powerpoint/2010/main" val="1927390379"/>
+      </p:ext>
+    </p:extLst>
+  </p:cSld>
+  <p:clrMapOvr>
+    <a:masterClrMapping/>
+  </p:clrMapOvr>
+</p:notes>
+</file>
+
+<file path=ppt/notesSlides/notesSlide5.xml><?xml version="1.0" encoding="utf-8"?>
 <p:notes xmlns:a="http://schemas.openxmlformats.org/drawingml/2006/main" xmlns:r="http://schemas.openxmlformats.org/officeDocument/2006/relationships" xmlns:p="http://schemas.openxmlformats.org/presentationml/2006/main">
   <p:cSld>
     <p:spTree>
@@ -1565,7 +2353,7 @@
                   <a:spcPct val="0"/>
                 </a:spcBef>
               </a:pPr>
-              <a:t>6</a:t>
+              <a:t>8</a:t>
             </a:fld>
             <a:endParaRPr lang="en-US" altLang="en-US"/>
           </a:p>
@@ -1579,7 +2367,7 @@
 </p:notes>
 </file>
 
-<file path=ppt/notesSlides/notesSlide4.xml><?xml version="1.0" encoding="utf-8"?>
+<file path=ppt/notesSlides/notesSlide6.xml><?xml version="1.0" encoding="utf-8"?>
 <p:notes xmlns:a="http://schemas.openxmlformats.org/drawingml/2006/main" xmlns:r="http://schemas.openxmlformats.org/officeDocument/2006/relationships" xmlns:p="http://schemas.openxmlformats.org/presentationml/2006/main">
   <p:cSld>
     <p:spTree>
@@ -1832,7 +2620,7 @@
                   <a:spcPct val="0"/>
                 </a:spcBef>
               </a:pPr>
-              <a:t>10</a:t>
+              <a:t>12</a:t>
             </a:fld>
             <a:endParaRPr lang="en-US" altLang="en-US">
               <a:ea typeface="MS PGothic" panose="020B0600070205080204" pitchFamily="34" charset="-128"/>
@@ -5120,7 +5908,7 @@
     <p:sldLayoutId id="2147483682" r:id="rId10"/>
     <p:sldLayoutId id="2147483683" r:id="rId11"/>
   </p:sldLayoutIdLst>
-  <p:hf hdr="0" ftr="0" dt="0"/>
+  <p:hf sldNum="0" hdr="0" ftr="0" dt="0"/>
   <p:txStyles>
     <p:titleStyle>
       <a:lvl1pPr algn="l" rtl="0" eaLnBrk="0" fontAlgn="base" hangingPunct="0">
@@ -5667,7 +6455,7 @@
         <p:spPr bwMode="auto">
           <a:xfrm>
             <a:off x="115888" y="3336925"/>
-            <a:ext cx="4837112" cy="1201738"/>
+            <a:ext cx="4837112" cy="923330"/>
           </a:xfrm>
           <a:prstGeom prst="rect">
             <a:avLst/>
@@ -5828,23 +6616,35 @@
               </a:spcBef>
             </a:pPr>
             <a:r>
-              <a:rPr lang="en-US" altLang="en-US" sz="1800" b="0">
+              <a:rPr lang="en-US" altLang="en-US" sz="1800" b="0" dirty="0">
                 <a:ea typeface="MS PGothic" panose="020B0600070205080204" pitchFamily="34" charset="-128"/>
               </a:rPr>
-              <a:t>Relationship [Script Tool</a:t>
-            </a:r>
-            <a:r>
-              <a:rPr lang="en-US" altLang="en-US" sz="1800" b="0">
+              <a:t>Relationship [Script </a:t>
+            </a:r>
+            <a:r>
+              <a:rPr lang="en-US" altLang="en-US" sz="1800" b="0" dirty="0" err="1">
+                <a:ea typeface="MS PGothic" panose="020B0600070205080204" pitchFamily="34" charset="-128"/>
+              </a:rPr>
+              <a:t>Tool</a:t>
+            </a:r>
+            <a:r>
+              <a:rPr lang="en-US" altLang="en-US" sz="1800" b="0" dirty="0" err="1">
                 <a:ea typeface="MS PGothic" panose="020B0600070205080204" pitchFamily="34" charset="-128"/>
                 <a:sym typeface="Wingdings" panose="05000000000000000000" pitchFamily="2" charset="2"/>
               </a:rPr>
               <a:t></a:t>
             </a:r>
             <a:r>
-              <a:rPr lang="en-US" altLang="en-US" sz="1800" b="0">
+              <a:rPr lang="en-US" altLang="en-US" sz="1800" b="0" dirty="0" err="1">
                 <a:ea typeface="MS PGothic" panose="020B0600070205080204" pitchFamily="34" charset="-128"/>
               </a:rPr>
-              <a:t>Python script]</a:t>
+              <a:t>Python</a:t>
+            </a:r>
+            <a:r>
+              <a:rPr lang="en-US" altLang="en-US" sz="1800" b="0" dirty="0">
+                <a:ea typeface="MS PGothic" panose="020B0600070205080204" pitchFamily="34" charset="-128"/>
+              </a:rPr>
+              <a:t> script]</a:t>
             </a:r>
           </a:p>
           <a:p>
@@ -5854,7 +6654,7 @@
               </a:spcBef>
             </a:pPr>
             <a:r>
-              <a:rPr lang="en-US" altLang="en-US" sz="1800" b="0">
+              <a:rPr lang="en-US" altLang="en-US" sz="1800" b="0" dirty="0">
                 <a:ea typeface="MS PGothic" panose="020B0600070205080204" pitchFamily="34" charset="-128"/>
               </a:rPr>
               <a:t>How to create script tools and buttons</a:t>
@@ -5867,23 +6667,10 @@
               </a:spcBef>
             </a:pPr>
             <a:r>
-              <a:rPr lang="en-US" altLang="en-US" sz="1800" b="0">
+              <a:rPr lang="en-US" altLang="en-US" sz="1800" b="0" dirty="0">
                 <a:ea typeface="MS PGothic" panose="020B0600070205080204" pitchFamily="34" charset="-128"/>
               </a:rPr>
               <a:t>Printing with script tools</a:t>
-            </a:r>
-          </a:p>
-          <a:p>
-            <a:pPr lvl="1">
-              <a:spcBef>
-                <a:spcPct val="0"/>
-              </a:spcBef>
-            </a:pPr>
-            <a:r>
-              <a:rPr lang="en-US" altLang="en-US" sz="1800" b="0">
-                <a:ea typeface="MS PGothic" panose="020B0600070205080204" pitchFamily="34" charset="-128"/>
-              </a:rPr>
-              <a:t>Relative paths strike again! </a:t>
             </a:r>
           </a:p>
         </p:txBody>
@@ -5955,6 +6742,418 @@
       </p:grpSpPr>
       <p:sp>
         <p:nvSpPr>
+          <p:cNvPr id="15362" name="Title 1">
+            <a:extLst>
+              <a:ext uri="{FF2B5EF4-FFF2-40B4-BE49-F238E27FC236}">
+                <a16:creationId xmlns:a16="http://schemas.microsoft.com/office/drawing/2014/main" id="{B856CBD5-607F-0EA4-1C5A-AEAD138C859A}"/>
+              </a:ext>
+            </a:extLst>
+          </p:cNvPr>
+          <p:cNvSpPr>
+            <a:spLocks noGrp="1"/>
+          </p:cNvSpPr>
+          <p:nvPr>
+            <p:ph type="title"/>
+          </p:nvPr>
+        </p:nvSpPr>
+        <p:spPr>
+          <a:xfrm>
+            <a:off x="155575" y="152400"/>
+            <a:ext cx="8001000" cy="457200"/>
+          </a:xfrm>
+        </p:spPr>
+        <p:txBody>
+          <a:bodyPr/>
+          <a:lstStyle/>
+          <a:p>
+            <a:r>
+              <a:rPr altLang="en-US" dirty="0">
+                <a:ea typeface="MS PGothic" panose="020B0600070205080204" pitchFamily="34" charset="-128"/>
+              </a:rPr>
+              <a:t>Activity - Break a script tool</a:t>
+            </a:r>
+          </a:p>
+        </p:txBody>
+      </p:sp>
+      <p:sp>
+        <p:nvSpPr>
+          <p:cNvPr id="15363" name="Content Placeholder 2">
+            <a:extLst>
+              <a:ext uri="{FF2B5EF4-FFF2-40B4-BE49-F238E27FC236}">
+                <a16:creationId xmlns:a16="http://schemas.microsoft.com/office/drawing/2014/main" id="{04881D7B-5C8A-6685-A9FC-D4692038C306}"/>
+              </a:ext>
+            </a:extLst>
+          </p:cNvPr>
+          <p:cNvSpPr>
+            <a:spLocks noGrp="1"/>
+          </p:cNvSpPr>
+          <p:nvPr>
+            <p:ph idx="1"/>
+          </p:nvPr>
+        </p:nvSpPr>
+        <p:spPr>
+          <a:xfrm>
+            <a:off x="152400" y="800100"/>
+            <a:ext cx="8686800" cy="5410200"/>
+          </a:xfrm>
+        </p:spPr>
+        <p:txBody>
+          <a:bodyPr/>
+          <a:lstStyle/>
+          <a:p>
+            <a:pPr>
+              <a:buFont typeface="Garamond" panose="02020404030301010803" pitchFamily="18" charset="0"/>
+              <a:buAutoNum type="arabicPeriod"/>
+            </a:pPr>
+            <a:r>
+              <a:rPr lang="en-US" altLang="en-US" sz="1100" dirty="0"/>
+              <a:t>Right click on the '</a:t>
+            </a:r>
+            <a:r>
+              <a:rPr lang="en-US" altLang="en-US" sz="1100" dirty="0" err="1"/>
+              <a:t>printTextFiles</a:t>
+            </a:r>
+            <a:r>
+              <a:rPr lang="en-US" altLang="en-US" sz="1100" dirty="0"/>
+              <a:t>' script tool, select 'Properties...', and then select the 'Source' tab. Note the Python script specified by the 'Script file' path on this tab ('C:\</a:t>
+            </a:r>
+            <a:r>
+              <a:rPr lang="en-US" altLang="en-US" sz="1100" dirty="0" err="1"/>
+              <a:t>gispy</a:t>
+            </a:r>
+            <a:r>
+              <a:rPr lang="en-US" altLang="en-US" sz="1100" dirty="0"/>
+              <a:t>\scratch\textLister.py'). Close the script tool properties by clicking 'OK'.</a:t>
+            </a:r>
+            <a:br>
+              <a:rPr lang="en-US" altLang="en-US" sz="1100" dirty="0"/>
+            </a:br>
+            <a:endParaRPr lang="en-US" altLang="en-US" sz="1100" dirty="0"/>
+          </a:p>
+          <a:p>
+            <a:pPr>
+              <a:buFont typeface="Garamond" panose="02020404030301010803" pitchFamily="18" charset="0"/>
+              <a:buAutoNum type="arabicPeriod"/>
+            </a:pPr>
+            <a:r>
+              <a:rPr lang="en-US" altLang="en-US" sz="1100" dirty="0"/>
+              <a:t>Browse to 'textLister.py' and open it. Add another message to 'textLister.py' and save the script:</a:t>
+            </a:r>
+            <a:br>
+              <a:rPr lang="en-US" altLang="en-US" sz="1100" dirty="0"/>
+            </a:br>
+            <a:r>
+              <a:rPr lang="en-US" altLang="en-US" sz="1100" dirty="0" err="1"/>
+              <a:t>arcpy.AddMessage</a:t>
+            </a:r>
+            <a:r>
+              <a:rPr lang="en-US" altLang="en-US" sz="1100" dirty="0"/>
+              <a:t>('***I like kale***!') </a:t>
+            </a:r>
+            <a:br>
+              <a:rPr lang="en-US" altLang="en-US" sz="1100" dirty="0"/>
+            </a:br>
+            <a:endParaRPr lang="en-US" altLang="en-US" sz="1100" dirty="0"/>
+          </a:p>
+          <a:p>
+            <a:pPr>
+              <a:buFont typeface="Garamond" panose="02020404030301010803" pitchFamily="18" charset="0"/>
+              <a:buAutoNum type="arabicPeriod"/>
+            </a:pPr>
+            <a:r>
+              <a:rPr lang="en-US" altLang="en-US" sz="1100" dirty="0"/>
+              <a:t>Double click on the script tool to run it again. Do you see a change?</a:t>
+            </a:r>
+            <a:br>
+              <a:rPr lang="en-US" altLang="en-US" sz="1100" dirty="0"/>
+            </a:br>
+            <a:endParaRPr lang="en-US" altLang="en-US" sz="1100" dirty="0"/>
+          </a:p>
+          <a:p>
+            <a:pPr>
+              <a:buFont typeface="Garamond" panose="02020404030301010803" pitchFamily="18" charset="0"/>
+              <a:buAutoNum type="arabicPeriod"/>
+            </a:pPr>
+            <a:r>
+              <a:rPr lang="en-US" altLang="en-US" sz="1100" dirty="0"/>
+              <a:t>Rename 'textLister.py' to 'textLister2.py' and run the script tool again. What happens?</a:t>
+            </a:r>
+            <a:br>
+              <a:rPr lang="en-US" altLang="en-US" sz="1100" dirty="0"/>
+            </a:br>
+            <a:endParaRPr lang="en-US" altLang="en-US" sz="1100" dirty="0"/>
+          </a:p>
+          <a:p>
+            <a:pPr>
+              <a:buFont typeface="Garamond" panose="02020404030301010803" pitchFamily="18" charset="0"/>
+              <a:buAutoNum type="arabicPeriod"/>
+            </a:pPr>
+            <a:r>
+              <a:rPr lang="en-US" altLang="en-US" sz="1100" dirty="0"/>
+              <a:t>Rename the script back to its original name, 'textLister.py' and run the script tool again. Is it working? Why?</a:t>
+            </a:r>
+            <a:br>
+              <a:rPr lang="en-US" altLang="en-US" sz="1100" dirty="0"/>
+            </a:br>
+            <a:endParaRPr lang="en-US" altLang="en-US" sz="1100" dirty="0"/>
+          </a:p>
+          <a:p>
+            <a:pPr>
+              <a:buFont typeface="Garamond" panose="02020404030301010803" pitchFamily="18" charset="0"/>
+              <a:buAutoNum type="arabicPeriod"/>
+            </a:pPr>
+            <a:r>
+              <a:rPr lang="en-US" altLang="en-US" sz="1100" dirty="0"/>
+              <a:t>Now make a directory 'C:\</a:t>
+            </a:r>
+            <a:r>
+              <a:rPr lang="en-US" altLang="en-US" sz="1100" dirty="0" err="1"/>
+              <a:t>gispy</a:t>
+            </a:r>
+            <a:r>
+              <a:rPr lang="en-US" altLang="en-US" sz="1100" dirty="0"/>
+              <a:t>\scratch\</a:t>
+            </a:r>
+            <a:r>
+              <a:rPr lang="en-US" altLang="en-US" sz="1100" dirty="0" err="1"/>
+              <a:t>breakStuff</a:t>
+            </a:r>
+            <a:r>
+              <a:rPr lang="en-US" altLang="en-US" sz="1100" dirty="0"/>
+              <a:t>' and move 'textLister.py' down into it. Run the script tool again. What happens?</a:t>
+            </a:r>
+            <a:br>
+              <a:rPr lang="en-US" altLang="en-US" sz="1100" dirty="0"/>
+            </a:br>
+            <a:endParaRPr lang="en-US" altLang="en-US" sz="1100" dirty="0"/>
+          </a:p>
+          <a:p>
+            <a:pPr>
+              <a:buFont typeface="Garamond" panose="02020404030301010803" pitchFamily="18" charset="0"/>
+              <a:buAutoNum type="arabicPeriod"/>
+            </a:pPr>
+            <a:r>
+              <a:rPr lang="en-US" altLang="en-US" sz="1100" dirty="0"/>
+              <a:t>Copy the toolbox to your 'Documents' directory. Run the script tool again. Does it work? Why?</a:t>
+            </a:r>
+            <a:br>
+              <a:rPr lang="en-US" altLang="en-US" sz="1100" dirty="0"/>
+            </a:br>
+            <a:endParaRPr lang="en-US" altLang="en-US" sz="1100" dirty="0"/>
+          </a:p>
+          <a:p>
+            <a:pPr>
+              <a:buFont typeface="Garamond" panose="02020404030301010803" pitchFamily="18" charset="0"/>
+              <a:buAutoNum type="arabicPeriod"/>
+            </a:pPr>
+            <a:r>
+              <a:rPr lang="en-US" altLang="en-US" sz="1100" dirty="0"/>
+              <a:t>Move textLister.py to the 'Documents' directory. Run the script tool again. Does it work? Why?</a:t>
+            </a:r>
+          </a:p>
+        </p:txBody>
+      </p:sp>
+      <p:pic>
+        <p:nvPicPr>
+          <p:cNvPr id="5" name="Picture 4">
+            <a:extLst>
+              <a:ext uri="{FF2B5EF4-FFF2-40B4-BE49-F238E27FC236}">
+                <a16:creationId xmlns:a16="http://schemas.microsoft.com/office/drawing/2014/main" id="{4B21B73A-79F6-89FF-2CFC-C9894D9F84AD}"/>
+              </a:ext>
+            </a:extLst>
+          </p:cNvPr>
+          <p:cNvPicPr>
+            <a:picLocks noChangeAspect="1"/>
+          </p:cNvPicPr>
+          <p:nvPr/>
+        </p:nvPicPr>
+        <p:blipFill>
+          <a:blip r:embed="rId2"/>
+          <a:stretch>
+            <a:fillRect/>
+          </a:stretch>
+        </p:blipFill>
+        <p:spPr>
+          <a:xfrm>
+            <a:off x="762000" y="4701893"/>
+            <a:ext cx="7078063" cy="2019582"/>
+          </a:xfrm>
+          <a:prstGeom prst="rect">
+            <a:avLst/>
+          </a:prstGeom>
+        </p:spPr>
+      </p:pic>
+    </p:spTree>
+  </p:cSld>
+  <p:clrMapOvr>
+    <a:masterClrMapping/>
+  </p:clrMapOvr>
+</p:sld>
+</file>
+
+<file path=ppt/slides/slide11.xml><?xml version="1.0" encoding="utf-8"?>
+<p:sld xmlns:a="http://schemas.openxmlformats.org/drawingml/2006/main" xmlns:r="http://schemas.openxmlformats.org/officeDocument/2006/relationships" xmlns:p="http://schemas.openxmlformats.org/presentationml/2006/main">
+  <p:cSld>
+    <p:spTree>
+      <p:nvGrpSpPr>
+        <p:cNvPr id="1" name=""/>
+        <p:cNvGrpSpPr/>
+        <p:nvPr/>
+      </p:nvGrpSpPr>
+      <p:grpSpPr>
+        <a:xfrm>
+          <a:off x="0" y="0"/>
+          <a:ext cx="0" cy="0"/>
+          <a:chOff x="0" y="0"/>
+          <a:chExt cx="0" cy="0"/>
+        </a:xfrm>
+      </p:grpSpPr>
+      <p:sp>
+        <p:nvSpPr>
+          <p:cNvPr id="16386" name="Title 1">
+            <a:extLst>
+              <a:ext uri="{FF2B5EF4-FFF2-40B4-BE49-F238E27FC236}">
+                <a16:creationId xmlns:a16="http://schemas.microsoft.com/office/drawing/2014/main" id="{E4242BE9-EDDD-078D-36C9-5D9BCB3AED15}"/>
+              </a:ext>
+            </a:extLst>
+          </p:cNvPr>
+          <p:cNvSpPr>
+            <a:spLocks noGrp="1"/>
+          </p:cNvSpPr>
+          <p:nvPr>
+            <p:ph type="title"/>
+          </p:nvPr>
+        </p:nvSpPr>
+        <p:spPr>
+          <a:xfrm>
+            <a:off x="155575" y="152400"/>
+            <a:ext cx="8001000" cy="457200"/>
+          </a:xfrm>
+        </p:spPr>
+        <p:txBody>
+          <a:bodyPr/>
+          <a:lstStyle/>
+          <a:p>
+            <a:r>
+              <a:rPr altLang="en-US">
+                <a:ea typeface="MS PGothic" panose="020B0600070205080204" pitchFamily="34" charset="-128"/>
+              </a:rPr>
+              <a:t>Script tool concepts to remember</a:t>
+            </a:r>
+          </a:p>
+        </p:txBody>
+      </p:sp>
+      <p:sp>
+        <p:nvSpPr>
+          <p:cNvPr id="16387" name="Content Placeholder 2">
+            <a:extLst>
+              <a:ext uri="{FF2B5EF4-FFF2-40B4-BE49-F238E27FC236}">
+                <a16:creationId xmlns:a16="http://schemas.microsoft.com/office/drawing/2014/main" id="{A322465B-1C8D-34FA-D328-81D30A148C14}"/>
+              </a:ext>
+            </a:extLst>
+          </p:cNvPr>
+          <p:cNvSpPr>
+            <a:spLocks noGrp="1"/>
+          </p:cNvSpPr>
+          <p:nvPr>
+            <p:ph idx="1"/>
+          </p:nvPr>
+        </p:nvSpPr>
+        <p:spPr/>
+        <p:txBody>
+          <a:bodyPr/>
+          <a:lstStyle/>
+          <a:p>
+            <a:r>
+              <a:rPr lang="en-US" altLang="en-US" sz="2000" dirty="0"/>
+              <a:t>Script Tools do not appear in Windows File Explorer. They are part of a toolbox (</a:t>
+            </a:r>
+            <a:r>
+              <a:rPr lang="en-US" altLang="en-US" sz="2000" dirty="0" err="1"/>
+              <a:t>atbx</a:t>
+            </a:r>
+            <a:r>
+              <a:rPr lang="en-US" altLang="en-US" sz="2000" dirty="0"/>
+              <a:t>) file. </a:t>
+            </a:r>
+          </a:p>
+          <a:p>
+            <a:endParaRPr lang="en-US" altLang="en-US" sz="2000" dirty="0"/>
+          </a:p>
+          <a:p>
+            <a:r>
+              <a:rPr lang="en-US" altLang="en-US" sz="2000" dirty="0"/>
+              <a:t>Since a script tool points to a script, you can change the script and see the updates immediately when you run the tool. </a:t>
+            </a:r>
+          </a:p>
+          <a:p>
+            <a:endParaRPr lang="en-US" altLang="en-US" sz="2000" dirty="0"/>
+          </a:p>
+          <a:p>
+            <a:r>
+              <a:rPr lang="en-US" altLang="en-US" sz="2000" dirty="0"/>
+              <a:t>If you rename, move, or remove the underlying script, the script tool will be broken.</a:t>
+            </a:r>
+          </a:p>
+          <a:p>
+            <a:endParaRPr lang="en-US" altLang="en-US" sz="2000" dirty="0"/>
+          </a:p>
+          <a:p>
+            <a:r>
+              <a:rPr lang="en-US" altLang="en-US" sz="2000" dirty="0"/>
+              <a:t>For portability, copy the toolbox and the script maintaining the relative path.</a:t>
+            </a:r>
+          </a:p>
+          <a:p>
+            <a:endParaRPr lang="en-US" altLang="en-US" sz="2000" dirty="0"/>
+          </a:p>
+          <a:p>
+            <a:r>
+              <a:rPr lang="en-US" altLang="en-US" sz="2000" dirty="0"/>
+              <a:t>Script tools don't have a debugger, so it's important to test Python scripts thoroughly outside the script tool.</a:t>
+            </a:r>
+          </a:p>
+          <a:p>
+            <a:endParaRPr lang="en-US" altLang="en-US" sz="2000" dirty="0"/>
+          </a:p>
+          <a:p>
+            <a:r>
+              <a:rPr lang="en-US" altLang="en-US" sz="2000" dirty="0"/>
+              <a:t>A simple way to maintain relative paths is to set up the script tools and scripts in the same project directory and share that entire directory.</a:t>
+            </a:r>
+          </a:p>
+          <a:p>
+            <a:endParaRPr lang="en-US" altLang="en-US" sz="2000" dirty="0"/>
+          </a:p>
+        </p:txBody>
+      </p:sp>
+    </p:spTree>
+  </p:cSld>
+  <p:clrMapOvr>
+    <a:masterClrMapping/>
+  </p:clrMapOvr>
+</p:sld>
+</file>
+
+<file path=ppt/slides/slide12.xml><?xml version="1.0" encoding="utf-8"?>
+<p:sld xmlns:a="http://schemas.openxmlformats.org/drawingml/2006/main" xmlns:r="http://schemas.openxmlformats.org/officeDocument/2006/relationships" xmlns:p="http://schemas.openxmlformats.org/presentationml/2006/main">
+  <p:cSld>
+    <p:spTree>
+      <p:nvGrpSpPr>
+        <p:cNvPr id="1" name=""/>
+        <p:cNvGrpSpPr/>
+        <p:nvPr/>
+      </p:nvGrpSpPr>
+      <p:grpSpPr>
+        <a:xfrm>
+          <a:off x="0" y="0"/>
+          <a:ext cx="0" cy="0"/>
+          <a:chOff x="0" y="0"/>
+          <a:chExt cx="0" cy="0"/>
+        </a:xfrm>
+      </p:grpSpPr>
+      <p:sp>
+        <p:nvSpPr>
           <p:cNvPr id="17410" name="Title 1">
             <a:extLst>
               <a:ext uri="{FF2B5EF4-FFF2-40B4-BE49-F238E27FC236}">
@@ -6130,200 +7329,6 @@
           <a:p>
             <a:pPr marL="457200" lvl="1" indent="0"/>
             <a:endParaRPr lang="en-US" altLang="en-US" sz="2400" dirty="0">
-              <a:ea typeface="MS PGothic" panose="020B0600070205080204" pitchFamily="34" charset="-128"/>
-            </a:endParaRPr>
-          </a:p>
-        </p:txBody>
-      </p:sp>
-      <p:sp>
-        <p:nvSpPr>
-          <p:cNvPr id="17412" name="Slide Number Placeholder 3">
-            <a:extLst>
-              <a:ext uri="{FF2B5EF4-FFF2-40B4-BE49-F238E27FC236}">
-                <a16:creationId xmlns:a16="http://schemas.microsoft.com/office/drawing/2014/main" id="{77408CA8-E2AD-DB27-B974-6E926C16B9FC}"/>
-              </a:ext>
-            </a:extLst>
-          </p:cNvPr>
-          <p:cNvSpPr>
-            <a:spLocks noGrp="1"/>
-          </p:cNvSpPr>
-          <p:nvPr>
-            <p:ph type="sldNum" sz="quarter" idx="12"/>
-          </p:nvPr>
-        </p:nvSpPr>
-        <p:spPr>
-          <a:noFill/>
-          <a:extLst>
-            <a:ext uri="{909E8E84-426E-40DD-AFC4-6F175D3DCCD1}">
-              <a14:hiddenFill xmlns:a14="http://schemas.microsoft.com/office/drawing/2010/main">
-                <a:solidFill>
-                  <a:srgbClr val="FFFFFF"/>
-                </a:solidFill>
-              </a14:hiddenFill>
-            </a:ext>
-            <a:ext uri="{91240B29-F687-4F45-9708-019B960494DF}">
-              <a14:hiddenLine xmlns:a14="http://schemas.microsoft.com/office/drawing/2010/main" w="9525">
-                <a:solidFill>
-                  <a:srgbClr val="000000"/>
-                </a:solidFill>
-                <a:miter lim="800000"/>
-                <a:headEnd/>
-                <a:tailEnd/>
-              </a14:hiddenLine>
-            </a:ext>
-          </a:extLst>
-        </p:spPr>
-        <p:txBody>
-          <a:bodyPr/>
-          <a:lstStyle>
-            <a:lvl1pPr>
-              <a:spcBef>
-                <a:spcPct val="20000"/>
-              </a:spcBef>
-              <a:buChar char="•"/>
-              <a:defRPr sz="3200">
-                <a:solidFill>
-                  <a:schemeClr val="tx1"/>
-                </a:solidFill>
-                <a:latin typeface="Arial" panose="020B0604020202020204" pitchFamily="34" charset="0"/>
-              </a:defRPr>
-            </a:lvl1pPr>
-            <a:lvl2pPr marL="742950" indent="-285750">
-              <a:spcBef>
-                <a:spcPct val="20000"/>
-              </a:spcBef>
-              <a:defRPr sz="2800">
-                <a:solidFill>
-                  <a:schemeClr val="tx1"/>
-                </a:solidFill>
-                <a:latin typeface="Arial" panose="020B0604020202020204" pitchFamily="34" charset="0"/>
-              </a:defRPr>
-            </a:lvl2pPr>
-            <a:lvl3pPr marL="1143000" indent="-228600">
-              <a:spcBef>
-                <a:spcPct val="20000"/>
-              </a:spcBef>
-              <a:buChar char="•"/>
-              <a:defRPr sz="2400">
-                <a:solidFill>
-                  <a:schemeClr val="tx1"/>
-                </a:solidFill>
-                <a:latin typeface="Arial" panose="020B0604020202020204" pitchFamily="34" charset="0"/>
-              </a:defRPr>
-            </a:lvl3pPr>
-            <a:lvl4pPr marL="1600200" indent="-228600">
-              <a:spcBef>
-                <a:spcPct val="20000"/>
-              </a:spcBef>
-              <a:buChar char="–"/>
-              <a:defRPr sz="2000">
-                <a:solidFill>
-                  <a:schemeClr val="tx1"/>
-                </a:solidFill>
-                <a:latin typeface="Arial" panose="020B0604020202020204" pitchFamily="34" charset="0"/>
-              </a:defRPr>
-            </a:lvl4pPr>
-            <a:lvl5pPr marL="2057400" indent="-228600">
-              <a:spcBef>
-                <a:spcPct val="20000"/>
-              </a:spcBef>
-              <a:buChar char="»"/>
-              <a:defRPr sz="2000">
-                <a:solidFill>
-                  <a:schemeClr val="tx1"/>
-                </a:solidFill>
-                <a:latin typeface="Arial" panose="020B0604020202020204" pitchFamily="34" charset="0"/>
-              </a:defRPr>
-            </a:lvl5pPr>
-            <a:lvl6pPr marL="2514600" indent="-228600" eaLnBrk="0" fontAlgn="base" hangingPunct="0">
-              <a:spcBef>
-                <a:spcPct val="20000"/>
-              </a:spcBef>
-              <a:spcAft>
-                <a:spcPct val="0"/>
-              </a:spcAft>
-              <a:buChar char="»"/>
-              <a:defRPr sz="2000">
-                <a:solidFill>
-                  <a:schemeClr val="tx1"/>
-                </a:solidFill>
-                <a:latin typeface="Arial" panose="020B0604020202020204" pitchFamily="34" charset="0"/>
-              </a:defRPr>
-            </a:lvl6pPr>
-            <a:lvl7pPr marL="2971800" indent="-228600" eaLnBrk="0" fontAlgn="base" hangingPunct="0">
-              <a:spcBef>
-                <a:spcPct val="20000"/>
-              </a:spcBef>
-              <a:spcAft>
-                <a:spcPct val="0"/>
-              </a:spcAft>
-              <a:buChar char="»"/>
-              <a:defRPr sz="2000">
-                <a:solidFill>
-                  <a:schemeClr val="tx1"/>
-                </a:solidFill>
-                <a:latin typeface="Arial" panose="020B0604020202020204" pitchFamily="34" charset="0"/>
-              </a:defRPr>
-            </a:lvl7pPr>
-            <a:lvl8pPr marL="3429000" indent="-228600" eaLnBrk="0" fontAlgn="base" hangingPunct="0">
-              <a:spcBef>
-                <a:spcPct val="20000"/>
-              </a:spcBef>
-              <a:spcAft>
-                <a:spcPct val="0"/>
-              </a:spcAft>
-              <a:buChar char="»"/>
-              <a:defRPr sz="2000">
-                <a:solidFill>
-                  <a:schemeClr val="tx1"/>
-                </a:solidFill>
-                <a:latin typeface="Arial" panose="020B0604020202020204" pitchFamily="34" charset="0"/>
-              </a:defRPr>
-            </a:lvl8pPr>
-            <a:lvl9pPr marL="3886200" indent="-228600" eaLnBrk="0" fontAlgn="base" hangingPunct="0">
-              <a:spcBef>
-                <a:spcPct val="20000"/>
-              </a:spcBef>
-              <a:spcAft>
-                <a:spcPct val="0"/>
-              </a:spcAft>
-              <a:buChar char="»"/>
-              <a:defRPr sz="2000">
-                <a:solidFill>
-                  <a:schemeClr val="tx1"/>
-                </a:solidFill>
-                <a:latin typeface="Arial" panose="020B0604020202020204" pitchFamily="34" charset="0"/>
-              </a:defRPr>
-            </a:lvl9pPr>
-          </a:lstStyle>
-          <a:p>
-            <a:pPr>
-              <a:spcBef>
-                <a:spcPct val="0"/>
-              </a:spcBef>
-              <a:buFontTx/>
-              <a:buNone/>
-            </a:pPr>
-            <a:fld id="{3E450265-403F-4C8A-96E1-47696D621E58}" type="slidenum">
-              <a:rPr lang="en-US" altLang="en-US" sz="1400">
-                <a:solidFill>
-                  <a:srgbClr val="008000"/>
-                </a:solidFill>
-                <a:ea typeface="MS PGothic" panose="020B0600070205080204" pitchFamily="34" charset="-128"/>
-              </a:rPr>
-              <a:pPr>
-                <a:spcBef>
-                  <a:spcPct val="0"/>
-                </a:spcBef>
-                <a:buFontTx/>
-                <a:buNone/>
-              </a:pPr>
-              <a:t>10</a:t>
-            </a:fld>
-            <a:endParaRPr lang="en-US" altLang="en-US" sz="1400">
-              <a:solidFill>
-                <a:srgbClr val="008000"/>
-              </a:solidFill>
               <a:ea typeface="MS PGothic" panose="020B0600070205080204" pitchFamily="34" charset="-128"/>
             </a:endParaRPr>
           </a:p>
@@ -6567,179 +7572,6 @@
           </a:p>
           <a:p>
             <a:endParaRPr lang="en-US" altLang="en-US" sz="1600" dirty="0"/>
-          </a:p>
-        </p:txBody>
-      </p:sp>
-      <p:sp>
-        <p:nvSpPr>
-          <p:cNvPr id="7172" name="Slide Number Placeholder 3">
-            <a:extLst>
-              <a:ext uri="{FF2B5EF4-FFF2-40B4-BE49-F238E27FC236}">
-                <a16:creationId xmlns:a16="http://schemas.microsoft.com/office/drawing/2014/main" id="{263D48E4-3DCC-5689-5009-C2A271664E4D}"/>
-              </a:ext>
-            </a:extLst>
-          </p:cNvPr>
-          <p:cNvSpPr>
-            <a:spLocks noGrp="1"/>
-          </p:cNvSpPr>
-          <p:nvPr>
-            <p:ph type="sldNum" sz="quarter" idx="12"/>
-          </p:nvPr>
-        </p:nvSpPr>
-        <p:spPr>
-          <a:noFill/>
-        </p:spPr>
-        <p:txBody>
-          <a:bodyPr/>
-          <a:lstStyle>
-            <a:lvl1pPr>
-              <a:spcBef>
-                <a:spcPct val="20000"/>
-              </a:spcBef>
-              <a:buChar char="•"/>
-              <a:defRPr sz="3200">
-                <a:solidFill>
-                  <a:schemeClr val="tx1"/>
-                </a:solidFill>
-                <a:latin typeface="Arial" panose="020B0604020202020204" pitchFamily="34" charset="0"/>
-              </a:defRPr>
-            </a:lvl1pPr>
-            <a:lvl2pPr marL="742950" indent="-285750">
-              <a:spcBef>
-                <a:spcPct val="20000"/>
-              </a:spcBef>
-              <a:defRPr sz="2800">
-                <a:solidFill>
-                  <a:schemeClr val="tx1"/>
-                </a:solidFill>
-                <a:latin typeface="Arial" panose="020B0604020202020204" pitchFamily="34" charset="0"/>
-              </a:defRPr>
-            </a:lvl2pPr>
-            <a:lvl3pPr marL="1143000" indent="-228600">
-              <a:spcBef>
-                <a:spcPct val="20000"/>
-              </a:spcBef>
-              <a:buChar char="•"/>
-              <a:defRPr sz="2400">
-                <a:solidFill>
-                  <a:schemeClr val="tx1"/>
-                </a:solidFill>
-                <a:latin typeface="Arial" panose="020B0604020202020204" pitchFamily="34" charset="0"/>
-              </a:defRPr>
-            </a:lvl3pPr>
-            <a:lvl4pPr marL="1600200" indent="-228600">
-              <a:spcBef>
-                <a:spcPct val="20000"/>
-              </a:spcBef>
-              <a:buChar char="–"/>
-              <a:defRPr sz="2000">
-                <a:solidFill>
-                  <a:schemeClr val="tx1"/>
-                </a:solidFill>
-                <a:latin typeface="Arial" panose="020B0604020202020204" pitchFamily="34" charset="0"/>
-              </a:defRPr>
-            </a:lvl4pPr>
-            <a:lvl5pPr marL="2057400" indent="-228600">
-              <a:spcBef>
-                <a:spcPct val="20000"/>
-              </a:spcBef>
-              <a:buChar char="»"/>
-              <a:defRPr sz="2000">
-                <a:solidFill>
-                  <a:schemeClr val="tx1"/>
-                </a:solidFill>
-                <a:latin typeface="Arial" panose="020B0604020202020204" pitchFamily="34" charset="0"/>
-              </a:defRPr>
-            </a:lvl5pPr>
-            <a:lvl6pPr marL="2514600" indent="-228600" eaLnBrk="0" fontAlgn="base" hangingPunct="0">
-              <a:spcBef>
-                <a:spcPct val="20000"/>
-              </a:spcBef>
-              <a:spcAft>
-                <a:spcPct val="0"/>
-              </a:spcAft>
-              <a:buChar char="»"/>
-              <a:defRPr sz="2000">
-                <a:solidFill>
-                  <a:schemeClr val="tx1"/>
-                </a:solidFill>
-                <a:latin typeface="Arial" panose="020B0604020202020204" pitchFamily="34" charset="0"/>
-              </a:defRPr>
-            </a:lvl6pPr>
-            <a:lvl7pPr marL="2971800" indent="-228600" eaLnBrk="0" fontAlgn="base" hangingPunct="0">
-              <a:spcBef>
-                <a:spcPct val="20000"/>
-              </a:spcBef>
-              <a:spcAft>
-                <a:spcPct val="0"/>
-              </a:spcAft>
-              <a:buChar char="»"/>
-              <a:defRPr sz="2000">
-                <a:solidFill>
-                  <a:schemeClr val="tx1"/>
-                </a:solidFill>
-                <a:latin typeface="Arial" panose="020B0604020202020204" pitchFamily="34" charset="0"/>
-              </a:defRPr>
-            </a:lvl7pPr>
-            <a:lvl8pPr marL="3429000" indent="-228600" eaLnBrk="0" fontAlgn="base" hangingPunct="0">
-              <a:spcBef>
-                <a:spcPct val="20000"/>
-              </a:spcBef>
-              <a:spcAft>
-                <a:spcPct val="0"/>
-              </a:spcAft>
-              <a:buChar char="»"/>
-              <a:defRPr sz="2000">
-                <a:solidFill>
-                  <a:schemeClr val="tx1"/>
-                </a:solidFill>
-                <a:latin typeface="Arial" panose="020B0604020202020204" pitchFamily="34" charset="0"/>
-              </a:defRPr>
-            </a:lvl8pPr>
-            <a:lvl9pPr marL="3886200" indent="-228600" eaLnBrk="0" fontAlgn="base" hangingPunct="0">
-              <a:spcBef>
-                <a:spcPct val="20000"/>
-              </a:spcBef>
-              <a:spcAft>
-                <a:spcPct val="0"/>
-              </a:spcAft>
-              <a:buChar char="»"/>
-              <a:defRPr sz="2000">
-                <a:solidFill>
-                  <a:schemeClr val="tx1"/>
-                </a:solidFill>
-                <a:latin typeface="Arial" panose="020B0604020202020204" pitchFamily="34" charset="0"/>
-              </a:defRPr>
-            </a:lvl9pPr>
-          </a:lstStyle>
-          <a:p>
-            <a:pPr>
-              <a:spcBef>
-                <a:spcPct val="0"/>
-              </a:spcBef>
-              <a:buFontTx/>
-              <a:buNone/>
-            </a:pPr>
-            <a:fld id="{E36E1B18-F54D-457D-8A1F-CC304DFCB8C5}" type="slidenum">
-              <a:rPr lang="en-US" altLang="en-US" sz="1400">
-                <a:solidFill>
-                  <a:srgbClr val="008000"/>
-                </a:solidFill>
-              </a:rPr>
-              <a:pPr>
-                <a:spcBef>
-                  <a:spcPct val="0"/>
-                </a:spcBef>
-                <a:buFontTx/>
-                <a:buNone/>
-              </a:pPr>
-              <a:t>2</a:t>
-            </a:fld>
-            <a:endParaRPr lang="en-US" altLang="en-US" sz="1400">
-              <a:solidFill>
-                <a:srgbClr val="008000"/>
-              </a:solidFill>
-            </a:endParaRPr>
           </a:p>
         </p:txBody>
       </p:sp>
@@ -8200,188 +9032,6 @@
           </a:p>
         </p:txBody>
       </p:sp>
-      <p:sp>
-        <p:nvSpPr>
-          <p:cNvPr id="8196" name="Slide Number Placeholder 3">
-            <a:extLst>
-              <a:ext uri="{FF2B5EF4-FFF2-40B4-BE49-F238E27FC236}">
-                <a16:creationId xmlns:a16="http://schemas.microsoft.com/office/drawing/2014/main" id="{67476EBB-E927-78E3-132B-18658E137F34}"/>
-              </a:ext>
-            </a:extLst>
-          </p:cNvPr>
-          <p:cNvSpPr>
-            <a:spLocks noGrp="1"/>
-          </p:cNvSpPr>
-          <p:nvPr>
-            <p:ph type="sldNum" sz="quarter" idx="12"/>
-          </p:nvPr>
-        </p:nvSpPr>
-        <p:spPr>
-          <a:xfrm>
-            <a:off x="6457950" y="6356350"/>
-            <a:ext cx="2057400" cy="365125"/>
-          </a:xfrm>
-        </p:spPr>
-        <p:txBody>
-          <a:bodyPr>
-            <a:normAutofit/>
-          </a:bodyPr>
-          <a:lstStyle>
-            <a:lvl1pPr>
-              <a:spcBef>
-                <a:spcPct val="20000"/>
-              </a:spcBef>
-              <a:buChar char="•"/>
-              <a:defRPr sz="3200">
-                <a:solidFill>
-                  <a:schemeClr val="tx1"/>
-                </a:solidFill>
-                <a:latin typeface="Arial" panose="020B0604020202020204" pitchFamily="34" charset="0"/>
-              </a:defRPr>
-            </a:lvl1pPr>
-            <a:lvl2pPr marL="742950" indent="-285750">
-              <a:spcBef>
-                <a:spcPct val="20000"/>
-              </a:spcBef>
-              <a:defRPr sz="2800">
-                <a:solidFill>
-                  <a:schemeClr val="tx1"/>
-                </a:solidFill>
-                <a:latin typeface="Arial" panose="020B0604020202020204" pitchFamily="34" charset="0"/>
-              </a:defRPr>
-            </a:lvl2pPr>
-            <a:lvl3pPr marL="1143000" indent="-228600">
-              <a:spcBef>
-                <a:spcPct val="20000"/>
-              </a:spcBef>
-              <a:buChar char="•"/>
-              <a:defRPr sz="2400">
-                <a:solidFill>
-                  <a:schemeClr val="tx1"/>
-                </a:solidFill>
-                <a:latin typeface="Arial" panose="020B0604020202020204" pitchFamily="34" charset="0"/>
-              </a:defRPr>
-            </a:lvl3pPr>
-            <a:lvl4pPr marL="1600200" indent="-228600">
-              <a:spcBef>
-                <a:spcPct val="20000"/>
-              </a:spcBef>
-              <a:buChar char="–"/>
-              <a:defRPr sz="2000">
-                <a:solidFill>
-                  <a:schemeClr val="tx1"/>
-                </a:solidFill>
-                <a:latin typeface="Arial" panose="020B0604020202020204" pitchFamily="34" charset="0"/>
-              </a:defRPr>
-            </a:lvl4pPr>
-            <a:lvl5pPr marL="2057400" indent="-228600">
-              <a:spcBef>
-                <a:spcPct val="20000"/>
-              </a:spcBef>
-              <a:buChar char="»"/>
-              <a:defRPr sz="2000">
-                <a:solidFill>
-                  <a:schemeClr val="tx1"/>
-                </a:solidFill>
-                <a:latin typeface="Arial" panose="020B0604020202020204" pitchFamily="34" charset="0"/>
-              </a:defRPr>
-            </a:lvl5pPr>
-            <a:lvl6pPr marL="2514600" indent="-228600" eaLnBrk="0" fontAlgn="base" hangingPunct="0">
-              <a:spcBef>
-                <a:spcPct val="20000"/>
-              </a:spcBef>
-              <a:spcAft>
-                <a:spcPct val="0"/>
-              </a:spcAft>
-              <a:buChar char="»"/>
-              <a:defRPr sz="2000">
-                <a:solidFill>
-                  <a:schemeClr val="tx1"/>
-                </a:solidFill>
-                <a:latin typeface="Arial" panose="020B0604020202020204" pitchFamily="34" charset="0"/>
-              </a:defRPr>
-            </a:lvl6pPr>
-            <a:lvl7pPr marL="2971800" indent="-228600" eaLnBrk="0" fontAlgn="base" hangingPunct="0">
-              <a:spcBef>
-                <a:spcPct val="20000"/>
-              </a:spcBef>
-              <a:spcAft>
-                <a:spcPct val="0"/>
-              </a:spcAft>
-              <a:buChar char="»"/>
-              <a:defRPr sz="2000">
-                <a:solidFill>
-                  <a:schemeClr val="tx1"/>
-                </a:solidFill>
-                <a:latin typeface="Arial" panose="020B0604020202020204" pitchFamily="34" charset="0"/>
-              </a:defRPr>
-            </a:lvl7pPr>
-            <a:lvl8pPr marL="3429000" indent="-228600" eaLnBrk="0" fontAlgn="base" hangingPunct="0">
-              <a:spcBef>
-                <a:spcPct val="20000"/>
-              </a:spcBef>
-              <a:spcAft>
-                <a:spcPct val="0"/>
-              </a:spcAft>
-              <a:buChar char="»"/>
-              <a:defRPr sz="2000">
-                <a:solidFill>
-                  <a:schemeClr val="tx1"/>
-                </a:solidFill>
-                <a:latin typeface="Arial" panose="020B0604020202020204" pitchFamily="34" charset="0"/>
-              </a:defRPr>
-            </a:lvl8pPr>
-            <a:lvl9pPr marL="3886200" indent="-228600" eaLnBrk="0" fontAlgn="base" hangingPunct="0">
-              <a:spcBef>
-                <a:spcPct val="20000"/>
-              </a:spcBef>
-              <a:spcAft>
-                <a:spcPct val="0"/>
-              </a:spcAft>
-              <a:buChar char="»"/>
-              <a:defRPr sz="2000">
-                <a:solidFill>
-                  <a:schemeClr val="tx1"/>
-                </a:solidFill>
-                <a:latin typeface="Arial" panose="020B0604020202020204" pitchFamily="34" charset="0"/>
-              </a:defRPr>
-            </a:lvl9pPr>
-          </a:lstStyle>
-          <a:p>
-            <a:pPr>
-              <a:lnSpc>
-                <a:spcPct val="90000"/>
-              </a:lnSpc>
-              <a:spcBef>
-                <a:spcPct val="0"/>
-              </a:spcBef>
-              <a:spcAft>
-                <a:spcPts val="600"/>
-              </a:spcAft>
-              <a:buFontTx/>
-              <a:buNone/>
-            </a:pPr>
-            <a:fld id="{A75A6F8B-CB26-4A2A-A72C-5913B10648DB}" type="slidenum">
-              <a:rPr lang="en-US" altLang="en-US" sz="1800"/>
-              <a:pPr>
-                <a:lnSpc>
-                  <a:spcPct val="90000"/>
-                </a:lnSpc>
-                <a:spcBef>
-                  <a:spcPct val="0"/>
-                </a:spcBef>
-                <a:spcAft>
-                  <a:spcPts val="600"/>
-                </a:spcAft>
-                <a:buFontTx/>
-                <a:buNone/>
-              </a:pPr>
-              <a:t>3</a:t>
-            </a:fld>
-            <a:endParaRPr lang="en-US" altLang="en-US" sz="1800"/>
-          </a:p>
-        </p:txBody>
-      </p:sp>
       <p:pic>
         <p:nvPicPr>
           <p:cNvPr id="8" name="Picture 7">
@@ -8521,179 +9171,6 @@
           </a:p>
           <a:p>
             <a:endParaRPr lang="en-US" altLang="en-US" dirty="0"/>
-          </a:p>
-        </p:txBody>
-      </p:sp>
-      <p:sp>
-        <p:nvSpPr>
-          <p:cNvPr id="9220" name="Slide Number Placeholder 3">
-            <a:extLst>
-              <a:ext uri="{FF2B5EF4-FFF2-40B4-BE49-F238E27FC236}">
-                <a16:creationId xmlns:a16="http://schemas.microsoft.com/office/drawing/2014/main" id="{14127E5C-D938-CC45-CFE2-E4E0F92A28F1}"/>
-              </a:ext>
-            </a:extLst>
-          </p:cNvPr>
-          <p:cNvSpPr>
-            <a:spLocks noGrp="1"/>
-          </p:cNvSpPr>
-          <p:nvPr>
-            <p:ph type="sldNum" sz="quarter" idx="12"/>
-          </p:nvPr>
-        </p:nvSpPr>
-        <p:spPr>
-          <a:noFill/>
-        </p:spPr>
-        <p:txBody>
-          <a:bodyPr/>
-          <a:lstStyle>
-            <a:lvl1pPr>
-              <a:spcBef>
-                <a:spcPct val="20000"/>
-              </a:spcBef>
-              <a:buChar char="•"/>
-              <a:defRPr sz="3200">
-                <a:solidFill>
-                  <a:schemeClr val="tx1"/>
-                </a:solidFill>
-                <a:latin typeface="Arial" panose="020B0604020202020204" pitchFamily="34" charset="0"/>
-              </a:defRPr>
-            </a:lvl1pPr>
-            <a:lvl2pPr marL="742950" indent="-285750">
-              <a:spcBef>
-                <a:spcPct val="20000"/>
-              </a:spcBef>
-              <a:defRPr sz="2800">
-                <a:solidFill>
-                  <a:schemeClr val="tx1"/>
-                </a:solidFill>
-                <a:latin typeface="Arial" panose="020B0604020202020204" pitchFamily="34" charset="0"/>
-              </a:defRPr>
-            </a:lvl2pPr>
-            <a:lvl3pPr marL="1143000" indent="-228600">
-              <a:spcBef>
-                <a:spcPct val="20000"/>
-              </a:spcBef>
-              <a:buChar char="•"/>
-              <a:defRPr sz="2400">
-                <a:solidFill>
-                  <a:schemeClr val="tx1"/>
-                </a:solidFill>
-                <a:latin typeface="Arial" panose="020B0604020202020204" pitchFamily="34" charset="0"/>
-              </a:defRPr>
-            </a:lvl3pPr>
-            <a:lvl4pPr marL="1600200" indent="-228600">
-              <a:spcBef>
-                <a:spcPct val="20000"/>
-              </a:spcBef>
-              <a:buChar char="–"/>
-              <a:defRPr sz="2000">
-                <a:solidFill>
-                  <a:schemeClr val="tx1"/>
-                </a:solidFill>
-                <a:latin typeface="Arial" panose="020B0604020202020204" pitchFamily="34" charset="0"/>
-              </a:defRPr>
-            </a:lvl4pPr>
-            <a:lvl5pPr marL="2057400" indent="-228600">
-              <a:spcBef>
-                <a:spcPct val="20000"/>
-              </a:spcBef>
-              <a:buChar char="»"/>
-              <a:defRPr sz="2000">
-                <a:solidFill>
-                  <a:schemeClr val="tx1"/>
-                </a:solidFill>
-                <a:latin typeface="Arial" panose="020B0604020202020204" pitchFamily="34" charset="0"/>
-              </a:defRPr>
-            </a:lvl5pPr>
-            <a:lvl6pPr marL="2514600" indent="-228600" eaLnBrk="0" fontAlgn="base" hangingPunct="0">
-              <a:spcBef>
-                <a:spcPct val="20000"/>
-              </a:spcBef>
-              <a:spcAft>
-                <a:spcPct val="0"/>
-              </a:spcAft>
-              <a:buChar char="»"/>
-              <a:defRPr sz="2000">
-                <a:solidFill>
-                  <a:schemeClr val="tx1"/>
-                </a:solidFill>
-                <a:latin typeface="Arial" panose="020B0604020202020204" pitchFamily="34" charset="0"/>
-              </a:defRPr>
-            </a:lvl6pPr>
-            <a:lvl7pPr marL="2971800" indent="-228600" eaLnBrk="0" fontAlgn="base" hangingPunct="0">
-              <a:spcBef>
-                <a:spcPct val="20000"/>
-              </a:spcBef>
-              <a:spcAft>
-                <a:spcPct val="0"/>
-              </a:spcAft>
-              <a:buChar char="»"/>
-              <a:defRPr sz="2000">
-                <a:solidFill>
-                  <a:schemeClr val="tx1"/>
-                </a:solidFill>
-                <a:latin typeface="Arial" panose="020B0604020202020204" pitchFamily="34" charset="0"/>
-              </a:defRPr>
-            </a:lvl7pPr>
-            <a:lvl8pPr marL="3429000" indent="-228600" eaLnBrk="0" fontAlgn="base" hangingPunct="0">
-              <a:spcBef>
-                <a:spcPct val="20000"/>
-              </a:spcBef>
-              <a:spcAft>
-                <a:spcPct val="0"/>
-              </a:spcAft>
-              <a:buChar char="»"/>
-              <a:defRPr sz="2000">
-                <a:solidFill>
-                  <a:schemeClr val="tx1"/>
-                </a:solidFill>
-                <a:latin typeface="Arial" panose="020B0604020202020204" pitchFamily="34" charset="0"/>
-              </a:defRPr>
-            </a:lvl8pPr>
-            <a:lvl9pPr marL="3886200" indent="-228600" eaLnBrk="0" fontAlgn="base" hangingPunct="0">
-              <a:spcBef>
-                <a:spcPct val="20000"/>
-              </a:spcBef>
-              <a:spcAft>
-                <a:spcPct val="0"/>
-              </a:spcAft>
-              <a:buChar char="»"/>
-              <a:defRPr sz="2000">
-                <a:solidFill>
-                  <a:schemeClr val="tx1"/>
-                </a:solidFill>
-                <a:latin typeface="Arial" panose="020B0604020202020204" pitchFamily="34" charset="0"/>
-              </a:defRPr>
-            </a:lvl9pPr>
-          </a:lstStyle>
-          <a:p>
-            <a:pPr>
-              <a:spcBef>
-                <a:spcPct val="0"/>
-              </a:spcBef>
-              <a:buFontTx/>
-              <a:buNone/>
-            </a:pPr>
-            <a:fld id="{C41652BC-863F-4CA7-B561-18BFF2A79B77}" type="slidenum">
-              <a:rPr lang="en-US" altLang="en-US" sz="1400">
-                <a:solidFill>
-                  <a:srgbClr val="008000"/>
-                </a:solidFill>
-              </a:rPr>
-              <a:pPr>
-                <a:spcBef>
-                  <a:spcPct val="0"/>
-                </a:spcBef>
-                <a:buFontTx/>
-                <a:buNone/>
-              </a:pPr>
-              <a:t>4</a:t>
-            </a:fld>
-            <a:endParaRPr lang="en-US" altLang="en-US" sz="1400">
-              <a:solidFill>
-                <a:srgbClr val="008000"/>
-              </a:solidFill>
-            </a:endParaRPr>
           </a:p>
         </p:txBody>
       </p:sp>
@@ -8779,10 +9256,10 @@
           <a:lstStyle/>
           <a:p>
             <a:r>
-              <a:rPr altLang="en-US">
+              <a:rPr altLang="en-US" dirty="0">
                 <a:ea typeface="MS PGothic" panose="020B0600070205080204" pitchFamily="34" charset="-128"/>
               </a:rPr>
-              <a:t>Printing from a script tool.</a:t>
+              <a:t>Activity follow-up</a:t>
             </a:r>
           </a:p>
         </p:txBody>
@@ -8808,27 +9285,13 @@
           <a:bodyPr/>
           <a:lstStyle/>
           <a:p>
-            <a:pPr>
-              <a:defRPr/>
-            </a:pPr>
-            <a:r>
-              <a:rPr lang="en-US" sz="2000" dirty="0"/>
-              <a:t>Where did ‘and I like pie!’ come from?</a:t>
-            </a:r>
-          </a:p>
-          <a:p>
             <a:pPr marL="0" indent="0">
-              <a:buFontTx/>
               <a:buNone/>
               <a:defRPr/>
             </a:pPr>
             <a:r>
-              <a:rPr lang="en-US" sz="2000" dirty="0" err="1"/>
-              <a:t>arcpy.AddMessage</a:t>
-            </a:r>
-            <a:r>
               <a:rPr lang="en-US" sz="2000" dirty="0"/>
-              <a:t>('And I like pie!') </a:t>
+              <a:t>Where did ‘and I like pie!’ come from?</a:t>
             </a:r>
             <a:br>
               <a:rPr lang="en-US" sz="2000" dirty="0"/>
@@ -8858,60 +9321,6 @@
               <a:defRPr/>
             </a:pPr>
             <a:endParaRPr lang="en-US" sz="2000" dirty="0"/>
-          </a:p>
-          <a:p>
-            <a:pPr marL="0" indent="0">
-              <a:buFontTx/>
-              <a:buNone/>
-              <a:defRPr/>
-            </a:pPr>
-            <a:endParaRPr lang="en-US" sz="2000" dirty="0"/>
-          </a:p>
-          <a:p>
-            <a:pPr marL="0" indent="0">
-              <a:buFontTx/>
-              <a:buNone/>
-              <a:defRPr/>
-            </a:pPr>
-            <a:r>
-              <a:rPr lang="en-US" sz="2000" dirty="0"/>
-              <a:t>&gt;&gt;&gt; print ‘foo’ </a:t>
-            </a:r>
-            <a:r>
-              <a:rPr lang="en-US" sz="2000" i="1" dirty="0">
-                <a:solidFill>
-                  <a:srgbClr val="669900"/>
-                </a:solidFill>
-              </a:rPr>
-              <a:t># doesn't display in the Messages pane </a:t>
-            </a:r>
-          </a:p>
-          <a:p>
-            <a:pPr marL="0" indent="0">
-              <a:buFontTx/>
-              <a:buNone/>
-              <a:defRPr/>
-            </a:pPr>
-            <a:r>
-              <a:rPr lang="en-US" sz="2000" dirty="0"/>
-              <a:t>&gt;&gt;&gt; </a:t>
-            </a:r>
-            <a:r>
-              <a:rPr lang="en-US" sz="2000" dirty="0" err="1"/>
-              <a:t>arcpy.AddMessage</a:t>
-            </a:r>
-            <a:r>
-              <a:rPr lang="en-US" sz="2000" dirty="0"/>
-              <a:t>(‘foo’) </a:t>
-            </a:r>
-            <a:r>
-              <a:rPr lang="en-US" sz="2000" i="1" dirty="0">
-                <a:solidFill>
-                  <a:srgbClr val="669900"/>
-                </a:solidFill>
-              </a:rPr>
-              <a:t># doesn't print in the Interactive Window</a:t>
-            </a:r>
           </a:p>
           <a:p>
             <a:pPr marL="0" indent="0">
@@ -8937,241 +9346,24 @@
               </a:solidFill>
             </a:endParaRPr>
           </a:p>
+          <a:p>
+            <a:pPr marL="0" indent="0">
+              <a:buFontTx/>
+              <a:buNone/>
+              <a:defRPr/>
+            </a:pPr>
+            <a:r>
+              <a:rPr lang="en-US" sz="2000" dirty="0"/>
+              <a:t>Why don't the text files appear in the Messages panel?</a:t>
+            </a:r>
+            <a:endParaRPr lang="en-US" sz="2000" i="1" dirty="0">
+              <a:solidFill>
+                <a:srgbClr val="669900"/>
+              </a:solidFill>
+            </a:endParaRPr>
+          </a:p>
         </p:txBody>
       </p:sp>
-      <p:sp>
-        <p:nvSpPr>
-          <p:cNvPr id="10244" name="Slide Number Placeholder 3">
-            <a:extLst>
-              <a:ext uri="{FF2B5EF4-FFF2-40B4-BE49-F238E27FC236}">
-                <a16:creationId xmlns:a16="http://schemas.microsoft.com/office/drawing/2014/main" id="{C985F472-08BA-791B-166B-432DB84A88AE}"/>
-              </a:ext>
-            </a:extLst>
-          </p:cNvPr>
-          <p:cNvSpPr>
-            <a:spLocks noGrp="1"/>
-          </p:cNvSpPr>
-          <p:nvPr>
-            <p:ph type="sldNum" sz="quarter" idx="12"/>
-          </p:nvPr>
-        </p:nvSpPr>
-        <p:spPr>
-          <a:noFill/>
-        </p:spPr>
-        <p:txBody>
-          <a:bodyPr/>
-          <a:lstStyle>
-            <a:lvl1pPr>
-              <a:spcBef>
-                <a:spcPct val="20000"/>
-              </a:spcBef>
-              <a:buChar char="•"/>
-              <a:defRPr sz="3200">
-                <a:solidFill>
-                  <a:schemeClr val="tx1"/>
-                </a:solidFill>
-                <a:latin typeface="Arial" panose="020B0604020202020204" pitchFamily="34" charset="0"/>
-              </a:defRPr>
-            </a:lvl1pPr>
-            <a:lvl2pPr marL="742950" indent="-285750">
-              <a:spcBef>
-                <a:spcPct val="20000"/>
-              </a:spcBef>
-              <a:defRPr sz="2800">
-                <a:solidFill>
-                  <a:schemeClr val="tx1"/>
-                </a:solidFill>
-                <a:latin typeface="Arial" panose="020B0604020202020204" pitchFamily="34" charset="0"/>
-              </a:defRPr>
-            </a:lvl2pPr>
-            <a:lvl3pPr marL="1143000" indent="-228600">
-              <a:spcBef>
-                <a:spcPct val="20000"/>
-              </a:spcBef>
-              <a:buChar char="•"/>
-              <a:defRPr sz="2400">
-                <a:solidFill>
-                  <a:schemeClr val="tx1"/>
-                </a:solidFill>
-                <a:latin typeface="Arial" panose="020B0604020202020204" pitchFamily="34" charset="0"/>
-              </a:defRPr>
-            </a:lvl3pPr>
-            <a:lvl4pPr marL="1600200" indent="-228600">
-              <a:spcBef>
-                <a:spcPct val="20000"/>
-              </a:spcBef>
-              <a:buChar char="–"/>
-              <a:defRPr sz="2000">
-                <a:solidFill>
-                  <a:schemeClr val="tx1"/>
-                </a:solidFill>
-                <a:latin typeface="Arial" panose="020B0604020202020204" pitchFamily="34" charset="0"/>
-              </a:defRPr>
-            </a:lvl4pPr>
-            <a:lvl5pPr marL="2057400" indent="-228600">
-              <a:spcBef>
-                <a:spcPct val="20000"/>
-              </a:spcBef>
-              <a:buChar char="»"/>
-              <a:defRPr sz="2000">
-                <a:solidFill>
-                  <a:schemeClr val="tx1"/>
-                </a:solidFill>
-                <a:latin typeface="Arial" panose="020B0604020202020204" pitchFamily="34" charset="0"/>
-              </a:defRPr>
-            </a:lvl5pPr>
-            <a:lvl6pPr marL="2514600" indent="-228600" eaLnBrk="0" fontAlgn="base" hangingPunct="0">
-              <a:spcBef>
-                <a:spcPct val="20000"/>
-              </a:spcBef>
-              <a:spcAft>
-                <a:spcPct val="0"/>
-              </a:spcAft>
-              <a:buChar char="»"/>
-              <a:defRPr sz="2000">
-                <a:solidFill>
-                  <a:schemeClr val="tx1"/>
-                </a:solidFill>
-                <a:latin typeface="Arial" panose="020B0604020202020204" pitchFamily="34" charset="0"/>
-              </a:defRPr>
-            </a:lvl6pPr>
-            <a:lvl7pPr marL="2971800" indent="-228600" eaLnBrk="0" fontAlgn="base" hangingPunct="0">
-              <a:spcBef>
-                <a:spcPct val="20000"/>
-              </a:spcBef>
-              <a:spcAft>
-                <a:spcPct val="0"/>
-              </a:spcAft>
-              <a:buChar char="»"/>
-              <a:defRPr sz="2000">
-                <a:solidFill>
-                  <a:schemeClr val="tx1"/>
-                </a:solidFill>
-                <a:latin typeface="Arial" panose="020B0604020202020204" pitchFamily="34" charset="0"/>
-              </a:defRPr>
-            </a:lvl7pPr>
-            <a:lvl8pPr marL="3429000" indent="-228600" eaLnBrk="0" fontAlgn="base" hangingPunct="0">
-              <a:spcBef>
-                <a:spcPct val="20000"/>
-              </a:spcBef>
-              <a:spcAft>
-                <a:spcPct val="0"/>
-              </a:spcAft>
-              <a:buChar char="»"/>
-              <a:defRPr sz="2000">
-                <a:solidFill>
-                  <a:schemeClr val="tx1"/>
-                </a:solidFill>
-                <a:latin typeface="Arial" panose="020B0604020202020204" pitchFamily="34" charset="0"/>
-              </a:defRPr>
-            </a:lvl8pPr>
-            <a:lvl9pPr marL="3886200" indent="-228600" eaLnBrk="0" fontAlgn="base" hangingPunct="0">
-              <a:spcBef>
-                <a:spcPct val="20000"/>
-              </a:spcBef>
-              <a:spcAft>
-                <a:spcPct val="0"/>
-              </a:spcAft>
-              <a:buChar char="»"/>
-              <a:defRPr sz="2000">
-                <a:solidFill>
-                  <a:schemeClr val="tx1"/>
-                </a:solidFill>
-                <a:latin typeface="Arial" panose="020B0604020202020204" pitchFamily="34" charset="0"/>
-              </a:defRPr>
-            </a:lvl9pPr>
-          </a:lstStyle>
-          <a:p>
-            <a:pPr>
-              <a:spcBef>
-                <a:spcPct val="0"/>
-              </a:spcBef>
-              <a:buFontTx/>
-              <a:buNone/>
-            </a:pPr>
-            <a:fld id="{3E0D46BF-7D68-4325-8E0B-F542F516BF80}" type="slidenum">
-              <a:rPr lang="en-US" altLang="en-US" sz="1400">
-                <a:solidFill>
-                  <a:srgbClr val="008000"/>
-                </a:solidFill>
-              </a:rPr>
-              <a:pPr>
-                <a:spcBef>
-                  <a:spcPct val="0"/>
-                </a:spcBef>
-                <a:buFontTx/>
-                <a:buNone/>
-              </a:pPr>
-              <a:t>5</a:t>
-            </a:fld>
-            <a:endParaRPr lang="en-US" altLang="en-US" sz="1400">
-              <a:solidFill>
-                <a:srgbClr val="008000"/>
-              </a:solidFill>
-            </a:endParaRPr>
-          </a:p>
-        </p:txBody>
-      </p:sp>
-      <p:pic>
-        <p:nvPicPr>
-          <p:cNvPr id="10245" name="Picture 6">
-            <a:extLst>
-              <a:ext uri="{FF2B5EF4-FFF2-40B4-BE49-F238E27FC236}">
-                <a16:creationId xmlns:a16="http://schemas.microsoft.com/office/drawing/2014/main" id="{D388D6C8-744B-0B4B-B571-976C3C23512E}"/>
-              </a:ext>
-            </a:extLst>
-          </p:cNvPr>
-          <p:cNvPicPr>
-            <a:picLocks noChangeAspect="1"/>
-          </p:cNvPicPr>
-          <p:nvPr/>
-        </p:nvPicPr>
-        <p:blipFill>
-          <a:blip r:embed="rId3">
-            <a:extLst>
-              <a:ext uri="{28A0092B-C50C-407E-A947-70E740481C1C}">
-                <a14:useLocalDpi xmlns:a14="http://schemas.microsoft.com/office/drawing/2010/main" val="0"/>
-              </a:ext>
-            </a:extLst>
-          </a:blip>
-          <a:srcRect/>
-          <a:stretch>
-            <a:fillRect/>
-          </a:stretch>
-        </p:blipFill>
-        <p:spPr bwMode="auto">
-          <a:xfrm>
-            <a:off x="152400" y="4276725"/>
-            <a:ext cx="6115050" cy="2352675"/>
-          </a:xfrm>
-          <a:prstGeom prst="rect">
-            <a:avLst/>
-          </a:prstGeom>
-          <a:noFill/>
-          <a:ln>
-            <a:noFill/>
-          </a:ln>
-          <a:extLst>
-            <a:ext uri="{909E8E84-426E-40DD-AFC4-6F175D3DCCD1}">
-              <a14:hiddenFill xmlns:a14="http://schemas.microsoft.com/office/drawing/2010/main">
-                <a:solidFill>
-                  <a:srgbClr val="FFFFFF"/>
-                </a:solidFill>
-              </a14:hiddenFill>
-            </a:ext>
-            <a:ext uri="{91240B29-F687-4F45-9708-019B960494DF}">
-              <a14:hiddenLine xmlns:a14="http://schemas.microsoft.com/office/drawing/2010/main" w="9525">
-                <a:solidFill>
-                  <a:srgbClr val="000000"/>
-                </a:solidFill>
-                <a:miter lim="800000"/>
-                <a:headEnd/>
-                <a:tailEnd/>
-              </a14:hiddenLine>
-            </a:ext>
-          </a:extLst>
-        </p:spPr>
-      </p:pic>
       <p:pic>
         <p:nvPicPr>
           <p:cNvPr id="5" name="Picture 4">
@@ -9187,14 +9379,131 @@
           <p:nvPr/>
         </p:nvPicPr>
         <p:blipFill rotWithShape="1">
-          <a:blip r:embed="rId4"/>
+          <a:blip r:embed="rId3"/>
           <a:srcRect b="21228"/>
           <a:stretch/>
         </p:blipFill>
         <p:spPr>
           <a:xfrm>
-            <a:off x="4895850" y="533400"/>
-            <a:ext cx="4248150" cy="2266145"/>
+            <a:off x="4613759" y="780205"/>
+            <a:ext cx="4267200" cy="2276307"/>
+          </a:xfrm>
+          <a:prstGeom prst="rect">
+            <a:avLst/>
+          </a:prstGeom>
+        </p:spPr>
+      </p:pic>
+      <p:sp>
+        <p:nvSpPr>
+          <p:cNvPr id="7" name="Arc 6">
+            <a:extLst>
+              <a:ext uri="{FF2B5EF4-FFF2-40B4-BE49-F238E27FC236}">
+                <a16:creationId xmlns:a16="http://schemas.microsoft.com/office/drawing/2014/main" id="{C16B3E03-73DF-E07C-9E56-A53D64E69DE5}"/>
+              </a:ext>
+            </a:extLst>
+          </p:cNvPr>
+          <p:cNvSpPr/>
+          <p:nvPr/>
+        </p:nvSpPr>
+        <p:spPr bwMode="auto">
+          <a:xfrm rot="10555289">
+            <a:off x="2681895" y="213556"/>
+            <a:ext cx="3332172" cy="2422609"/>
+          </a:xfrm>
+          <a:prstGeom prst="arc">
+            <a:avLst/>
+          </a:prstGeom>
+          <a:noFill/>
+          <a:ln w="38100" cap="flat" cmpd="sng" algn="ctr">
+            <a:solidFill>
+              <a:srgbClr val="FF0066"/>
+            </a:solidFill>
+            <a:prstDash val="solid"/>
+            <a:round/>
+            <a:headEnd type="arrow" w="med" len="med"/>
+            <a:tailEnd type="none" w="med" len="med"/>
+          </a:ln>
+          <a:effectLst/>
+          <a:extLst>
+            <a:ext uri="{909E8E84-426E-40DD-AFC4-6F175D3DCCD1}">
+              <a14:hiddenFill xmlns:a14="http://schemas.microsoft.com/office/drawing/2010/main">
+                <a:solidFill>
+                  <a:schemeClr val="accent1"/>
+                </a:solidFill>
+              </a14:hiddenFill>
+            </a:ext>
+            <a:ext uri="{AF507438-7753-43E0-B8FC-AC1667EBCBE1}">
+              <a14:hiddenEffects xmlns:a14="http://schemas.microsoft.com/office/drawing/2010/main">
+                <a:effectLst>
+                  <a:outerShdw dist="35921" dir="2700000" algn="ctr" rotWithShape="0">
+                    <a:schemeClr val="bg2"/>
+                  </a:outerShdw>
+                </a:effectLst>
+              </a14:hiddenEffects>
+            </a:ext>
+          </a:extLst>
+        </p:spPr>
+        <p:txBody>
+          <a:bodyPr vert="horz" wrap="square" lIns="91440" tIns="45720" rIns="91440" bIns="45720" numCol="1" rtlCol="0" anchor="t" anchorCtr="0" compatLnSpc="1">
+            <a:prstTxWarp prst="textNoShape">
+              <a:avLst/>
+            </a:prstTxWarp>
+          </a:bodyPr>
+          <a:lstStyle/>
+          <a:p>
+            <a:pPr marL="0" marR="0" indent="0" algn="l" defTabSz="914400" rtl="0" eaLnBrk="1" fontAlgn="base" latinLnBrk="0" hangingPunct="1">
+              <a:lnSpc>
+                <a:spcPct val="100000"/>
+              </a:lnSpc>
+              <a:spcBef>
+                <a:spcPct val="0"/>
+              </a:spcBef>
+              <a:spcAft>
+                <a:spcPct val="0"/>
+              </a:spcAft>
+              <a:buClrTx/>
+              <a:buSzTx/>
+              <a:buFontTx/>
+              <a:buNone/>
+              <a:tabLst/>
+            </a:pPr>
+            <a:endParaRPr kumimoji="0" lang="en-US" sz="1800" b="1" i="0" u="none" strike="noStrike" cap="none" normalizeH="0" baseline="0">
+              <a:ln>
+                <a:noFill/>
+              </a:ln>
+              <a:solidFill>
+                <a:schemeClr val="tx1"/>
+              </a:solidFill>
+              <a:effectLst/>
+              <a:latin typeface="Arial" charset="0"/>
+            </a:endParaRPr>
+          </a:p>
+        </p:txBody>
+      </p:sp>
+      <p:pic>
+        <p:nvPicPr>
+          <p:cNvPr id="9" name="Picture 8">
+            <a:extLst>
+              <a:ext uri="{FF2B5EF4-FFF2-40B4-BE49-F238E27FC236}">
+                <a16:creationId xmlns:a16="http://schemas.microsoft.com/office/drawing/2014/main" id="{E3CAE6FF-C617-3D05-81FF-67376C8E038E}"/>
+              </a:ext>
+            </a:extLst>
+          </p:cNvPr>
+          <p:cNvPicPr>
+            <a:picLocks noChangeAspect="1"/>
+          </p:cNvPicPr>
+          <p:nvPr/>
+        </p:nvPicPr>
+        <p:blipFill>
+          <a:blip r:embed="rId4"/>
+          <a:stretch>
+            <a:fillRect/>
+          </a:stretch>
+        </p:blipFill>
+        <p:spPr>
+          <a:xfrm>
+            <a:off x="-1074" y="3823327"/>
+            <a:ext cx="7697274" cy="2848373"/>
           </a:xfrm>
           <a:prstGeom prst="rect">
             <a:avLst/>
@@ -9202,6 +9511,309 @@
         </p:spPr>
       </p:pic>
     </p:spTree>
+  </p:cSld>
+  <p:clrMapOvr>
+    <a:masterClrMapping/>
+  </p:clrMapOvr>
+</p:sld>
+</file>
+
+<file path=ppt/slides/slide6.xml><?xml version="1.0" encoding="utf-8"?>
+<p:sld xmlns:a="http://schemas.openxmlformats.org/drawingml/2006/main" xmlns:r="http://schemas.openxmlformats.org/officeDocument/2006/relationships" xmlns:p="http://schemas.openxmlformats.org/presentationml/2006/main">
+  <p:cSld>
+    <p:spTree>
+      <p:nvGrpSpPr>
+        <p:cNvPr id="1" name=""/>
+        <p:cNvGrpSpPr/>
+        <p:nvPr/>
+      </p:nvGrpSpPr>
+      <p:grpSpPr>
+        <a:xfrm>
+          <a:off x="0" y="0"/>
+          <a:ext cx="0" cy="0"/>
+          <a:chOff x="0" y="0"/>
+          <a:chExt cx="0" cy="0"/>
+        </a:xfrm>
+      </p:grpSpPr>
+      <p:sp>
+        <p:nvSpPr>
+          <p:cNvPr id="10242" name="Title 1">
+            <a:extLst>
+              <a:ext uri="{FF2B5EF4-FFF2-40B4-BE49-F238E27FC236}">
+                <a16:creationId xmlns:a16="http://schemas.microsoft.com/office/drawing/2014/main" id="{90A62E19-958C-8F92-6FA2-ED7C27A6327A}"/>
+              </a:ext>
+            </a:extLst>
+          </p:cNvPr>
+          <p:cNvSpPr>
+            <a:spLocks noGrp="1"/>
+          </p:cNvSpPr>
+          <p:nvPr>
+            <p:ph type="title"/>
+          </p:nvPr>
+        </p:nvSpPr>
+        <p:spPr>
+          <a:xfrm>
+            <a:off x="155575" y="152400"/>
+            <a:ext cx="8001000" cy="457200"/>
+          </a:xfrm>
+        </p:spPr>
+        <p:txBody>
+          <a:bodyPr/>
+          <a:lstStyle/>
+          <a:p>
+            <a:r>
+              <a:rPr lang="en-US" altLang="en-US" dirty="0">
+                <a:ea typeface="MS PGothic" panose="020B0600070205080204" pitchFamily="34" charset="-128"/>
+              </a:rPr>
+              <a:t>Printed output</a:t>
+            </a:r>
+            <a:endParaRPr altLang="en-US" dirty="0">
+              <a:ea typeface="MS PGothic" panose="020B0600070205080204" pitchFamily="34" charset="-128"/>
+            </a:endParaRPr>
+          </a:p>
+        </p:txBody>
+      </p:sp>
+      <p:sp>
+        <p:nvSpPr>
+          <p:cNvPr id="3" name="Content Placeholder 2">
+            <a:extLst>
+              <a:ext uri="{FF2B5EF4-FFF2-40B4-BE49-F238E27FC236}">
+                <a16:creationId xmlns:a16="http://schemas.microsoft.com/office/drawing/2014/main" id="{BCE47310-5E3B-2FE6-E41B-3CFC2B0106EF}"/>
+              </a:ext>
+            </a:extLst>
+          </p:cNvPr>
+          <p:cNvSpPr>
+            <a:spLocks noGrp="1"/>
+          </p:cNvSpPr>
+          <p:nvPr>
+            <p:ph idx="1"/>
+          </p:nvPr>
+        </p:nvSpPr>
+        <p:spPr>
+          <a:xfrm>
+            <a:off x="152400" y="914400"/>
+            <a:ext cx="8991600" cy="5410200"/>
+          </a:xfrm>
+        </p:spPr>
+        <p:txBody>
+          <a:bodyPr/>
+          <a:lstStyle/>
+          <a:p>
+            <a:pPr marL="0" indent="0">
+              <a:buNone/>
+              <a:defRPr/>
+            </a:pPr>
+            <a:endParaRPr lang="en-US" sz="2000" b="1" dirty="0"/>
+          </a:p>
+          <a:p>
+            <a:pPr marL="0" indent="0">
+              <a:buNone/>
+              <a:defRPr/>
+            </a:pPr>
+            <a:r>
+              <a:rPr lang="en-US" sz="2400" dirty="0"/>
+              <a:t>Message printed with Python's print function…</a:t>
+            </a:r>
+          </a:p>
+          <a:p>
+            <a:pPr marL="400050" lvl="1" indent="0">
+              <a:defRPr/>
+            </a:pPr>
+            <a:r>
+              <a:rPr lang="en-US" sz="1600" dirty="0"/>
+              <a:t>Print in IDE consoles.</a:t>
+            </a:r>
+          </a:p>
+          <a:p>
+            <a:pPr marL="400050" lvl="1" indent="0">
+              <a:defRPr/>
+            </a:pPr>
+            <a:r>
+              <a:rPr lang="en-US" sz="1600" dirty="0"/>
+              <a:t>Do not display in the </a:t>
+            </a:r>
+            <a:r>
+              <a:rPr lang="en-US" sz="1600" dirty="0" err="1"/>
+              <a:t>geosprocessing</a:t>
+            </a:r>
+            <a:r>
+              <a:rPr lang="en-US" sz="1600" dirty="0"/>
+              <a:t> Messages pane. </a:t>
+            </a:r>
+          </a:p>
+          <a:p>
+            <a:pPr marL="0" indent="0">
+              <a:buNone/>
+              <a:defRPr/>
+            </a:pPr>
+            <a:endParaRPr lang="en-US" sz="2000" b="1" dirty="0"/>
+          </a:p>
+          <a:p>
+            <a:pPr marL="0" indent="0">
+              <a:buNone/>
+              <a:defRPr/>
+            </a:pPr>
+            <a:r>
+              <a:rPr lang="en-US" sz="2000" b="1" dirty="0"/>
+              <a:t>print</a:t>
+            </a:r>
+            <a:r>
+              <a:rPr lang="en-US" sz="2000" dirty="0"/>
+              <a:t>("Hello") </a:t>
+            </a:r>
+            <a:r>
+              <a:rPr lang="en-US" sz="2000" i="1" dirty="0">
+                <a:solidFill>
+                  <a:srgbClr val="669900"/>
+                </a:solidFill>
+              </a:rPr>
+              <a:t># doesn't display in the Messages pane </a:t>
+            </a:r>
+          </a:p>
+          <a:p>
+            <a:pPr marL="0" indent="0">
+              <a:buNone/>
+              <a:defRPr/>
+            </a:pPr>
+            <a:endParaRPr lang="en-US" sz="2000" i="1" dirty="0">
+              <a:solidFill>
+                <a:srgbClr val="669900"/>
+              </a:solidFill>
+            </a:endParaRPr>
+          </a:p>
+          <a:p>
+            <a:pPr marL="0" indent="0">
+              <a:buNone/>
+              <a:defRPr/>
+            </a:pPr>
+            <a:endParaRPr lang="en-US" sz="2000" dirty="0"/>
+          </a:p>
+          <a:p>
+            <a:pPr marL="0" indent="0">
+              <a:buNone/>
+              <a:defRPr/>
+            </a:pPr>
+            <a:r>
+              <a:rPr lang="en-US" sz="2400" dirty="0"/>
+              <a:t>Message printed with the </a:t>
+            </a:r>
+            <a:r>
+              <a:rPr lang="en-US" sz="2400" dirty="0" err="1"/>
+              <a:t>arcpy.AddMessage</a:t>
+            </a:r>
+            <a:r>
+              <a:rPr lang="en-US" sz="2400" dirty="0"/>
+              <a:t> method </a:t>
+            </a:r>
+          </a:p>
+          <a:p>
+            <a:pPr marL="400050" lvl="1" indent="0">
+              <a:defRPr/>
+            </a:pPr>
+            <a:r>
+              <a:rPr lang="en-US" sz="1600" dirty="0"/>
+              <a:t>Print in the </a:t>
+            </a:r>
+            <a:r>
+              <a:rPr lang="en-US" sz="1600" dirty="0" err="1"/>
+              <a:t>geosprocessing</a:t>
+            </a:r>
+            <a:r>
+              <a:rPr lang="en-US" sz="1600" dirty="0"/>
+              <a:t> Messages pane</a:t>
+            </a:r>
+          </a:p>
+          <a:p>
+            <a:pPr marL="400050" lvl="1" indent="0">
+              <a:defRPr/>
+            </a:pPr>
+            <a:r>
+              <a:rPr lang="en-US" sz="1600" dirty="0"/>
+              <a:t>Do not display in IDE consoles.</a:t>
+            </a:r>
+          </a:p>
+          <a:p>
+            <a:pPr marL="0" indent="0">
+              <a:buNone/>
+              <a:defRPr/>
+            </a:pPr>
+            <a:endParaRPr lang="en-US" sz="2000" i="1" dirty="0">
+              <a:solidFill>
+                <a:srgbClr val="669900"/>
+              </a:solidFill>
+            </a:endParaRPr>
+          </a:p>
+          <a:p>
+            <a:pPr marL="0" indent="0">
+              <a:buFontTx/>
+              <a:buNone/>
+              <a:defRPr/>
+            </a:pPr>
+            <a:r>
+              <a:rPr lang="en-US" sz="2000" dirty="0" err="1"/>
+              <a:t>arcpy.AddMessage</a:t>
+            </a:r>
+            <a:r>
+              <a:rPr lang="en-US" sz="2000" dirty="0"/>
+              <a:t>("Hi") </a:t>
+            </a:r>
+            <a:r>
+              <a:rPr lang="en-US" sz="2000" i="1" dirty="0">
+                <a:solidFill>
+                  <a:srgbClr val="669900"/>
+                </a:solidFill>
+              </a:rPr>
+              <a:t># doesn't print in </a:t>
+            </a:r>
+            <a:r>
+              <a:rPr lang="en-US" sz="2000" i="1" dirty="0" err="1">
+                <a:solidFill>
+                  <a:srgbClr val="669900"/>
+                </a:solidFill>
+              </a:rPr>
+              <a:t>PythonWin</a:t>
+            </a:r>
+            <a:r>
+              <a:rPr lang="en-US" sz="2000" i="1" dirty="0">
+                <a:solidFill>
+                  <a:srgbClr val="669900"/>
+                </a:solidFill>
+              </a:rPr>
+              <a:t> Interactive Window</a:t>
+            </a:r>
+          </a:p>
+          <a:p>
+            <a:pPr marL="0" indent="0">
+              <a:buFontTx/>
+              <a:buNone/>
+              <a:defRPr/>
+            </a:pPr>
+            <a:endParaRPr lang="en-US" sz="2000" i="1" dirty="0">
+              <a:solidFill>
+                <a:srgbClr val="669900"/>
+              </a:solidFill>
+            </a:endParaRPr>
+          </a:p>
+          <a:p>
+            <a:pPr marL="0" indent="0">
+              <a:buFontTx/>
+              <a:buNone/>
+              <a:defRPr/>
+            </a:pPr>
+            <a:endParaRPr lang="en-US" sz="2000" i="1" dirty="0">
+              <a:solidFill>
+                <a:srgbClr val="669900"/>
+              </a:solidFill>
+            </a:endParaRPr>
+          </a:p>
+        </p:txBody>
+      </p:sp>
+    </p:spTree>
+    <p:extLst>
+      <p:ext uri="{BB962C8B-B14F-4D97-AF65-F5344CB8AC3E}">
+        <p14:creationId xmlns:p14="http://schemas.microsoft.com/office/powerpoint/2010/main" val="3295339933"/>
+      </p:ext>
+    </p:extLst>
   </p:cSld>
   <p:clrMapOvr>
     <a:masterClrMapping/>
@@ -9215,13 +9827,13 @@
               <p:cTn id="2" dur="indefinite" nodeType="mainSeq">
                 <p:childTnLst>
                   <p:par>
-                    <p:cTn id="3" fill="hold" nodeType="clickPar">
+                    <p:cTn id="3" fill="hold">
                       <p:stCondLst>
                         <p:cond delay="indefinite"/>
                       </p:stCondLst>
                       <p:childTnLst>
                         <p:par>
-                          <p:cTn id="4" fill="hold" nodeType="withGroup">
+                          <p:cTn id="4" fill="hold">
                             <p:stCondLst>
                               <p:cond delay="0"/>
                             </p:stCondLst>
@@ -9291,7 +9903,7 @@
                                         <p:tgtEl>
                                           <p:spTgt spid="3">
                                             <p:txEl>
-                                              <p:pRg st="6" end="6"/>
+                                              <p:pRg st="2" end="2"/>
                                             </p:txEl>
                                           </p:spTgt>
                                         </p:tgtEl>
@@ -9306,15 +9918,33 @@
                                   </p:childTnLst>
                                 </p:cTn>
                               </p:par>
+                            </p:childTnLst>
+                          </p:cTn>
+                        </p:par>
+                      </p:childTnLst>
+                    </p:cTn>
+                  </p:par>
+                  <p:par>
+                    <p:cTn id="11" fill="hold">
+                      <p:stCondLst>
+                        <p:cond delay="indefinite"/>
+                      </p:stCondLst>
+                      <p:childTnLst>
+                        <p:par>
+                          <p:cTn id="12" fill="hold">
+                            <p:stCondLst>
+                              <p:cond delay="0"/>
+                            </p:stCondLst>
+                            <p:childTnLst>
                               <p:par>
-                                <p:cTn id="11" presetID="1" presetClass="entr" presetSubtype="0" fill="hold" nodeType="withEffect">
+                                <p:cTn id="13" presetID="1" presetClass="entr" presetSubtype="0" fill="hold" nodeType="clickEffect">
                                   <p:stCondLst>
                                     <p:cond delay="0"/>
                                   </p:stCondLst>
                                   <p:childTnLst>
                                     <p:set>
                                       <p:cBhvr>
-                                        <p:cTn id="12" dur="1" fill="hold">
+                                        <p:cTn id="14" dur="1" fill="hold">
                                           <p:stCondLst>
                                             <p:cond delay="0"/>
                                           </p:stCondLst>
@@ -9322,7 +9952,7 @@
                                         <p:tgtEl>
                                           <p:spTgt spid="3">
                                             <p:txEl>
-                                              <p:pRg st="7" end="7"/>
+                                              <p:pRg st="3" end="3"/>
                                             </p:txEl>
                                           </p:spTgt>
                                         </p:tgtEl>
@@ -9337,21 +9967,239 @@
                                   </p:childTnLst>
                                 </p:cTn>
                               </p:par>
+                            </p:childTnLst>
+                          </p:cTn>
+                        </p:par>
+                      </p:childTnLst>
+                    </p:cTn>
+                  </p:par>
+                  <p:par>
+                    <p:cTn id="15" fill="hold">
+                      <p:stCondLst>
+                        <p:cond delay="indefinite"/>
+                      </p:stCondLst>
+                      <p:childTnLst>
+                        <p:par>
+                          <p:cTn id="16" fill="hold">
+                            <p:stCondLst>
+                              <p:cond delay="0"/>
+                            </p:stCondLst>
+                            <p:childTnLst>
                               <p:par>
-                                <p:cTn id="13" presetID="1" presetClass="entr" presetSubtype="0" fill="hold" nodeType="withEffect">
+                                <p:cTn id="17" presetID="1" presetClass="entr" presetSubtype="0" fill="hold" nodeType="clickEffect">
                                   <p:stCondLst>
                                     <p:cond delay="0"/>
                                   </p:stCondLst>
                                   <p:childTnLst>
                                     <p:set>
                                       <p:cBhvr>
-                                        <p:cTn id="14" dur="1" fill="hold">
+                                        <p:cTn id="18" dur="1" fill="hold">
                                           <p:stCondLst>
                                             <p:cond delay="0"/>
                                           </p:stCondLst>
                                         </p:cTn>
                                         <p:tgtEl>
-                                          <p:spTgt spid="10245"/>
+                                          <p:spTgt spid="3">
+                                            <p:txEl>
+                                              <p:pRg st="5" end="5"/>
+                                            </p:txEl>
+                                          </p:spTgt>
+                                        </p:tgtEl>
+                                        <p:attrNameLst>
+                                          <p:attrName>style.visibility</p:attrName>
+                                        </p:attrNameLst>
+                                      </p:cBhvr>
+                                      <p:to>
+                                        <p:strVal val="visible"/>
+                                      </p:to>
+                                    </p:set>
+                                  </p:childTnLst>
+                                </p:cTn>
+                              </p:par>
+                            </p:childTnLst>
+                          </p:cTn>
+                        </p:par>
+                      </p:childTnLst>
+                    </p:cTn>
+                  </p:par>
+                  <p:par>
+                    <p:cTn id="19" fill="hold">
+                      <p:stCondLst>
+                        <p:cond delay="indefinite"/>
+                      </p:stCondLst>
+                      <p:childTnLst>
+                        <p:par>
+                          <p:cTn id="20" fill="hold">
+                            <p:stCondLst>
+                              <p:cond delay="0"/>
+                            </p:stCondLst>
+                            <p:childTnLst>
+                              <p:par>
+                                <p:cTn id="21" presetID="1" presetClass="entr" presetSubtype="0" fill="hold" nodeType="clickEffect">
+                                  <p:stCondLst>
+                                    <p:cond delay="0"/>
+                                  </p:stCondLst>
+                                  <p:childTnLst>
+                                    <p:set>
+                                      <p:cBhvr>
+                                        <p:cTn id="22" dur="1" fill="hold">
+                                          <p:stCondLst>
+                                            <p:cond delay="0"/>
+                                          </p:stCondLst>
+                                        </p:cTn>
+                                        <p:tgtEl>
+                                          <p:spTgt spid="3">
+                                            <p:txEl>
+                                              <p:pRg st="8" end="8"/>
+                                            </p:txEl>
+                                          </p:spTgt>
+                                        </p:tgtEl>
+                                        <p:attrNameLst>
+                                          <p:attrName>style.visibility</p:attrName>
+                                        </p:attrNameLst>
+                                      </p:cBhvr>
+                                      <p:to>
+                                        <p:strVal val="visible"/>
+                                      </p:to>
+                                    </p:set>
+                                  </p:childTnLst>
+                                </p:cTn>
+                              </p:par>
+                            </p:childTnLst>
+                          </p:cTn>
+                        </p:par>
+                      </p:childTnLst>
+                    </p:cTn>
+                  </p:par>
+                  <p:par>
+                    <p:cTn id="23" fill="hold">
+                      <p:stCondLst>
+                        <p:cond delay="indefinite"/>
+                      </p:stCondLst>
+                      <p:childTnLst>
+                        <p:par>
+                          <p:cTn id="24" fill="hold">
+                            <p:stCondLst>
+                              <p:cond delay="0"/>
+                            </p:stCondLst>
+                            <p:childTnLst>
+                              <p:par>
+                                <p:cTn id="25" presetID="1" presetClass="entr" presetSubtype="0" fill="hold" nodeType="clickEffect">
+                                  <p:stCondLst>
+                                    <p:cond delay="0"/>
+                                  </p:stCondLst>
+                                  <p:childTnLst>
+                                    <p:set>
+                                      <p:cBhvr>
+                                        <p:cTn id="26" dur="1" fill="hold">
+                                          <p:stCondLst>
+                                            <p:cond delay="0"/>
+                                          </p:stCondLst>
+                                        </p:cTn>
+                                        <p:tgtEl>
+                                          <p:spTgt spid="3">
+                                            <p:txEl>
+                                              <p:pRg st="9" end="9"/>
+                                            </p:txEl>
+                                          </p:spTgt>
+                                        </p:tgtEl>
+                                        <p:attrNameLst>
+                                          <p:attrName>style.visibility</p:attrName>
+                                        </p:attrNameLst>
+                                      </p:cBhvr>
+                                      <p:to>
+                                        <p:strVal val="visible"/>
+                                      </p:to>
+                                    </p:set>
+                                  </p:childTnLst>
+                                </p:cTn>
+                              </p:par>
+                            </p:childTnLst>
+                          </p:cTn>
+                        </p:par>
+                      </p:childTnLst>
+                    </p:cTn>
+                  </p:par>
+                  <p:par>
+                    <p:cTn id="27" fill="hold">
+                      <p:stCondLst>
+                        <p:cond delay="indefinite"/>
+                      </p:stCondLst>
+                      <p:childTnLst>
+                        <p:par>
+                          <p:cTn id="28" fill="hold">
+                            <p:stCondLst>
+                              <p:cond delay="0"/>
+                            </p:stCondLst>
+                            <p:childTnLst>
+                              <p:par>
+                                <p:cTn id="29" presetID="1" presetClass="entr" presetSubtype="0" fill="hold" nodeType="clickEffect">
+                                  <p:stCondLst>
+                                    <p:cond delay="0"/>
+                                  </p:stCondLst>
+                                  <p:childTnLst>
+                                    <p:set>
+                                      <p:cBhvr>
+                                        <p:cTn id="30" dur="1" fill="hold">
+                                          <p:stCondLst>
+                                            <p:cond delay="0"/>
+                                          </p:stCondLst>
+                                        </p:cTn>
+                                        <p:tgtEl>
+                                          <p:spTgt spid="3">
+                                            <p:txEl>
+                                              <p:pRg st="10" end="10"/>
+                                            </p:txEl>
+                                          </p:spTgt>
+                                        </p:tgtEl>
+                                        <p:attrNameLst>
+                                          <p:attrName>style.visibility</p:attrName>
+                                        </p:attrNameLst>
+                                      </p:cBhvr>
+                                      <p:to>
+                                        <p:strVal val="visible"/>
+                                      </p:to>
+                                    </p:set>
+                                  </p:childTnLst>
+                                </p:cTn>
+                              </p:par>
+                            </p:childTnLst>
+                          </p:cTn>
+                        </p:par>
+                      </p:childTnLst>
+                    </p:cTn>
+                  </p:par>
+                  <p:par>
+                    <p:cTn id="31" fill="hold">
+                      <p:stCondLst>
+                        <p:cond delay="indefinite"/>
+                      </p:stCondLst>
+                      <p:childTnLst>
+                        <p:par>
+                          <p:cTn id="32" fill="hold">
+                            <p:stCondLst>
+                              <p:cond delay="0"/>
+                            </p:stCondLst>
+                            <p:childTnLst>
+                              <p:par>
+                                <p:cTn id="33" presetID="1" presetClass="entr" presetSubtype="0" fill="hold" nodeType="clickEffect">
+                                  <p:stCondLst>
+                                    <p:cond delay="0"/>
+                                  </p:stCondLst>
+                                  <p:childTnLst>
+                                    <p:set>
+                                      <p:cBhvr>
+                                        <p:cTn id="34" dur="1" fill="hold">
+                                          <p:stCondLst>
+                                            <p:cond delay="0"/>
+                                          </p:stCondLst>
+                                        </p:cTn>
+                                        <p:tgtEl>
+                                          <p:spTgt spid="3">
+                                            <p:txEl>
+                                              <p:pRg st="12" end="12"/>
+                                            </p:txEl>
+                                          </p:spTgt>
                                         </p:tgtEl>
                                         <p:attrNameLst>
                                           <p:attrName>style.visibility</p:attrName>
@@ -9398,7 +10246,929 @@
 </p:sld>
 </file>
 
-<file path=ppt/slides/slide6.xml><?xml version="1.0" encoding="utf-8"?>
+<file path=ppt/slides/slide7.xml><?xml version="1.0" encoding="utf-8"?>
+<p:sld xmlns:a="http://schemas.openxmlformats.org/drawingml/2006/main" xmlns:r="http://schemas.openxmlformats.org/officeDocument/2006/relationships" xmlns:p="http://schemas.openxmlformats.org/presentationml/2006/main">
+  <p:cSld>
+    <p:spTree>
+      <p:nvGrpSpPr>
+        <p:cNvPr id="1" name=""/>
+        <p:cNvGrpSpPr/>
+        <p:nvPr/>
+      </p:nvGrpSpPr>
+      <p:grpSpPr>
+        <a:xfrm>
+          <a:off x="0" y="0"/>
+          <a:ext cx="0" cy="0"/>
+          <a:chOff x="0" y="0"/>
+          <a:chExt cx="0" cy="0"/>
+        </a:xfrm>
+      </p:grpSpPr>
+      <p:sp>
+        <p:nvSpPr>
+          <p:cNvPr id="10242" name="Title 1">
+            <a:extLst>
+              <a:ext uri="{FF2B5EF4-FFF2-40B4-BE49-F238E27FC236}">
+                <a16:creationId xmlns:a16="http://schemas.microsoft.com/office/drawing/2014/main" id="{90A62E19-958C-8F92-6FA2-ED7C27A6327A}"/>
+              </a:ext>
+            </a:extLst>
+          </p:cNvPr>
+          <p:cNvSpPr>
+            <a:spLocks noGrp="1"/>
+          </p:cNvSpPr>
+          <p:nvPr>
+            <p:ph type="title"/>
+          </p:nvPr>
+        </p:nvSpPr>
+        <p:spPr>
+          <a:xfrm>
+            <a:off x="155575" y="152400"/>
+            <a:ext cx="8001000" cy="457200"/>
+          </a:xfrm>
+        </p:spPr>
+        <p:txBody>
+          <a:bodyPr/>
+          <a:lstStyle/>
+          <a:p>
+            <a:r>
+              <a:rPr altLang="en-US" dirty="0">
+                <a:ea typeface="MS PGothic" panose="020B0600070205080204" pitchFamily="34" charset="-128"/>
+              </a:rPr>
+              <a:t>Printing from a script tool.</a:t>
+            </a:r>
+          </a:p>
+        </p:txBody>
+      </p:sp>
+      <p:sp>
+        <p:nvSpPr>
+          <p:cNvPr id="3" name="Content Placeholder 2">
+            <a:extLst>
+              <a:ext uri="{FF2B5EF4-FFF2-40B4-BE49-F238E27FC236}">
+                <a16:creationId xmlns:a16="http://schemas.microsoft.com/office/drawing/2014/main" id="{BCE47310-5E3B-2FE6-E41B-3CFC2B0106EF}"/>
+              </a:ext>
+            </a:extLst>
+          </p:cNvPr>
+          <p:cNvSpPr>
+            <a:spLocks noGrp="1"/>
+          </p:cNvSpPr>
+          <p:nvPr>
+            <p:ph idx="1"/>
+          </p:nvPr>
+        </p:nvSpPr>
+        <p:spPr>
+          <a:xfrm>
+            <a:off x="76200" y="1637427"/>
+            <a:ext cx="533400" cy="4077573"/>
+          </a:xfrm>
+        </p:spPr>
+        <p:txBody>
+          <a:bodyPr/>
+          <a:lstStyle/>
+          <a:p>
+            <a:pPr marL="0" indent="0" algn="r">
+              <a:spcBef>
+                <a:spcPts val="0"/>
+              </a:spcBef>
+              <a:buFontTx/>
+              <a:buNone/>
+              <a:defRPr/>
+            </a:pPr>
+            <a:r>
+              <a:rPr lang="en-US" sz="2000" dirty="0">
+                <a:solidFill>
+                  <a:schemeClr val="bg1">
+                    <a:lumMod val="65000"/>
+                  </a:schemeClr>
+                </a:solidFill>
+                <a:latin typeface="Consolas" panose="020B0609020204030204" pitchFamily="49" charset="0"/>
+              </a:rPr>
+              <a:t>1</a:t>
+            </a:r>
+          </a:p>
+          <a:p>
+            <a:pPr marL="0" indent="0" algn="r">
+              <a:spcBef>
+                <a:spcPts val="0"/>
+              </a:spcBef>
+              <a:buFontTx/>
+              <a:buNone/>
+              <a:defRPr/>
+            </a:pPr>
+            <a:r>
+              <a:rPr lang="en-US" sz="2000" dirty="0">
+                <a:solidFill>
+                  <a:schemeClr val="bg1">
+                    <a:lumMod val="65000"/>
+                  </a:schemeClr>
+                </a:solidFill>
+                <a:latin typeface="Consolas" panose="020B0609020204030204" pitchFamily="49" charset="0"/>
+              </a:rPr>
+              <a:t>2</a:t>
+            </a:r>
+          </a:p>
+          <a:p>
+            <a:pPr marL="0" indent="0" algn="r">
+              <a:spcBef>
+                <a:spcPts val="0"/>
+              </a:spcBef>
+              <a:buFontTx/>
+              <a:buNone/>
+              <a:defRPr/>
+            </a:pPr>
+            <a:r>
+              <a:rPr lang="en-US" sz="2000" dirty="0">
+                <a:solidFill>
+                  <a:schemeClr val="bg1">
+                    <a:lumMod val="65000"/>
+                  </a:schemeClr>
+                </a:solidFill>
+                <a:latin typeface="Consolas" panose="020B0609020204030204" pitchFamily="49" charset="0"/>
+              </a:rPr>
+              <a:t>3</a:t>
+            </a:r>
+          </a:p>
+          <a:p>
+            <a:pPr marL="0" indent="0" algn="r">
+              <a:spcBef>
+                <a:spcPts val="0"/>
+              </a:spcBef>
+              <a:buFontTx/>
+              <a:buNone/>
+              <a:defRPr/>
+            </a:pPr>
+            <a:r>
+              <a:rPr lang="en-US" sz="2000" dirty="0">
+                <a:solidFill>
+                  <a:schemeClr val="bg1">
+                    <a:lumMod val="65000"/>
+                  </a:schemeClr>
+                </a:solidFill>
+                <a:latin typeface="Consolas" panose="020B0609020204030204" pitchFamily="49" charset="0"/>
+              </a:rPr>
+              <a:t>4</a:t>
+            </a:r>
+          </a:p>
+          <a:p>
+            <a:pPr marL="0" indent="0" algn="r">
+              <a:spcBef>
+                <a:spcPts val="0"/>
+              </a:spcBef>
+              <a:buFontTx/>
+              <a:buNone/>
+              <a:defRPr/>
+            </a:pPr>
+            <a:r>
+              <a:rPr lang="en-US" sz="2000" dirty="0">
+                <a:solidFill>
+                  <a:schemeClr val="bg1">
+                    <a:lumMod val="65000"/>
+                  </a:schemeClr>
+                </a:solidFill>
+                <a:latin typeface="Consolas" panose="020B0609020204030204" pitchFamily="49" charset="0"/>
+              </a:rPr>
+              <a:t>5</a:t>
+            </a:r>
+          </a:p>
+          <a:p>
+            <a:pPr marL="0" indent="0" algn="r">
+              <a:spcBef>
+                <a:spcPts val="0"/>
+              </a:spcBef>
+              <a:buFontTx/>
+              <a:buNone/>
+              <a:defRPr/>
+            </a:pPr>
+            <a:r>
+              <a:rPr lang="en-US" sz="2000" dirty="0">
+                <a:solidFill>
+                  <a:schemeClr val="bg1">
+                    <a:lumMod val="65000"/>
+                  </a:schemeClr>
+                </a:solidFill>
+                <a:latin typeface="Consolas" panose="020B0609020204030204" pitchFamily="49" charset="0"/>
+              </a:rPr>
+              <a:t>6</a:t>
+            </a:r>
+          </a:p>
+          <a:p>
+            <a:pPr marL="0" indent="0" algn="r">
+              <a:spcBef>
+                <a:spcPts val="0"/>
+              </a:spcBef>
+              <a:buFontTx/>
+              <a:buNone/>
+              <a:defRPr/>
+            </a:pPr>
+            <a:r>
+              <a:rPr lang="en-US" sz="2000" dirty="0">
+                <a:solidFill>
+                  <a:schemeClr val="bg1">
+                    <a:lumMod val="65000"/>
+                  </a:schemeClr>
+                </a:solidFill>
+                <a:latin typeface="Consolas" panose="020B0609020204030204" pitchFamily="49" charset="0"/>
+              </a:rPr>
+              <a:t>7</a:t>
+            </a:r>
+          </a:p>
+          <a:p>
+            <a:pPr marL="0" indent="0" algn="r">
+              <a:spcBef>
+                <a:spcPts val="0"/>
+              </a:spcBef>
+              <a:buFontTx/>
+              <a:buNone/>
+              <a:defRPr/>
+            </a:pPr>
+            <a:r>
+              <a:rPr lang="en-US" sz="2000" dirty="0">
+                <a:solidFill>
+                  <a:schemeClr val="bg1">
+                    <a:lumMod val="65000"/>
+                  </a:schemeClr>
+                </a:solidFill>
+                <a:latin typeface="Consolas" panose="020B0609020204030204" pitchFamily="49" charset="0"/>
+              </a:rPr>
+              <a:t>8</a:t>
+            </a:r>
+          </a:p>
+          <a:p>
+            <a:pPr marL="0" indent="0" algn="r">
+              <a:spcBef>
+                <a:spcPts val="0"/>
+              </a:spcBef>
+              <a:buFontTx/>
+              <a:buNone/>
+              <a:defRPr/>
+            </a:pPr>
+            <a:r>
+              <a:rPr lang="en-US" sz="2000" dirty="0">
+                <a:solidFill>
+                  <a:schemeClr val="bg1">
+                    <a:lumMod val="65000"/>
+                  </a:schemeClr>
+                </a:solidFill>
+                <a:latin typeface="Consolas" panose="020B0609020204030204" pitchFamily="49" charset="0"/>
+              </a:rPr>
+              <a:t>9</a:t>
+            </a:r>
+          </a:p>
+          <a:p>
+            <a:pPr marL="0" indent="0" algn="r">
+              <a:spcBef>
+                <a:spcPts val="0"/>
+              </a:spcBef>
+              <a:buFontTx/>
+              <a:buNone/>
+              <a:defRPr/>
+            </a:pPr>
+            <a:r>
+              <a:rPr lang="en-US" sz="2000" dirty="0">
+                <a:solidFill>
+                  <a:schemeClr val="bg1">
+                    <a:lumMod val="65000"/>
+                  </a:schemeClr>
+                </a:solidFill>
+                <a:latin typeface="Consolas" panose="020B0609020204030204" pitchFamily="49" charset="0"/>
+              </a:rPr>
+              <a:t>10</a:t>
+            </a:r>
+          </a:p>
+          <a:p>
+            <a:pPr marL="0" indent="0" algn="r">
+              <a:spcBef>
+                <a:spcPts val="0"/>
+              </a:spcBef>
+              <a:buFontTx/>
+              <a:buNone/>
+              <a:defRPr/>
+            </a:pPr>
+            <a:r>
+              <a:rPr lang="en-US" sz="2000" dirty="0">
+                <a:solidFill>
+                  <a:schemeClr val="bg1">
+                    <a:lumMod val="65000"/>
+                  </a:schemeClr>
+                </a:solidFill>
+                <a:latin typeface="Consolas" panose="020B0609020204030204" pitchFamily="49" charset="0"/>
+              </a:rPr>
+              <a:t>11</a:t>
+            </a:r>
+          </a:p>
+          <a:p>
+            <a:pPr marL="0" indent="0" algn="r">
+              <a:spcBef>
+                <a:spcPts val="0"/>
+              </a:spcBef>
+              <a:buFontTx/>
+              <a:buNone/>
+              <a:defRPr/>
+            </a:pPr>
+            <a:r>
+              <a:rPr lang="en-US" sz="2000" dirty="0">
+                <a:solidFill>
+                  <a:schemeClr val="bg1">
+                    <a:lumMod val="65000"/>
+                  </a:schemeClr>
+                </a:solidFill>
+                <a:latin typeface="Consolas" panose="020B0609020204030204" pitchFamily="49" charset="0"/>
+              </a:rPr>
+              <a:t>12</a:t>
+            </a:r>
+          </a:p>
+        </p:txBody>
+      </p:sp>
+      <p:sp>
+        <p:nvSpPr>
+          <p:cNvPr id="4" name="TextBox 3">
+            <a:extLst>
+              <a:ext uri="{FF2B5EF4-FFF2-40B4-BE49-F238E27FC236}">
+                <a16:creationId xmlns:a16="http://schemas.microsoft.com/office/drawing/2014/main" id="{647069BB-1CA3-4926-6524-DBAAD44B78B7}"/>
+              </a:ext>
+            </a:extLst>
+          </p:cNvPr>
+          <p:cNvSpPr txBox="1"/>
+          <p:nvPr/>
+        </p:nvSpPr>
+        <p:spPr>
+          <a:xfrm>
+            <a:off x="609600" y="1624548"/>
+            <a:ext cx="8378825" cy="3785652"/>
+          </a:xfrm>
+          <a:prstGeom prst="rect">
+            <a:avLst/>
+          </a:prstGeom>
+          <a:noFill/>
+          <a:ln>
+            <a:solidFill>
+              <a:schemeClr val="bg2">
+                <a:lumMod val="60000"/>
+                <a:lumOff val="40000"/>
+              </a:schemeClr>
+            </a:solidFill>
+          </a:ln>
+        </p:spPr>
+        <p:txBody>
+          <a:bodyPr wrap="square">
+            <a:spAutoFit/>
+          </a:bodyPr>
+          <a:lstStyle/>
+          <a:p>
+            <a:r>
+              <a:rPr lang="en-US" sz="2000" dirty="0">
+                <a:latin typeface="Consolas" panose="020B0609020204030204" pitchFamily="49" charset="0"/>
+              </a:rPr>
+              <a:t>import</a:t>
+            </a:r>
+            <a:r>
+              <a:rPr lang="en-US" sz="2000" b="0" dirty="0">
+                <a:latin typeface="Consolas" panose="020B0609020204030204" pitchFamily="49" charset="0"/>
+              </a:rPr>
+              <a:t> arcpy</a:t>
+            </a:r>
+          </a:p>
+          <a:p>
+            <a:endParaRPr lang="en-US" sz="2000" b="0" dirty="0">
+              <a:latin typeface="Consolas" panose="020B0609020204030204" pitchFamily="49" charset="0"/>
+            </a:endParaRPr>
+          </a:p>
+          <a:p>
+            <a:endParaRPr lang="en-US" sz="2000" b="0" dirty="0">
+              <a:latin typeface="Consolas" panose="020B0609020204030204" pitchFamily="49" charset="0"/>
+            </a:endParaRPr>
+          </a:p>
+          <a:p>
+            <a:r>
+              <a:rPr lang="en-US" sz="2000" dirty="0">
+                <a:latin typeface="Consolas" panose="020B0609020204030204" pitchFamily="49" charset="0"/>
+              </a:rPr>
+              <a:t>def</a:t>
+            </a:r>
+            <a:r>
+              <a:rPr lang="en-US" sz="2000" b="0" dirty="0">
+                <a:latin typeface="Consolas" panose="020B0609020204030204" pitchFamily="49" charset="0"/>
+              </a:rPr>
+              <a:t> </a:t>
+            </a:r>
+            <a:r>
+              <a:rPr lang="en-US" sz="2000" b="0" dirty="0" err="1">
+                <a:latin typeface="Consolas" panose="020B0609020204030204" pitchFamily="49" charset="0"/>
+              </a:rPr>
+              <a:t>printArc</a:t>
+            </a:r>
+            <a:r>
+              <a:rPr lang="en-US" sz="2000" b="0" dirty="0">
+                <a:latin typeface="Consolas" panose="020B0609020204030204" pitchFamily="49" charset="0"/>
+              </a:rPr>
+              <a:t>(message):</a:t>
+            </a:r>
+          </a:p>
+          <a:p>
+            <a:r>
+              <a:rPr lang="en-US" sz="2000" b="0" dirty="0">
+                <a:latin typeface="Consolas" panose="020B0609020204030204" pitchFamily="49" charset="0"/>
+              </a:rPr>
+              <a:t>    '''Print message for script tool &amp; standard output.'''</a:t>
+            </a:r>
+          </a:p>
+          <a:p>
+            <a:r>
+              <a:rPr lang="en-US" sz="2000" b="0" dirty="0">
+                <a:latin typeface="Consolas" panose="020B0609020204030204" pitchFamily="49" charset="0"/>
+              </a:rPr>
+              <a:t>    print(message)</a:t>
+            </a:r>
+          </a:p>
+          <a:p>
+            <a:r>
+              <a:rPr lang="en-US" sz="2000" b="0" dirty="0">
+                <a:latin typeface="Consolas" panose="020B0609020204030204" pitchFamily="49" charset="0"/>
+              </a:rPr>
+              <a:t>    </a:t>
+            </a:r>
+            <a:r>
+              <a:rPr lang="en-US" sz="2000" b="0" dirty="0" err="1">
+                <a:latin typeface="Consolas" panose="020B0609020204030204" pitchFamily="49" charset="0"/>
+              </a:rPr>
+              <a:t>arcpy.AddMessage</a:t>
+            </a:r>
+            <a:r>
+              <a:rPr lang="en-US" sz="2000" b="0" dirty="0">
+                <a:latin typeface="Consolas" panose="020B0609020204030204" pitchFamily="49" charset="0"/>
+              </a:rPr>
+              <a:t>(message)</a:t>
+            </a:r>
+          </a:p>
+          <a:p>
+            <a:endParaRPr lang="en-US" sz="2000" b="0" dirty="0">
+              <a:latin typeface="Consolas" panose="020B0609020204030204" pitchFamily="49" charset="0"/>
+            </a:endParaRPr>
+          </a:p>
+          <a:p>
+            <a:endParaRPr lang="en-US" sz="2000" b="0" dirty="0">
+              <a:latin typeface="Consolas" panose="020B0609020204030204" pitchFamily="49" charset="0"/>
+            </a:endParaRPr>
+          </a:p>
+          <a:p>
+            <a:r>
+              <a:rPr lang="en-US" sz="2000" b="0" dirty="0" err="1">
+                <a:latin typeface="Consolas" panose="020B0609020204030204" pitchFamily="49" charset="0"/>
+              </a:rPr>
+              <a:t>myMessage</a:t>
+            </a:r>
+            <a:r>
+              <a:rPr lang="en-US" sz="2000" b="0" dirty="0">
+                <a:latin typeface="Consolas" panose="020B0609020204030204" pitchFamily="49" charset="0"/>
+              </a:rPr>
+              <a:t> = "Hello, Script Tool"</a:t>
+            </a:r>
+          </a:p>
+          <a:p>
+            <a:endParaRPr lang="en-US" sz="2000" b="0" dirty="0">
+              <a:latin typeface="Consolas" panose="020B0609020204030204" pitchFamily="49" charset="0"/>
+            </a:endParaRPr>
+          </a:p>
+          <a:p>
+            <a:r>
+              <a:rPr lang="en-US" sz="2000" b="0" dirty="0" err="1">
+                <a:latin typeface="Consolas" panose="020B0609020204030204" pitchFamily="49" charset="0"/>
+              </a:rPr>
+              <a:t>printArc</a:t>
+            </a:r>
+            <a:r>
+              <a:rPr lang="en-US" sz="2000" b="0" dirty="0">
+                <a:latin typeface="Consolas" panose="020B0609020204030204" pitchFamily="49" charset="0"/>
+              </a:rPr>
+              <a:t>(</a:t>
+            </a:r>
+            <a:r>
+              <a:rPr lang="en-US" sz="2000" b="0" dirty="0" err="1">
+                <a:latin typeface="Consolas" panose="020B0609020204030204" pitchFamily="49" charset="0"/>
+              </a:rPr>
+              <a:t>myMessage</a:t>
+            </a:r>
+            <a:r>
+              <a:rPr lang="en-US" sz="2000" b="0" dirty="0">
+                <a:latin typeface="Consolas" panose="020B0609020204030204" pitchFamily="49" charset="0"/>
+              </a:rPr>
+              <a:t>)</a:t>
+            </a:r>
+          </a:p>
+        </p:txBody>
+      </p:sp>
+      <p:sp>
+        <p:nvSpPr>
+          <p:cNvPr id="2" name="Rectangle 1">
+            <a:extLst>
+              <a:ext uri="{FF2B5EF4-FFF2-40B4-BE49-F238E27FC236}">
+                <a16:creationId xmlns:a16="http://schemas.microsoft.com/office/drawing/2014/main" id="{D76B0B79-E30C-0E48-E704-F63AE51764E3}"/>
+              </a:ext>
+            </a:extLst>
+          </p:cNvPr>
+          <p:cNvSpPr/>
+          <p:nvPr/>
+        </p:nvSpPr>
+        <p:spPr bwMode="auto">
+          <a:xfrm>
+            <a:off x="661116" y="2514600"/>
+            <a:ext cx="8229600" cy="1447800"/>
+          </a:xfrm>
+          <a:prstGeom prst="rect">
+            <a:avLst/>
+          </a:prstGeom>
+          <a:noFill/>
+          <a:ln w="38100" cap="flat" cmpd="sng" algn="ctr">
+            <a:solidFill>
+              <a:srgbClr val="FF0066"/>
+            </a:solidFill>
+            <a:prstDash val="solid"/>
+            <a:round/>
+            <a:headEnd type="none" w="med" len="med"/>
+            <a:tailEnd type="none" w="med" len="med"/>
+          </a:ln>
+          <a:effectLst/>
+          <a:extLst>
+            <a:ext uri="{909E8E84-426E-40DD-AFC4-6F175D3DCCD1}">
+              <a14:hiddenFill xmlns:a14="http://schemas.microsoft.com/office/drawing/2010/main">
+                <a:solidFill>
+                  <a:schemeClr val="accent1"/>
+                </a:solidFill>
+              </a14:hiddenFill>
+            </a:ext>
+            <a:ext uri="{AF507438-7753-43E0-B8FC-AC1667EBCBE1}">
+              <a14:hiddenEffects xmlns:a14="http://schemas.microsoft.com/office/drawing/2010/main">
+                <a:effectLst>
+                  <a:outerShdw dist="35921" dir="2700000" algn="ctr" rotWithShape="0">
+                    <a:schemeClr val="bg2"/>
+                  </a:outerShdw>
+                </a:effectLst>
+              </a14:hiddenEffects>
+            </a:ext>
+          </a:extLst>
+        </p:spPr>
+        <p:txBody>
+          <a:bodyPr vert="horz" wrap="square" lIns="91440" tIns="45720" rIns="91440" bIns="45720" numCol="1" rtlCol="0" anchor="t" anchorCtr="0" compatLnSpc="1">
+            <a:prstTxWarp prst="textNoShape">
+              <a:avLst/>
+            </a:prstTxWarp>
+          </a:bodyPr>
+          <a:lstStyle/>
+          <a:p>
+            <a:pPr marL="0" marR="0" indent="0" algn="l" defTabSz="914400" rtl="0" eaLnBrk="1" fontAlgn="base" latinLnBrk="0" hangingPunct="1">
+              <a:lnSpc>
+                <a:spcPct val="100000"/>
+              </a:lnSpc>
+              <a:spcBef>
+                <a:spcPct val="0"/>
+              </a:spcBef>
+              <a:spcAft>
+                <a:spcPct val="0"/>
+              </a:spcAft>
+              <a:buClrTx/>
+              <a:buSzTx/>
+              <a:buFontTx/>
+              <a:buNone/>
+              <a:tabLst/>
+            </a:pPr>
+            <a:endParaRPr kumimoji="0" lang="en-US" sz="1800" b="1" i="0" u="none" strike="noStrike" cap="none" normalizeH="0" baseline="0">
+              <a:ln>
+                <a:noFill/>
+              </a:ln>
+              <a:solidFill>
+                <a:schemeClr val="tx1"/>
+              </a:solidFill>
+              <a:effectLst/>
+              <a:latin typeface="Arial" charset="0"/>
+            </a:endParaRPr>
+          </a:p>
+        </p:txBody>
+      </p:sp>
+      <p:sp>
+        <p:nvSpPr>
+          <p:cNvPr id="5" name="Arc 4">
+            <a:extLst>
+              <a:ext uri="{FF2B5EF4-FFF2-40B4-BE49-F238E27FC236}">
+                <a16:creationId xmlns:a16="http://schemas.microsoft.com/office/drawing/2014/main" id="{49E94E58-D029-CA12-1BE6-A79A6CCF88C0}"/>
+              </a:ext>
+            </a:extLst>
+          </p:cNvPr>
+          <p:cNvSpPr/>
+          <p:nvPr/>
+        </p:nvSpPr>
+        <p:spPr bwMode="auto">
+          <a:xfrm rot="5400000">
+            <a:off x="1923802" y="686969"/>
+            <a:ext cx="2924261" cy="6168705"/>
+          </a:xfrm>
+          <a:prstGeom prst="arc">
+            <a:avLst>
+              <a:gd name="adj1" fmla="val 16474450"/>
+              <a:gd name="adj2" fmla="val 0"/>
+            </a:avLst>
+          </a:prstGeom>
+          <a:noFill/>
+          <a:ln w="38100" cap="flat" cmpd="sng" algn="ctr">
+            <a:solidFill>
+              <a:srgbClr val="FF0066"/>
+            </a:solidFill>
+            <a:prstDash val="solid"/>
+            <a:round/>
+            <a:headEnd type="arrow" w="med" len="med"/>
+            <a:tailEnd type="none" w="med" len="med"/>
+          </a:ln>
+          <a:effectLst/>
+          <a:extLst>
+            <a:ext uri="{909E8E84-426E-40DD-AFC4-6F175D3DCCD1}">
+              <a14:hiddenFill xmlns:a14="http://schemas.microsoft.com/office/drawing/2010/main">
+                <a:solidFill>
+                  <a:schemeClr val="accent1"/>
+                </a:solidFill>
+              </a14:hiddenFill>
+            </a:ext>
+            <a:ext uri="{AF507438-7753-43E0-B8FC-AC1667EBCBE1}">
+              <a14:hiddenEffects xmlns:a14="http://schemas.microsoft.com/office/drawing/2010/main">
+                <a:effectLst>
+                  <a:outerShdw dist="35921" dir="2700000" algn="ctr" rotWithShape="0">
+                    <a:schemeClr val="bg2"/>
+                  </a:outerShdw>
+                </a:effectLst>
+              </a14:hiddenEffects>
+            </a:ext>
+          </a:extLst>
+        </p:spPr>
+        <p:txBody>
+          <a:bodyPr vert="horz" wrap="square" lIns="91440" tIns="45720" rIns="91440" bIns="45720" numCol="1" rtlCol="0" anchor="t" anchorCtr="0" compatLnSpc="1">
+            <a:prstTxWarp prst="textNoShape">
+              <a:avLst/>
+            </a:prstTxWarp>
+          </a:bodyPr>
+          <a:lstStyle/>
+          <a:p>
+            <a:pPr marL="0" marR="0" indent="0" algn="l" defTabSz="914400" rtl="0" eaLnBrk="1" fontAlgn="base" latinLnBrk="0" hangingPunct="1">
+              <a:lnSpc>
+                <a:spcPct val="100000"/>
+              </a:lnSpc>
+              <a:spcBef>
+                <a:spcPct val="0"/>
+              </a:spcBef>
+              <a:spcAft>
+                <a:spcPct val="0"/>
+              </a:spcAft>
+              <a:buClrTx/>
+              <a:buSzTx/>
+              <a:buFontTx/>
+              <a:buNone/>
+              <a:tabLst/>
+            </a:pPr>
+            <a:endParaRPr kumimoji="0" lang="en-US" sz="1800" b="1" i="0" u="none" strike="noStrike" cap="none" normalizeH="0" baseline="0">
+              <a:ln>
+                <a:noFill/>
+              </a:ln>
+              <a:solidFill>
+                <a:schemeClr val="tx1"/>
+              </a:solidFill>
+              <a:effectLst/>
+              <a:latin typeface="Arial" charset="0"/>
+            </a:endParaRPr>
+          </a:p>
+        </p:txBody>
+      </p:sp>
+    </p:spTree>
+    <p:extLst>
+      <p:ext uri="{BB962C8B-B14F-4D97-AF65-F5344CB8AC3E}">
+        <p14:creationId xmlns:p14="http://schemas.microsoft.com/office/powerpoint/2010/main" val="3743461386"/>
+      </p:ext>
+    </p:extLst>
+  </p:cSld>
+  <p:clrMapOvr>
+    <a:masterClrMapping/>
+  </p:clrMapOvr>
+  <p:timing>
+    <p:tnLst>
+      <p:par>
+        <p:cTn id="1" dur="indefinite" restart="never" nodeType="tmRoot">
+          <p:childTnLst>
+            <p:seq concurrent="1" nextAc="seek">
+              <p:cTn id="2" dur="indefinite" nodeType="mainSeq">
+                <p:childTnLst>
+                  <p:par>
+                    <p:cTn id="3" fill="hold">
+                      <p:stCondLst>
+                        <p:cond delay="indefinite"/>
+                      </p:stCondLst>
+                      <p:childTnLst>
+                        <p:par>
+                          <p:cTn id="4" fill="hold">
+                            <p:stCondLst>
+                              <p:cond delay="0"/>
+                            </p:stCondLst>
+                            <p:childTnLst>
+                              <p:par>
+                                <p:cTn id="5" presetID="1" presetClass="entr" presetSubtype="0" fill="hold" nodeType="clickEffect">
+                                  <p:stCondLst>
+                                    <p:cond delay="0"/>
+                                  </p:stCondLst>
+                                  <p:childTnLst>
+                                    <p:set>
+                                      <p:cBhvr>
+                                        <p:cTn id="6" dur="1" fill="hold">
+                                          <p:stCondLst>
+                                            <p:cond delay="0"/>
+                                          </p:stCondLst>
+                                        </p:cTn>
+                                        <p:tgtEl>
+                                          <p:spTgt spid="4">
+                                            <p:txEl>
+                                              <p:pRg st="9" end="9"/>
+                                            </p:txEl>
+                                          </p:spTgt>
+                                        </p:tgtEl>
+                                        <p:attrNameLst>
+                                          <p:attrName>style.visibility</p:attrName>
+                                        </p:attrNameLst>
+                                      </p:cBhvr>
+                                      <p:to>
+                                        <p:strVal val="visible"/>
+                                      </p:to>
+                                    </p:set>
+                                  </p:childTnLst>
+                                </p:cTn>
+                              </p:par>
+                            </p:childTnLst>
+                          </p:cTn>
+                        </p:par>
+                      </p:childTnLst>
+                    </p:cTn>
+                  </p:par>
+                  <p:par>
+                    <p:cTn id="7" fill="hold">
+                      <p:stCondLst>
+                        <p:cond delay="indefinite"/>
+                      </p:stCondLst>
+                      <p:childTnLst>
+                        <p:par>
+                          <p:cTn id="8" fill="hold">
+                            <p:stCondLst>
+                              <p:cond delay="0"/>
+                            </p:stCondLst>
+                            <p:childTnLst>
+                              <p:par>
+                                <p:cTn id="9" presetID="1" presetClass="entr" presetSubtype="0" fill="hold" nodeType="clickEffect">
+                                  <p:stCondLst>
+                                    <p:cond delay="0"/>
+                                  </p:stCondLst>
+                                  <p:childTnLst>
+                                    <p:set>
+                                      <p:cBhvr>
+                                        <p:cTn id="10" dur="1" fill="hold">
+                                          <p:stCondLst>
+                                            <p:cond delay="0"/>
+                                          </p:stCondLst>
+                                        </p:cTn>
+                                        <p:tgtEl>
+                                          <p:spTgt spid="4">
+                                            <p:txEl>
+                                              <p:pRg st="11" end="11"/>
+                                            </p:txEl>
+                                          </p:spTgt>
+                                        </p:tgtEl>
+                                        <p:attrNameLst>
+                                          <p:attrName>style.visibility</p:attrName>
+                                        </p:attrNameLst>
+                                      </p:cBhvr>
+                                      <p:to>
+                                        <p:strVal val="visible"/>
+                                      </p:to>
+                                    </p:set>
+                                  </p:childTnLst>
+                                </p:cTn>
+                              </p:par>
+                            </p:childTnLst>
+                          </p:cTn>
+                        </p:par>
+                      </p:childTnLst>
+                    </p:cTn>
+                  </p:par>
+                  <p:par>
+                    <p:cTn id="11" fill="hold">
+                      <p:stCondLst>
+                        <p:cond delay="indefinite"/>
+                      </p:stCondLst>
+                      <p:childTnLst>
+                        <p:par>
+                          <p:cTn id="12" fill="hold">
+                            <p:stCondLst>
+                              <p:cond delay="0"/>
+                            </p:stCondLst>
+                            <p:childTnLst>
+                              <p:par>
+                                <p:cTn id="13" presetID="1" presetClass="entr" presetSubtype="0" fill="hold" grpId="0" nodeType="clickEffect">
+                                  <p:stCondLst>
+                                    <p:cond delay="0"/>
+                                  </p:stCondLst>
+                                  <p:childTnLst>
+                                    <p:set>
+                                      <p:cBhvr>
+                                        <p:cTn id="14" dur="1" fill="hold">
+                                          <p:stCondLst>
+                                            <p:cond delay="0"/>
+                                          </p:stCondLst>
+                                        </p:cTn>
+                                        <p:tgtEl>
+                                          <p:spTgt spid="2"/>
+                                        </p:tgtEl>
+                                        <p:attrNameLst>
+                                          <p:attrName>style.visibility</p:attrName>
+                                        </p:attrNameLst>
+                                      </p:cBhvr>
+                                      <p:to>
+                                        <p:strVal val="visible"/>
+                                      </p:to>
+                                    </p:set>
+                                  </p:childTnLst>
+                                </p:cTn>
+                              </p:par>
+                            </p:childTnLst>
+                          </p:cTn>
+                        </p:par>
+                      </p:childTnLst>
+                    </p:cTn>
+                  </p:par>
+                  <p:par>
+                    <p:cTn id="15" fill="hold">
+                      <p:stCondLst>
+                        <p:cond delay="indefinite"/>
+                      </p:stCondLst>
+                      <p:childTnLst>
+                        <p:par>
+                          <p:cTn id="16" fill="hold">
+                            <p:stCondLst>
+                              <p:cond delay="0"/>
+                            </p:stCondLst>
+                            <p:childTnLst>
+                              <p:par>
+                                <p:cTn id="17" presetID="1" presetClass="entr" presetSubtype="0" fill="hold" grpId="0" nodeType="clickEffect">
+                                  <p:stCondLst>
+                                    <p:cond delay="0"/>
+                                  </p:stCondLst>
+                                  <p:childTnLst>
+                                    <p:set>
+                                      <p:cBhvr>
+                                        <p:cTn id="18" dur="1" fill="hold">
+                                          <p:stCondLst>
+                                            <p:cond delay="0"/>
+                                          </p:stCondLst>
+                                        </p:cTn>
+                                        <p:tgtEl>
+                                          <p:spTgt spid="5"/>
+                                        </p:tgtEl>
+                                        <p:attrNameLst>
+                                          <p:attrName>style.visibility</p:attrName>
+                                        </p:attrNameLst>
+                                      </p:cBhvr>
+                                      <p:to>
+                                        <p:strVal val="visible"/>
+                                      </p:to>
+                                    </p:set>
+                                  </p:childTnLst>
+                                </p:cTn>
+                              </p:par>
+                            </p:childTnLst>
+                          </p:cTn>
+                        </p:par>
+                      </p:childTnLst>
+                    </p:cTn>
+                  </p:par>
+                </p:childTnLst>
+              </p:cTn>
+              <p:prevCondLst>
+                <p:cond evt="onPrev" delay="0">
+                  <p:tgtEl>
+                    <p:sldTgt/>
+                  </p:tgtEl>
+                </p:cond>
+              </p:prevCondLst>
+              <p:nextCondLst>
+                <p:cond evt="onNext" delay="0">
+                  <p:tgtEl>
+                    <p:sldTgt/>
+                  </p:tgtEl>
+                </p:cond>
+              </p:nextCondLst>
+            </p:seq>
+          </p:childTnLst>
+        </p:cTn>
+      </p:par>
+    </p:tnLst>
+    <p:bldLst>
+      <p:bldP spid="3" grpId="0" build="p"/>
+      <p:bldP spid="2" grpId="0" animBg="1"/>
+      <p:bldP spid="5" grpId="0" animBg="1"/>
+    </p:bldLst>
+  </p:timing>
+</p:sld>
+</file>
+
+<file path=ppt/slides/slide8.xml><?xml version="1.0" encoding="utf-8"?>
 <p:sld xmlns:a="http://schemas.openxmlformats.org/drawingml/2006/main" xmlns:r="http://schemas.openxmlformats.org/officeDocument/2006/relationships" xmlns:p="http://schemas.openxmlformats.org/presentationml/2006/main" show="0">
   <p:cSld>
     <p:spTree>
@@ -9447,179 +11217,6 @@
               </a:rPr>
               <a:t>Adding script tool button to a project</a:t>
             </a:r>
-          </a:p>
-        </p:txBody>
-      </p:sp>
-      <p:sp>
-        <p:nvSpPr>
-          <p:cNvPr id="12291" name="Slide Number Placeholder 3">
-            <a:extLst>
-              <a:ext uri="{FF2B5EF4-FFF2-40B4-BE49-F238E27FC236}">
-                <a16:creationId xmlns:a16="http://schemas.microsoft.com/office/drawing/2014/main" id="{DEAEDE42-9DE4-77F5-C9B6-0E01BED31DDF}"/>
-              </a:ext>
-            </a:extLst>
-          </p:cNvPr>
-          <p:cNvSpPr>
-            <a:spLocks noGrp="1"/>
-          </p:cNvSpPr>
-          <p:nvPr>
-            <p:ph type="sldNum" sz="quarter" idx="12"/>
-          </p:nvPr>
-        </p:nvSpPr>
-        <p:spPr>
-          <a:noFill/>
-        </p:spPr>
-        <p:txBody>
-          <a:bodyPr/>
-          <a:lstStyle>
-            <a:lvl1pPr>
-              <a:spcBef>
-                <a:spcPct val="20000"/>
-              </a:spcBef>
-              <a:buChar char="•"/>
-              <a:defRPr sz="3200">
-                <a:solidFill>
-                  <a:schemeClr val="tx1"/>
-                </a:solidFill>
-                <a:latin typeface="Arial" panose="020B0604020202020204" pitchFamily="34" charset="0"/>
-              </a:defRPr>
-            </a:lvl1pPr>
-            <a:lvl2pPr marL="742950" indent="-285750">
-              <a:spcBef>
-                <a:spcPct val="20000"/>
-              </a:spcBef>
-              <a:defRPr sz="2800">
-                <a:solidFill>
-                  <a:schemeClr val="tx1"/>
-                </a:solidFill>
-                <a:latin typeface="Arial" panose="020B0604020202020204" pitchFamily="34" charset="0"/>
-              </a:defRPr>
-            </a:lvl2pPr>
-            <a:lvl3pPr marL="1143000" indent="-228600">
-              <a:spcBef>
-                <a:spcPct val="20000"/>
-              </a:spcBef>
-              <a:buChar char="•"/>
-              <a:defRPr sz="2400">
-                <a:solidFill>
-                  <a:schemeClr val="tx1"/>
-                </a:solidFill>
-                <a:latin typeface="Arial" panose="020B0604020202020204" pitchFamily="34" charset="0"/>
-              </a:defRPr>
-            </a:lvl3pPr>
-            <a:lvl4pPr marL="1600200" indent="-228600">
-              <a:spcBef>
-                <a:spcPct val="20000"/>
-              </a:spcBef>
-              <a:buChar char="–"/>
-              <a:defRPr sz="2000">
-                <a:solidFill>
-                  <a:schemeClr val="tx1"/>
-                </a:solidFill>
-                <a:latin typeface="Arial" panose="020B0604020202020204" pitchFamily="34" charset="0"/>
-              </a:defRPr>
-            </a:lvl4pPr>
-            <a:lvl5pPr marL="2057400" indent="-228600">
-              <a:spcBef>
-                <a:spcPct val="20000"/>
-              </a:spcBef>
-              <a:buChar char="»"/>
-              <a:defRPr sz="2000">
-                <a:solidFill>
-                  <a:schemeClr val="tx1"/>
-                </a:solidFill>
-                <a:latin typeface="Arial" panose="020B0604020202020204" pitchFamily="34" charset="0"/>
-              </a:defRPr>
-            </a:lvl5pPr>
-            <a:lvl6pPr marL="2514600" indent="-228600" eaLnBrk="0" fontAlgn="base" hangingPunct="0">
-              <a:spcBef>
-                <a:spcPct val="20000"/>
-              </a:spcBef>
-              <a:spcAft>
-                <a:spcPct val="0"/>
-              </a:spcAft>
-              <a:buChar char="»"/>
-              <a:defRPr sz="2000">
-                <a:solidFill>
-                  <a:schemeClr val="tx1"/>
-                </a:solidFill>
-                <a:latin typeface="Arial" panose="020B0604020202020204" pitchFamily="34" charset="0"/>
-              </a:defRPr>
-            </a:lvl6pPr>
-            <a:lvl7pPr marL="2971800" indent="-228600" eaLnBrk="0" fontAlgn="base" hangingPunct="0">
-              <a:spcBef>
-                <a:spcPct val="20000"/>
-              </a:spcBef>
-              <a:spcAft>
-                <a:spcPct val="0"/>
-              </a:spcAft>
-              <a:buChar char="»"/>
-              <a:defRPr sz="2000">
-                <a:solidFill>
-                  <a:schemeClr val="tx1"/>
-                </a:solidFill>
-                <a:latin typeface="Arial" panose="020B0604020202020204" pitchFamily="34" charset="0"/>
-              </a:defRPr>
-            </a:lvl7pPr>
-            <a:lvl8pPr marL="3429000" indent="-228600" eaLnBrk="0" fontAlgn="base" hangingPunct="0">
-              <a:spcBef>
-                <a:spcPct val="20000"/>
-              </a:spcBef>
-              <a:spcAft>
-                <a:spcPct val="0"/>
-              </a:spcAft>
-              <a:buChar char="»"/>
-              <a:defRPr sz="2000">
-                <a:solidFill>
-                  <a:schemeClr val="tx1"/>
-                </a:solidFill>
-                <a:latin typeface="Arial" panose="020B0604020202020204" pitchFamily="34" charset="0"/>
-              </a:defRPr>
-            </a:lvl8pPr>
-            <a:lvl9pPr marL="3886200" indent="-228600" eaLnBrk="0" fontAlgn="base" hangingPunct="0">
-              <a:spcBef>
-                <a:spcPct val="20000"/>
-              </a:spcBef>
-              <a:spcAft>
-                <a:spcPct val="0"/>
-              </a:spcAft>
-              <a:buChar char="»"/>
-              <a:defRPr sz="2000">
-                <a:solidFill>
-                  <a:schemeClr val="tx1"/>
-                </a:solidFill>
-                <a:latin typeface="Arial" panose="020B0604020202020204" pitchFamily="34" charset="0"/>
-              </a:defRPr>
-            </a:lvl9pPr>
-          </a:lstStyle>
-          <a:p>
-            <a:pPr>
-              <a:spcBef>
-                <a:spcPct val="0"/>
-              </a:spcBef>
-              <a:buFontTx/>
-              <a:buNone/>
-            </a:pPr>
-            <a:fld id="{B2FF6053-713D-4184-BB90-4852A4373FE7}" type="slidenum">
-              <a:rPr lang="en-US" altLang="en-US" sz="1400">
-                <a:solidFill>
-                  <a:srgbClr val="008000"/>
-                </a:solidFill>
-              </a:rPr>
-              <a:pPr>
-                <a:spcBef>
-                  <a:spcPct val="0"/>
-                </a:spcBef>
-                <a:buFontTx/>
-                <a:buNone/>
-              </a:pPr>
-              <a:t>6</a:t>
-            </a:fld>
-            <a:endParaRPr lang="en-US" altLang="en-US" sz="1400">
-              <a:solidFill>
-                <a:srgbClr val="008000"/>
-              </a:solidFill>
-            </a:endParaRPr>
           </a:p>
         </p:txBody>
       </p:sp>
@@ -10039,7 +11636,7 @@
 </p:sld>
 </file>
 
-<file path=ppt/slides/slide7.xml><?xml version="1.0" encoding="utf-8"?>
+<file path=ppt/slides/slide9.xml><?xml version="1.0" encoding="utf-8"?>
 <p:sld xmlns:a="http://schemas.openxmlformats.org/drawingml/2006/main" xmlns:r="http://schemas.openxmlformats.org/officeDocument/2006/relationships" xmlns:p="http://schemas.openxmlformats.org/presentationml/2006/main">
   <p:cSld>
     <p:spTree>
@@ -10197,937 +11794,6 @@
               <a:rPr lang="en-US" altLang="en-US" sz="2400" dirty="0"/>
               <a:t>Script tools are just a GUI interface for scripts.</a:t>
             </a:r>
-          </a:p>
-        </p:txBody>
-      </p:sp>
-      <p:sp>
-        <p:nvSpPr>
-          <p:cNvPr id="14340" name="Slide Number Placeholder 3">
-            <a:extLst>
-              <a:ext uri="{FF2B5EF4-FFF2-40B4-BE49-F238E27FC236}">
-                <a16:creationId xmlns:a16="http://schemas.microsoft.com/office/drawing/2014/main" id="{CDEEF24B-B82F-7060-4147-F8A084F18FAA}"/>
-              </a:ext>
-            </a:extLst>
-          </p:cNvPr>
-          <p:cNvSpPr>
-            <a:spLocks noGrp="1"/>
-          </p:cNvSpPr>
-          <p:nvPr>
-            <p:ph type="sldNum" sz="quarter" idx="12"/>
-          </p:nvPr>
-        </p:nvSpPr>
-        <p:spPr>
-          <a:noFill/>
-        </p:spPr>
-        <p:txBody>
-          <a:bodyPr/>
-          <a:lstStyle>
-            <a:lvl1pPr>
-              <a:spcBef>
-                <a:spcPct val="20000"/>
-              </a:spcBef>
-              <a:buChar char="•"/>
-              <a:defRPr sz="3200">
-                <a:solidFill>
-                  <a:schemeClr val="tx1"/>
-                </a:solidFill>
-                <a:latin typeface="Arial" panose="020B0604020202020204" pitchFamily="34" charset="0"/>
-              </a:defRPr>
-            </a:lvl1pPr>
-            <a:lvl2pPr marL="742950" indent="-285750">
-              <a:spcBef>
-                <a:spcPct val="20000"/>
-              </a:spcBef>
-              <a:defRPr sz="2800">
-                <a:solidFill>
-                  <a:schemeClr val="tx1"/>
-                </a:solidFill>
-                <a:latin typeface="Arial" panose="020B0604020202020204" pitchFamily="34" charset="0"/>
-              </a:defRPr>
-            </a:lvl2pPr>
-            <a:lvl3pPr marL="1143000" indent="-228600">
-              <a:spcBef>
-                <a:spcPct val="20000"/>
-              </a:spcBef>
-              <a:buChar char="•"/>
-              <a:defRPr sz="2400">
-                <a:solidFill>
-                  <a:schemeClr val="tx1"/>
-                </a:solidFill>
-                <a:latin typeface="Arial" panose="020B0604020202020204" pitchFamily="34" charset="0"/>
-              </a:defRPr>
-            </a:lvl3pPr>
-            <a:lvl4pPr marL="1600200" indent="-228600">
-              <a:spcBef>
-                <a:spcPct val="20000"/>
-              </a:spcBef>
-              <a:buChar char="–"/>
-              <a:defRPr sz="2000">
-                <a:solidFill>
-                  <a:schemeClr val="tx1"/>
-                </a:solidFill>
-                <a:latin typeface="Arial" panose="020B0604020202020204" pitchFamily="34" charset="0"/>
-              </a:defRPr>
-            </a:lvl4pPr>
-            <a:lvl5pPr marL="2057400" indent="-228600">
-              <a:spcBef>
-                <a:spcPct val="20000"/>
-              </a:spcBef>
-              <a:buChar char="»"/>
-              <a:defRPr sz="2000">
-                <a:solidFill>
-                  <a:schemeClr val="tx1"/>
-                </a:solidFill>
-                <a:latin typeface="Arial" panose="020B0604020202020204" pitchFamily="34" charset="0"/>
-              </a:defRPr>
-            </a:lvl5pPr>
-            <a:lvl6pPr marL="2514600" indent="-228600" eaLnBrk="0" fontAlgn="base" hangingPunct="0">
-              <a:spcBef>
-                <a:spcPct val="20000"/>
-              </a:spcBef>
-              <a:spcAft>
-                <a:spcPct val="0"/>
-              </a:spcAft>
-              <a:buChar char="»"/>
-              <a:defRPr sz="2000">
-                <a:solidFill>
-                  <a:schemeClr val="tx1"/>
-                </a:solidFill>
-                <a:latin typeface="Arial" panose="020B0604020202020204" pitchFamily="34" charset="0"/>
-              </a:defRPr>
-            </a:lvl6pPr>
-            <a:lvl7pPr marL="2971800" indent="-228600" eaLnBrk="0" fontAlgn="base" hangingPunct="0">
-              <a:spcBef>
-                <a:spcPct val="20000"/>
-              </a:spcBef>
-              <a:spcAft>
-                <a:spcPct val="0"/>
-              </a:spcAft>
-              <a:buChar char="»"/>
-              <a:defRPr sz="2000">
-                <a:solidFill>
-                  <a:schemeClr val="tx1"/>
-                </a:solidFill>
-                <a:latin typeface="Arial" panose="020B0604020202020204" pitchFamily="34" charset="0"/>
-              </a:defRPr>
-            </a:lvl7pPr>
-            <a:lvl8pPr marL="3429000" indent="-228600" eaLnBrk="0" fontAlgn="base" hangingPunct="0">
-              <a:spcBef>
-                <a:spcPct val="20000"/>
-              </a:spcBef>
-              <a:spcAft>
-                <a:spcPct val="0"/>
-              </a:spcAft>
-              <a:buChar char="»"/>
-              <a:defRPr sz="2000">
-                <a:solidFill>
-                  <a:schemeClr val="tx1"/>
-                </a:solidFill>
-                <a:latin typeface="Arial" panose="020B0604020202020204" pitchFamily="34" charset="0"/>
-              </a:defRPr>
-            </a:lvl8pPr>
-            <a:lvl9pPr marL="3886200" indent="-228600" eaLnBrk="0" fontAlgn="base" hangingPunct="0">
-              <a:spcBef>
-                <a:spcPct val="20000"/>
-              </a:spcBef>
-              <a:spcAft>
-                <a:spcPct val="0"/>
-              </a:spcAft>
-              <a:buChar char="»"/>
-              <a:defRPr sz="2000">
-                <a:solidFill>
-                  <a:schemeClr val="tx1"/>
-                </a:solidFill>
-                <a:latin typeface="Arial" panose="020B0604020202020204" pitchFamily="34" charset="0"/>
-              </a:defRPr>
-            </a:lvl9pPr>
-          </a:lstStyle>
-          <a:p>
-            <a:pPr>
-              <a:spcBef>
-                <a:spcPct val="0"/>
-              </a:spcBef>
-              <a:buFontTx/>
-              <a:buNone/>
-            </a:pPr>
-            <a:fld id="{20D911BC-1933-4F38-A608-78DA61DED5BF}" type="slidenum">
-              <a:rPr lang="en-US" altLang="en-US" sz="1400">
-                <a:solidFill>
-                  <a:srgbClr val="008000"/>
-                </a:solidFill>
-              </a:rPr>
-              <a:pPr>
-                <a:spcBef>
-                  <a:spcPct val="0"/>
-                </a:spcBef>
-                <a:buFontTx/>
-                <a:buNone/>
-              </a:pPr>
-              <a:t>7</a:t>
-            </a:fld>
-            <a:endParaRPr lang="en-US" altLang="en-US" sz="1400">
-              <a:solidFill>
-                <a:srgbClr val="008000"/>
-              </a:solidFill>
-            </a:endParaRPr>
-          </a:p>
-        </p:txBody>
-      </p:sp>
-    </p:spTree>
-  </p:cSld>
-  <p:clrMapOvr>
-    <a:masterClrMapping/>
-  </p:clrMapOvr>
-</p:sld>
-</file>
-
-<file path=ppt/slides/slide8.xml><?xml version="1.0" encoding="utf-8"?>
-<p:sld xmlns:a="http://schemas.openxmlformats.org/drawingml/2006/main" xmlns:r="http://schemas.openxmlformats.org/officeDocument/2006/relationships" xmlns:p="http://schemas.openxmlformats.org/presentationml/2006/main">
-  <p:cSld>
-    <p:spTree>
-      <p:nvGrpSpPr>
-        <p:cNvPr id="1" name=""/>
-        <p:cNvGrpSpPr/>
-        <p:nvPr/>
-      </p:nvGrpSpPr>
-      <p:grpSpPr>
-        <a:xfrm>
-          <a:off x="0" y="0"/>
-          <a:ext cx="0" cy="0"/>
-          <a:chOff x="0" y="0"/>
-          <a:chExt cx="0" cy="0"/>
-        </a:xfrm>
-      </p:grpSpPr>
-      <p:sp>
-        <p:nvSpPr>
-          <p:cNvPr id="15362" name="Title 1">
-            <a:extLst>
-              <a:ext uri="{FF2B5EF4-FFF2-40B4-BE49-F238E27FC236}">
-                <a16:creationId xmlns:a16="http://schemas.microsoft.com/office/drawing/2014/main" id="{B856CBD5-607F-0EA4-1C5A-AEAD138C859A}"/>
-              </a:ext>
-            </a:extLst>
-          </p:cNvPr>
-          <p:cNvSpPr>
-            <a:spLocks noGrp="1"/>
-          </p:cNvSpPr>
-          <p:nvPr>
-            <p:ph type="title"/>
-          </p:nvPr>
-        </p:nvSpPr>
-        <p:spPr>
-          <a:xfrm>
-            <a:off x="155575" y="152400"/>
-            <a:ext cx="8001000" cy="457200"/>
-          </a:xfrm>
-        </p:spPr>
-        <p:txBody>
-          <a:bodyPr/>
-          <a:lstStyle/>
-          <a:p>
-            <a:r>
-              <a:rPr altLang="en-US">
-                <a:ea typeface="MS PGothic" panose="020B0600070205080204" pitchFamily="34" charset="-128"/>
-              </a:rPr>
-              <a:t>In Class - Break a script tool</a:t>
-            </a:r>
-          </a:p>
-        </p:txBody>
-      </p:sp>
-      <p:sp>
-        <p:nvSpPr>
-          <p:cNvPr id="15363" name="Content Placeholder 2">
-            <a:extLst>
-              <a:ext uri="{FF2B5EF4-FFF2-40B4-BE49-F238E27FC236}">
-                <a16:creationId xmlns:a16="http://schemas.microsoft.com/office/drawing/2014/main" id="{04881D7B-5C8A-6685-A9FC-D4692038C306}"/>
-              </a:ext>
-            </a:extLst>
-          </p:cNvPr>
-          <p:cNvSpPr>
-            <a:spLocks noGrp="1"/>
-          </p:cNvSpPr>
-          <p:nvPr>
-            <p:ph idx="1"/>
-          </p:nvPr>
-        </p:nvSpPr>
-        <p:spPr>
-          <a:xfrm>
-            <a:off x="152400" y="800100"/>
-            <a:ext cx="8686800" cy="5410200"/>
-          </a:xfrm>
-        </p:spPr>
-        <p:txBody>
-          <a:bodyPr/>
-          <a:lstStyle/>
-          <a:p>
-            <a:pPr>
-              <a:buFont typeface="Garamond" panose="02020404030301010803" pitchFamily="18" charset="0"/>
-              <a:buAutoNum type="arabicPeriod"/>
-            </a:pPr>
-            <a:r>
-              <a:rPr lang="en-US" altLang="en-US" sz="1100" dirty="0"/>
-              <a:t>Right click on the '</a:t>
-            </a:r>
-            <a:r>
-              <a:rPr lang="en-US" altLang="en-US" sz="1100" dirty="0" err="1"/>
-              <a:t>printTextFiles</a:t>
-            </a:r>
-            <a:r>
-              <a:rPr lang="en-US" altLang="en-US" sz="1100" dirty="0"/>
-              <a:t>' script tool, select 'Properties...', and then select the 'Source' tab. Note the Python script specified by the 'Script file' path on this tab ('C:\</a:t>
-            </a:r>
-            <a:r>
-              <a:rPr lang="en-US" altLang="en-US" sz="1100" dirty="0" err="1"/>
-              <a:t>gispy</a:t>
-            </a:r>
-            <a:r>
-              <a:rPr lang="en-US" altLang="en-US" sz="1100" dirty="0"/>
-              <a:t>\scratch\textLister.py'). Close the script tool properties by clicking 'OK'.</a:t>
-            </a:r>
-            <a:br>
-              <a:rPr lang="en-US" altLang="en-US" sz="1100" dirty="0"/>
-            </a:br>
-            <a:endParaRPr lang="en-US" altLang="en-US" sz="1100" dirty="0"/>
-          </a:p>
-          <a:p>
-            <a:pPr>
-              <a:buFont typeface="Garamond" panose="02020404030301010803" pitchFamily="18" charset="0"/>
-              <a:buAutoNum type="arabicPeriod"/>
-            </a:pPr>
-            <a:r>
-              <a:rPr lang="en-US" altLang="en-US" sz="1100" dirty="0"/>
-              <a:t>Browse to 'textLister.py' and open it. Add another message to 'textLister.py' and save the script:</a:t>
-            </a:r>
-            <a:br>
-              <a:rPr lang="en-US" altLang="en-US" sz="1100" dirty="0"/>
-            </a:br>
-            <a:r>
-              <a:rPr lang="en-US" altLang="en-US" sz="1100" dirty="0" err="1"/>
-              <a:t>arcpy.AddMessage</a:t>
-            </a:r>
-            <a:r>
-              <a:rPr lang="en-US" altLang="en-US" sz="1100" dirty="0"/>
-              <a:t>('***I like kale***!') </a:t>
-            </a:r>
-            <a:br>
-              <a:rPr lang="en-US" altLang="en-US" sz="1100" dirty="0"/>
-            </a:br>
-            <a:endParaRPr lang="en-US" altLang="en-US" sz="1100" dirty="0"/>
-          </a:p>
-          <a:p>
-            <a:pPr>
-              <a:buFont typeface="Garamond" panose="02020404030301010803" pitchFamily="18" charset="0"/>
-              <a:buAutoNum type="arabicPeriod"/>
-            </a:pPr>
-            <a:r>
-              <a:rPr lang="en-US" altLang="en-US" sz="1100" dirty="0"/>
-              <a:t>Double click on the script tool to run it again. Do you see a change?</a:t>
-            </a:r>
-            <a:br>
-              <a:rPr lang="en-US" altLang="en-US" sz="1100" dirty="0"/>
-            </a:br>
-            <a:endParaRPr lang="en-US" altLang="en-US" sz="1100" dirty="0"/>
-          </a:p>
-          <a:p>
-            <a:pPr>
-              <a:buFont typeface="Garamond" panose="02020404030301010803" pitchFamily="18" charset="0"/>
-              <a:buAutoNum type="arabicPeriod"/>
-            </a:pPr>
-            <a:r>
-              <a:rPr lang="en-US" altLang="en-US" sz="1100" dirty="0"/>
-              <a:t>Rename 'textLister.py' to 'textLister2.py' and run the script tool again. What happens?</a:t>
-            </a:r>
-            <a:br>
-              <a:rPr lang="en-US" altLang="en-US" sz="1100" dirty="0"/>
-            </a:br>
-            <a:endParaRPr lang="en-US" altLang="en-US" sz="1100" dirty="0"/>
-          </a:p>
-          <a:p>
-            <a:pPr>
-              <a:buFont typeface="Garamond" panose="02020404030301010803" pitchFamily="18" charset="0"/>
-              <a:buAutoNum type="arabicPeriod"/>
-            </a:pPr>
-            <a:r>
-              <a:rPr lang="en-US" altLang="en-US" sz="1100" dirty="0"/>
-              <a:t>Rename the script back to its original name, 'textLister.py' and run the script tool again. Is it working? Why?</a:t>
-            </a:r>
-            <a:br>
-              <a:rPr lang="en-US" altLang="en-US" sz="1100" dirty="0"/>
-            </a:br>
-            <a:endParaRPr lang="en-US" altLang="en-US" sz="1100" dirty="0"/>
-          </a:p>
-          <a:p>
-            <a:pPr>
-              <a:buFont typeface="Garamond" panose="02020404030301010803" pitchFamily="18" charset="0"/>
-              <a:buAutoNum type="arabicPeriod"/>
-            </a:pPr>
-            <a:r>
-              <a:rPr lang="en-US" altLang="en-US" sz="1100" dirty="0"/>
-              <a:t>Now make a directory 'C:\</a:t>
-            </a:r>
-            <a:r>
-              <a:rPr lang="en-US" altLang="en-US" sz="1100" dirty="0" err="1"/>
-              <a:t>gispy</a:t>
-            </a:r>
-            <a:r>
-              <a:rPr lang="en-US" altLang="en-US" sz="1100" dirty="0"/>
-              <a:t>\scratch\</a:t>
-            </a:r>
-            <a:r>
-              <a:rPr lang="en-US" altLang="en-US" sz="1100" dirty="0" err="1"/>
-              <a:t>breakStuff</a:t>
-            </a:r>
-            <a:r>
-              <a:rPr lang="en-US" altLang="en-US" sz="1100" dirty="0"/>
-              <a:t>' and move 'textLister.py' down into it. Run the script tool again. What happens?</a:t>
-            </a:r>
-            <a:br>
-              <a:rPr lang="en-US" altLang="en-US" sz="1100" dirty="0"/>
-            </a:br>
-            <a:endParaRPr lang="en-US" altLang="en-US" sz="1100" dirty="0"/>
-          </a:p>
-          <a:p>
-            <a:pPr>
-              <a:buFont typeface="Garamond" panose="02020404030301010803" pitchFamily="18" charset="0"/>
-              <a:buAutoNum type="arabicPeriod"/>
-            </a:pPr>
-            <a:r>
-              <a:rPr lang="en-US" altLang="en-US" sz="1100" dirty="0"/>
-              <a:t>Copy the toolbox to your 'Documents' directory. Run the script tool again. Does it work? Why?</a:t>
-            </a:r>
-            <a:br>
-              <a:rPr lang="en-US" altLang="en-US" sz="1100" dirty="0"/>
-            </a:br>
-            <a:endParaRPr lang="en-US" altLang="en-US" sz="1100" dirty="0"/>
-          </a:p>
-          <a:p>
-            <a:pPr>
-              <a:buFont typeface="Garamond" panose="02020404030301010803" pitchFamily="18" charset="0"/>
-              <a:buAutoNum type="arabicPeriod"/>
-            </a:pPr>
-            <a:r>
-              <a:rPr lang="en-US" altLang="en-US" sz="1100" dirty="0"/>
-              <a:t>Move textLister.py to the 'Documents' directory. Run the script tool again. Does it work? Why?</a:t>
-            </a:r>
-          </a:p>
-        </p:txBody>
-      </p:sp>
-      <p:sp>
-        <p:nvSpPr>
-          <p:cNvPr id="15364" name="Slide Number Placeholder 3">
-            <a:extLst>
-              <a:ext uri="{FF2B5EF4-FFF2-40B4-BE49-F238E27FC236}">
-                <a16:creationId xmlns:a16="http://schemas.microsoft.com/office/drawing/2014/main" id="{650B93C1-87FD-3D56-7E02-59026B540077}"/>
-              </a:ext>
-            </a:extLst>
-          </p:cNvPr>
-          <p:cNvSpPr>
-            <a:spLocks noGrp="1"/>
-          </p:cNvSpPr>
-          <p:nvPr>
-            <p:ph type="sldNum" sz="quarter" idx="12"/>
-          </p:nvPr>
-        </p:nvSpPr>
-        <p:spPr>
-          <a:noFill/>
-        </p:spPr>
-        <p:txBody>
-          <a:bodyPr/>
-          <a:lstStyle>
-            <a:lvl1pPr>
-              <a:spcBef>
-                <a:spcPct val="20000"/>
-              </a:spcBef>
-              <a:buChar char="•"/>
-              <a:defRPr sz="3200">
-                <a:solidFill>
-                  <a:schemeClr val="tx1"/>
-                </a:solidFill>
-                <a:latin typeface="Arial" panose="020B0604020202020204" pitchFamily="34" charset="0"/>
-              </a:defRPr>
-            </a:lvl1pPr>
-            <a:lvl2pPr marL="742950" indent="-285750">
-              <a:spcBef>
-                <a:spcPct val="20000"/>
-              </a:spcBef>
-              <a:defRPr sz="2800">
-                <a:solidFill>
-                  <a:schemeClr val="tx1"/>
-                </a:solidFill>
-                <a:latin typeface="Arial" panose="020B0604020202020204" pitchFamily="34" charset="0"/>
-              </a:defRPr>
-            </a:lvl2pPr>
-            <a:lvl3pPr marL="1143000" indent="-228600">
-              <a:spcBef>
-                <a:spcPct val="20000"/>
-              </a:spcBef>
-              <a:buChar char="•"/>
-              <a:defRPr sz="2400">
-                <a:solidFill>
-                  <a:schemeClr val="tx1"/>
-                </a:solidFill>
-                <a:latin typeface="Arial" panose="020B0604020202020204" pitchFamily="34" charset="0"/>
-              </a:defRPr>
-            </a:lvl3pPr>
-            <a:lvl4pPr marL="1600200" indent="-228600">
-              <a:spcBef>
-                <a:spcPct val="20000"/>
-              </a:spcBef>
-              <a:buChar char="–"/>
-              <a:defRPr sz="2000">
-                <a:solidFill>
-                  <a:schemeClr val="tx1"/>
-                </a:solidFill>
-                <a:latin typeface="Arial" panose="020B0604020202020204" pitchFamily="34" charset="0"/>
-              </a:defRPr>
-            </a:lvl4pPr>
-            <a:lvl5pPr marL="2057400" indent="-228600">
-              <a:spcBef>
-                <a:spcPct val="20000"/>
-              </a:spcBef>
-              <a:buChar char="»"/>
-              <a:defRPr sz="2000">
-                <a:solidFill>
-                  <a:schemeClr val="tx1"/>
-                </a:solidFill>
-                <a:latin typeface="Arial" panose="020B0604020202020204" pitchFamily="34" charset="0"/>
-              </a:defRPr>
-            </a:lvl5pPr>
-            <a:lvl6pPr marL="2514600" indent="-228600" eaLnBrk="0" fontAlgn="base" hangingPunct="0">
-              <a:spcBef>
-                <a:spcPct val="20000"/>
-              </a:spcBef>
-              <a:spcAft>
-                <a:spcPct val="0"/>
-              </a:spcAft>
-              <a:buChar char="»"/>
-              <a:defRPr sz="2000">
-                <a:solidFill>
-                  <a:schemeClr val="tx1"/>
-                </a:solidFill>
-                <a:latin typeface="Arial" panose="020B0604020202020204" pitchFamily="34" charset="0"/>
-              </a:defRPr>
-            </a:lvl6pPr>
-            <a:lvl7pPr marL="2971800" indent="-228600" eaLnBrk="0" fontAlgn="base" hangingPunct="0">
-              <a:spcBef>
-                <a:spcPct val="20000"/>
-              </a:spcBef>
-              <a:spcAft>
-                <a:spcPct val="0"/>
-              </a:spcAft>
-              <a:buChar char="»"/>
-              <a:defRPr sz="2000">
-                <a:solidFill>
-                  <a:schemeClr val="tx1"/>
-                </a:solidFill>
-                <a:latin typeface="Arial" panose="020B0604020202020204" pitchFamily="34" charset="0"/>
-              </a:defRPr>
-            </a:lvl7pPr>
-            <a:lvl8pPr marL="3429000" indent="-228600" eaLnBrk="0" fontAlgn="base" hangingPunct="0">
-              <a:spcBef>
-                <a:spcPct val="20000"/>
-              </a:spcBef>
-              <a:spcAft>
-                <a:spcPct val="0"/>
-              </a:spcAft>
-              <a:buChar char="»"/>
-              <a:defRPr sz="2000">
-                <a:solidFill>
-                  <a:schemeClr val="tx1"/>
-                </a:solidFill>
-                <a:latin typeface="Arial" panose="020B0604020202020204" pitchFamily="34" charset="0"/>
-              </a:defRPr>
-            </a:lvl8pPr>
-            <a:lvl9pPr marL="3886200" indent="-228600" eaLnBrk="0" fontAlgn="base" hangingPunct="0">
-              <a:spcBef>
-                <a:spcPct val="20000"/>
-              </a:spcBef>
-              <a:spcAft>
-                <a:spcPct val="0"/>
-              </a:spcAft>
-              <a:buChar char="»"/>
-              <a:defRPr sz="2000">
-                <a:solidFill>
-                  <a:schemeClr val="tx1"/>
-                </a:solidFill>
-                <a:latin typeface="Arial" panose="020B0604020202020204" pitchFamily="34" charset="0"/>
-              </a:defRPr>
-            </a:lvl9pPr>
-          </a:lstStyle>
-          <a:p>
-            <a:pPr>
-              <a:spcBef>
-                <a:spcPct val="0"/>
-              </a:spcBef>
-              <a:buFontTx/>
-              <a:buNone/>
-            </a:pPr>
-            <a:fld id="{D069C638-902B-49D3-A10C-711C74BFFA65}" type="slidenum">
-              <a:rPr lang="en-US" altLang="en-US" sz="1400">
-                <a:solidFill>
-                  <a:srgbClr val="008000"/>
-                </a:solidFill>
-              </a:rPr>
-              <a:pPr>
-                <a:spcBef>
-                  <a:spcPct val="0"/>
-                </a:spcBef>
-                <a:buFontTx/>
-                <a:buNone/>
-              </a:pPr>
-              <a:t>8</a:t>
-            </a:fld>
-            <a:endParaRPr lang="en-US" altLang="en-US" sz="1400">
-              <a:solidFill>
-                <a:srgbClr val="008000"/>
-              </a:solidFill>
-            </a:endParaRPr>
-          </a:p>
-        </p:txBody>
-      </p:sp>
-      <p:pic>
-        <p:nvPicPr>
-          <p:cNvPr id="5" name="Picture 4">
-            <a:extLst>
-              <a:ext uri="{FF2B5EF4-FFF2-40B4-BE49-F238E27FC236}">
-                <a16:creationId xmlns:a16="http://schemas.microsoft.com/office/drawing/2014/main" id="{4B21B73A-79F6-89FF-2CFC-C9894D9F84AD}"/>
-              </a:ext>
-            </a:extLst>
-          </p:cNvPr>
-          <p:cNvPicPr>
-            <a:picLocks noChangeAspect="1"/>
-          </p:cNvPicPr>
-          <p:nvPr/>
-        </p:nvPicPr>
-        <p:blipFill>
-          <a:blip r:embed="rId2"/>
-          <a:stretch>
-            <a:fillRect/>
-          </a:stretch>
-        </p:blipFill>
-        <p:spPr>
-          <a:xfrm>
-            <a:off x="762000" y="4701893"/>
-            <a:ext cx="7078063" cy="2019582"/>
-          </a:xfrm>
-          <a:prstGeom prst="rect">
-            <a:avLst/>
-          </a:prstGeom>
-        </p:spPr>
-      </p:pic>
-    </p:spTree>
-  </p:cSld>
-  <p:clrMapOvr>
-    <a:masterClrMapping/>
-  </p:clrMapOvr>
-</p:sld>
-</file>
-
-<file path=ppt/slides/slide9.xml><?xml version="1.0" encoding="utf-8"?>
-<p:sld xmlns:a="http://schemas.openxmlformats.org/drawingml/2006/main" xmlns:r="http://schemas.openxmlformats.org/officeDocument/2006/relationships" xmlns:p="http://schemas.openxmlformats.org/presentationml/2006/main">
-  <p:cSld>
-    <p:spTree>
-      <p:nvGrpSpPr>
-        <p:cNvPr id="1" name=""/>
-        <p:cNvGrpSpPr/>
-        <p:nvPr/>
-      </p:nvGrpSpPr>
-      <p:grpSpPr>
-        <a:xfrm>
-          <a:off x="0" y="0"/>
-          <a:ext cx="0" cy="0"/>
-          <a:chOff x="0" y="0"/>
-          <a:chExt cx="0" cy="0"/>
-        </a:xfrm>
-      </p:grpSpPr>
-      <p:sp>
-        <p:nvSpPr>
-          <p:cNvPr id="16386" name="Title 1">
-            <a:extLst>
-              <a:ext uri="{FF2B5EF4-FFF2-40B4-BE49-F238E27FC236}">
-                <a16:creationId xmlns:a16="http://schemas.microsoft.com/office/drawing/2014/main" id="{E4242BE9-EDDD-078D-36C9-5D9BCB3AED15}"/>
-              </a:ext>
-            </a:extLst>
-          </p:cNvPr>
-          <p:cNvSpPr>
-            <a:spLocks noGrp="1"/>
-          </p:cNvSpPr>
-          <p:nvPr>
-            <p:ph type="title"/>
-          </p:nvPr>
-        </p:nvSpPr>
-        <p:spPr>
-          <a:xfrm>
-            <a:off x="155575" y="152400"/>
-            <a:ext cx="8001000" cy="457200"/>
-          </a:xfrm>
-        </p:spPr>
-        <p:txBody>
-          <a:bodyPr/>
-          <a:lstStyle/>
-          <a:p>
-            <a:r>
-              <a:rPr altLang="en-US">
-                <a:ea typeface="MS PGothic" panose="020B0600070205080204" pitchFamily="34" charset="-128"/>
-              </a:rPr>
-              <a:t>Script tool concepts to remember</a:t>
-            </a:r>
-          </a:p>
-        </p:txBody>
-      </p:sp>
-      <p:sp>
-        <p:nvSpPr>
-          <p:cNvPr id="16387" name="Content Placeholder 2">
-            <a:extLst>
-              <a:ext uri="{FF2B5EF4-FFF2-40B4-BE49-F238E27FC236}">
-                <a16:creationId xmlns:a16="http://schemas.microsoft.com/office/drawing/2014/main" id="{A322465B-1C8D-34FA-D328-81D30A148C14}"/>
-              </a:ext>
-            </a:extLst>
-          </p:cNvPr>
-          <p:cNvSpPr>
-            <a:spLocks noGrp="1"/>
-          </p:cNvSpPr>
-          <p:nvPr>
-            <p:ph idx="1"/>
-          </p:nvPr>
-        </p:nvSpPr>
-        <p:spPr/>
-        <p:txBody>
-          <a:bodyPr/>
-          <a:lstStyle/>
-          <a:p>
-            <a:r>
-              <a:rPr lang="en-US" altLang="en-US" sz="2000" dirty="0"/>
-              <a:t>Script Tools do not appear in Windows Explorer. They are part of a toolbox (</a:t>
-            </a:r>
-            <a:r>
-              <a:rPr lang="en-US" altLang="en-US" sz="2000" dirty="0" err="1"/>
-              <a:t>atbx</a:t>
-            </a:r>
-            <a:r>
-              <a:rPr lang="en-US" altLang="en-US" sz="2000" dirty="0"/>
-              <a:t>) file. </a:t>
-            </a:r>
-          </a:p>
-          <a:p>
-            <a:endParaRPr lang="en-US" altLang="en-US" sz="2000" dirty="0"/>
-          </a:p>
-          <a:p>
-            <a:r>
-              <a:rPr lang="en-US" altLang="en-US" sz="2000" dirty="0"/>
-              <a:t>Since a script tool points to a script, you can change the script and see the updates immediately when you run the tool. </a:t>
-            </a:r>
-          </a:p>
-          <a:p>
-            <a:endParaRPr lang="en-US" altLang="en-US" sz="2000" dirty="0"/>
-          </a:p>
-          <a:p>
-            <a:r>
-              <a:rPr lang="en-US" altLang="en-US" sz="2000" dirty="0"/>
-              <a:t>If you rename, move, or remove the underlying script, the script tool will be broken.</a:t>
-            </a:r>
-          </a:p>
-          <a:p>
-            <a:endParaRPr lang="en-US" altLang="en-US" sz="2000" dirty="0"/>
-          </a:p>
-          <a:p>
-            <a:r>
-              <a:rPr lang="en-US" altLang="en-US" sz="2000" dirty="0"/>
-              <a:t>For portability, copy the toolbox and the script maintaining the relative path.</a:t>
-            </a:r>
-          </a:p>
-          <a:p>
-            <a:endParaRPr lang="en-US" altLang="en-US" sz="2000" dirty="0"/>
-          </a:p>
-          <a:p>
-            <a:r>
-              <a:rPr lang="en-US" altLang="en-US" sz="2000" dirty="0"/>
-              <a:t>Script tools don't have a debugger, so it's important to test Python scripts thoroughly outside the script tool.</a:t>
-            </a:r>
-          </a:p>
-          <a:p>
-            <a:endParaRPr lang="en-US" altLang="en-US" sz="2000" dirty="0"/>
-          </a:p>
-          <a:p>
-            <a:r>
-              <a:rPr lang="en-US" altLang="en-US" sz="2000" dirty="0"/>
-              <a:t>A simple way to maintain relative paths is to set up the script tools and scripts in the same project directory and share that entire directory.</a:t>
-            </a:r>
-          </a:p>
-          <a:p>
-            <a:endParaRPr lang="en-US" altLang="en-US" sz="2000" dirty="0"/>
-          </a:p>
-        </p:txBody>
-      </p:sp>
-      <p:sp>
-        <p:nvSpPr>
-          <p:cNvPr id="16388" name="Slide Number Placeholder 3">
-            <a:extLst>
-              <a:ext uri="{FF2B5EF4-FFF2-40B4-BE49-F238E27FC236}">
-                <a16:creationId xmlns:a16="http://schemas.microsoft.com/office/drawing/2014/main" id="{16A66BB9-A14F-96ED-33DA-6A4621AF67A6}"/>
-              </a:ext>
-            </a:extLst>
-          </p:cNvPr>
-          <p:cNvSpPr>
-            <a:spLocks noGrp="1"/>
-          </p:cNvSpPr>
-          <p:nvPr>
-            <p:ph type="sldNum" sz="quarter" idx="12"/>
-          </p:nvPr>
-        </p:nvSpPr>
-        <p:spPr>
-          <a:noFill/>
-        </p:spPr>
-        <p:txBody>
-          <a:bodyPr/>
-          <a:lstStyle>
-            <a:lvl1pPr>
-              <a:spcBef>
-                <a:spcPct val="20000"/>
-              </a:spcBef>
-              <a:buChar char="•"/>
-              <a:defRPr sz="3200">
-                <a:solidFill>
-                  <a:schemeClr val="tx1"/>
-                </a:solidFill>
-                <a:latin typeface="Arial" panose="020B0604020202020204" pitchFamily="34" charset="0"/>
-              </a:defRPr>
-            </a:lvl1pPr>
-            <a:lvl2pPr marL="742950" indent="-285750">
-              <a:spcBef>
-                <a:spcPct val="20000"/>
-              </a:spcBef>
-              <a:defRPr sz="2800">
-                <a:solidFill>
-                  <a:schemeClr val="tx1"/>
-                </a:solidFill>
-                <a:latin typeface="Arial" panose="020B0604020202020204" pitchFamily="34" charset="0"/>
-              </a:defRPr>
-            </a:lvl2pPr>
-            <a:lvl3pPr marL="1143000" indent="-228600">
-              <a:spcBef>
-                <a:spcPct val="20000"/>
-              </a:spcBef>
-              <a:buChar char="•"/>
-              <a:defRPr sz="2400">
-                <a:solidFill>
-                  <a:schemeClr val="tx1"/>
-                </a:solidFill>
-                <a:latin typeface="Arial" panose="020B0604020202020204" pitchFamily="34" charset="0"/>
-              </a:defRPr>
-            </a:lvl3pPr>
-            <a:lvl4pPr marL="1600200" indent="-228600">
-              <a:spcBef>
-                <a:spcPct val="20000"/>
-              </a:spcBef>
-              <a:buChar char="–"/>
-              <a:defRPr sz="2000">
-                <a:solidFill>
-                  <a:schemeClr val="tx1"/>
-                </a:solidFill>
-                <a:latin typeface="Arial" panose="020B0604020202020204" pitchFamily="34" charset="0"/>
-              </a:defRPr>
-            </a:lvl4pPr>
-            <a:lvl5pPr marL="2057400" indent="-228600">
-              <a:spcBef>
-                <a:spcPct val="20000"/>
-              </a:spcBef>
-              <a:buChar char="»"/>
-              <a:defRPr sz="2000">
-                <a:solidFill>
-                  <a:schemeClr val="tx1"/>
-                </a:solidFill>
-                <a:latin typeface="Arial" panose="020B0604020202020204" pitchFamily="34" charset="0"/>
-              </a:defRPr>
-            </a:lvl5pPr>
-            <a:lvl6pPr marL="2514600" indent="-228600" eaLnBrk="0" fontAlgn="base" hangingPunct="0">
-              <a:spcBef>
-                <a:spcPct val="20000"/>
-              </a:spcBef>
-              <a:spcAft>
-                <a:spcPct val="0"/>
-              </a:spcAft>
-              <a:buChar char="»"/>
-              <a:defRPr sz="2000">
-                <a:solidFill>
-                  <a:schemeClr val="tx1"/>
-                </a:solidFill>
-                <a:latin typeface="Arial" panose="020B0604020202020204" pitchFamily="34" charset="0"/>
-              </a:defRPr>
-            </a:lvl6pPr>
-            <a:lvl7pPr marL="2971800" indent="-228600" eaLnBrk="0" fontAlgn="base" hangingPunct="0">
-              <a:spcBef>
-                <a:spcPct val="20000"/>
-              </a:spcBef>
-              <a:spcAft>
-                <a:spcPct val="0"/>
-              </a:spcAft>
-              <a:buChar char="»"/>
-              <a:defRPr sz="2000">
-                <a:solidFill>
-                  <a:schemeClr val="tx1"/>
-                </a:solidFill>
-                <a:latin typeface="Arial" panose="020B0604020202020204" pitchFamily="34" charset="0"/>
-              </a:defRPr>
-            </a:lvl7pPr>
-            <a:lvl8pPr marL="3429000" indent="-228600" eaLnBrk="0" fontAlgn="base" hangingPunct="0">
-              <a:spcBef>
-                <a:spcPct val="20000"/>
-              </a:spcBef>
-              <a:spcAft>
-                <a:spcPct val="0"/>
-              </a:spcAft>
-              <a:buChar char="»"/>
-              <a:defRPr sz="2000">
-                <a:solidFill>
-                  <a:schemeClr val="tx1"/>
-                </a:solidFill>
-                <a:latin typeface="Arial" panose="020B0604020202020204" pitchFamily="34" charset="0"/>
-              </a:defRPr>
-            </a:lvl8pPr>
-            <a:lvl9pPr marL="3886200" indent="-228600" eaLnBrk="0" fontAlgn="base" hangingPunct="0">
-              <a:spcBef>
-                <a:spcPct val="20000"/>
-              </a:spcBef>
-              <a:spcAft>
-                <a:spcPct val="0"/>
-              </a:spcAft>
-              <a:buChar char="»"/>
-              <a:defRPr sz="2000">
-                <a:solidFill>
-                  <a:schemeClr val="tx1"/>
-                </a:solidFill>
-                <a:latin typeface="Arial" panose="020B0604020202020204" pitchFamily="34" charset="0"/>
-              </a:defRPr>
-            </a:lvl9pPr>
-          </a:lstStyle>
-          <a:p>
-            <a:pPr>
-              <a:spcBef>
-                <a:spcPct val="0"/>
-              </a:spcBef>
-              <a:buFontTx/>
-              <a:buNone/>
-            </a:pPr>
-            <a:fld id="{4AC613F5-23A3-401E-99EC-B4DA121CDD44}" type="slidenum">
-              <a:rPr lang="en-US" altLang="en-US" sz="1400">
-                <a:solidFill>
-                  <a:srgbClr val="008000"/>
-                </a:solidFill>
-              </a:rPr>
-              <a:pPr>
-                <a:spcBef>
-                  <a:spcPct val="0"/>
-                </a:spcBef>
-                <a:buFontTx/>
-                <a:buNone/>
-              </a:pPr>
-              <a:t>9</a:t>
-            </a:fld>
-            <a:endParaRPr lang="en-US" altLang="en-US" sz="1400">
-              <a:solidFill>
-                <a:srgbClr val="008000"/>
-              </a:solidFill>
-            </a:endParaRPr>
           </a:p>
         </p:txBody>
       </p:sp>
